--- a/doc/프레젠테이션1.pptx
+++ b/doc/프레젠테이션1.pptx
@@ -825,7 +825,7 @@
           <a:p>
             <a:fld id="{1617CACB-9D38-4EEB-91EB-F5CC6553B83F}" type="datetimeFigureOut">
               <a:rPr lang="ko-KR" altLang="en-US" smtClean="0"/>
-              <a:t>2018. 9. 20.</a:t>
+              <a:t>2018-09-21</a:t>
             </a:fld>
             <a:endParaRPr lang="ko-KR" altLang="en-US"/>
           </a:p>
@@ -1219,7 +1219,7 @@
           <a:p>
             <a:fld id="{1617CACB-9D38-4EEB-91EB-F5CC6553B83F}" type="datetimeFigureOut">
               <a:rPr lang="ko-KR" altLang="en-US" smtClean="0"/>
-              <a:t>2018. 9. 20.</a:t>
+              <a:t>2018-09-21</a:t>
             </a:fld>
             <a:endParaRPr lang="ko-KR" altLang="en-US"/>
           </a:p>
@@ -1459,7 +1459,7 @@
           <a:p>
             <a:fld id="{1617CACB-9D38-4EEB-91EB-F5CC6553B83F}" type="datetimeFigureOut">
               <a:rPr lang="ko-KR" altLang="en-US" smtClean="0"/>
-              <a:t>2018. 9. 20.</a:t>
+              <a:t>2018-09-21</a:t>
             </a:fld>
             <a:endParaRPr lang="ko-KR" altLang="en-US"/>
           </a:p>
@@ -1639,7 +1639,7 @@
           <a:p>
             <a:fld id="{1617CACB-9D38-4EEB-91EB-F5CC6553B83F}" type="datetimeFigureOut">
               <a:rPr lang="ko-KR" altLang="en-US" smtClean="0"/>
-              <a:t>2018. 9. 20.</a:t>
+              <a:t>2018-09-21</a:t>
             </a:fld>
             <a:endParaRPr lang="ko-KR" altLang="en-US"/>
           </a:p>
@@ -1831,7 +1831,7 @@
           <a:p>
             <a:fld id="{1E0512C5-A6D7-4044-9BED-17117FB22858}" type="datetimeFigureOut">
               <a:rPr lang="ko-KR" altLang="en-US" smtClean="0"/>
-              <a:t>2018. 9. 20.</a:t>
+              <a:t>2018-09-21</a:t>
             </a:fld>
             <a:endParaRPr lang="ko-KR" altLang="en-US"/>
           </a:p>
@@ -2001,7 +2001,7 @@
           <a:p>
             <a:fld id="{1E0512C5-A6D7-4044-9BED-17117FB22858}" type="datetimeFigureOut">
               <a:rPr lang="ko-KR" altLang="en-US" smtClean="0"/>
-              <a:t>2018. 9. 20.</a:t>
+              <a:t>2018-09-21</a:t>
             </a:fld>
             <a:endParaRPr lang="ko-KR" altLang="en-US"/>
           </a:p>
@@ -2247,7 +2247,7 @@
           <a:p>
             <a:fld id="{1E0512C5-A6D7-4044-9BED-17117FB22858}" type="datetimeFigureOut">
               <a:rPr lang="ko-KR" altLang="en-US" smtClean="0"/>
-              <a:t>2018. 9. 20.</a:t>
+              <a:t>2018-09-21</a:t>
             </a:fld>
             <a:endParaRPr lang="ko-KR" altLang="en-US"/>
           </a:p>
@@ -2479,7 +2479,7 @@
           <a:p>
             <a:fld id="{1E0512C5-A6D7-4044-9BED-17117FB22858}" type="datetimeFigureOut">
               <a:rPr lang="ko-KR" altLang="en-US" smtClean="0"/>
-              <a:t>2018. 9. 20.</a:t>
+              <a:t>2018-09-21</a:t>
             </a:fld>
             <a:endParaRPr lang="ko-KR" altLang="en-US"/>
           </a:p>
@@ -2841,7 +2841,7 @@
           <a:p>
             <a:fld id="{1E0512C5-A6D7-4044-9BED-17117FB22858}" type="datetimeFigureOut">
               <a:rPr lang="ko-KR" altLang="en-US" smtClean="0"/>
-              <a:t>2018. 9. 20.</a:t>
+              <a:t>2018-09-21</a:t>
             </a:fld>
             <a:endParaRPr lang="ko-KR" altLang="en-US"/>
           </a:p>
@@ -2959,7 +2959,7 @@
           <a:p>
             <a:fld id="{1E0512C5-A6D7-4044-9BED-17117FB22858}" type="datetimeFigureOut">
               <a:rPr lang="ko-KR" altLang="en-US" smtClean="0"/>
-              <a:t>2018. 9. 20.</a:t>
+              <a:t>2018-09-21</a:t>
             </a:fld>
             <a:endParaRPr lang="ko-KR" altLang="en-US"/>
           </a:p>
@@ -3129,7 +3129,7 @@
           <a:p>
             <a:fld id="{1617CACB-9D38-4EEB-91EB-F5CC6553B83F}" type="datetimeFigureOut">
               <a:rPr lang="ko-KR" altLang="en-US" smtClean="0"/>
-              <a:t>2018. 9. 20.</a:t>
+              <a:t>2018-09-21</a:t>
             </a:fld>
             <a:endParaRPr lang="ko-KR" altLang="en-US"/>
           </a:p>
@@ -3224,7 +3224,7 @@
           <a:p>
             <a:fld id="{1E0512C5-A6D7-4044-9BED-17117FB22858}" type="datetimeFigureOut">
               <a:rPr lang="ko-KR" altLang="en-US" smtClean="0"/>
-              <a:t>2018. 9. 20.</a:t>
+              <a:t>2018-09-21</a:t>
             </a:fld>
             <a:endParaRPr lang="ko-KR" altLang="en-US"/>
           </a:p>
@@ -3501,7 +3501,7 @@
           <a:p>
             <a:fld id="{1E0512C5-A6D7-4044-9BED-17117FB22858}" type="datetimeFigureOut">
               <a:rPr lang="ko-KR" altLang="en-US" smtClean="0"/>
-              <a:t>2018. 9. 20.</a:t>
+              <a:t>2018-09-21</a:t>
             </a:fld>
             <a:endParaRPr lang="ko-KR" altLang="en-US"/>
           </a:p>
@@ -3754,7 +3754,7 @@
           <a:p>
             <a:fld id="{1E0512C5-A6D7-4044-9BED-17117FB22858}" type="datetimeFigureOut">
               <a:rPr lang="ko-KR" altLang="en-US" smtClean="0"/>
-              <a:t>2018. 9. 20.</a:t>
+              <a:t>2018-09-21</a:t>
             </a:fld>
             <a:endParaRPr lang="ko-KR" altLang="en-US"/>
           </a:p>
@@ -3924,7 +3924,7 @@
           <a:p>
             <a:fld id="{1E0512C5-A6D7-4044-9BED-17117FB22858}" type="datetimeFigureOut">
               <a:rPr lang="ko-KR" altLang="en-US" smtClean="0"/>
-              <a:t>2018. 9. 20.</a:t>
+              <a:t>2018-09-21</a:t>
             </a:fld>
             <a:endParaRPr lang="ko-KR" altLang="en-US"/>
           </a:p>
@@ -4104,7 +4104,7 @@
           <a:p>
             <a:fld id="{1E0512C5-A6D7-4044-9BED-17117FB22858}" type="datetimeFigureOut">
               <a:rPr lang="ko-KR" altLang="en-US" smtClean="0"/>
-              <a:t>2018. 9. 20.</a:t>
+              <a:t>2018-09-21</a:t>
             </a:fld>
             <a:endParaRPr lang="ko-KR" altLang="en-US"/>
           </a:p>
@@ -4675,7 +4675,7 @@
           <a:p>
             <a:fld id="{1617CACB-9D38-4EEB-91EB-F5CC6553B83F}" type="datetimeFigureOut">
               <a:rPr lang="ko-KR" altLang="en-US" smtClean="0"/>
-              <a:t>2018. 9. 20.</a:t>
+              <a:t>2018-09-21</a:t>
             </a:fld>
             <a:endParaRPr lang="ko-KR" altLang="en-US"/>
           </a:p>
@@ -4807,7 +4807,7 @@
           <a:p>
             <a:fld id="{1617CACB-9D38-4EEB-91EB-F5CC6553B83F}" type="datetimeFigureOut">
               <a:rPr lang="ko-KR" altLang="en-US" smtClean="0"/>
-              <a:t>2018. 9. 20.</a:t>
+              <a:t>2018-09-21</a:t>
             </a:fld>
             <a:endParaRPr lang="ko-KR" altLang="en-US"/>
           </a:p>
@@ -5179,7 +5179,7 @@
           <a:p>
             <a:fld id="{1617CACB-9D38-4EEB-91EB-F5CC6553B83F}" type="datetimeFigureOut">
               <a:rPr lang="ko-KR" altLang="en-US" smtClean="0"/>
-              <a:t>2018. 9. 20.</a:t>
+              <a:t>2018-09-21</a:t>
             </a:fld>
             <a:endParaRPr lang="ko-KR" altLang="en-US"/>
           </a:p>
@@ -5616,7 +5616,7 @@
           <a:p>
             <a:fld id="{1617CACB-9D38-4EEB-91EB-F5CC6553B83F}" type="datetimeFigureOut">
               <a:rPr lang="ko-KR" altLang="en-US" smtClean="0"/>
-              <a:t>2018. 9. 20.</a:t>
+              <a:t>2018-09-21</a:t>
             </a:fld>
             <a:endParaRPr lang="ko-KR" altLang="en-US"/>
           </a:p>
@@ -5734,7 +5734,7 @@
           <a:p>
             <a:fld id="{1617CACB-9D38-4EEB-91EB-F5CC6553B83F}" type="datetimeFigureOut">
               <a:rPr lang="ko-KR" altLang="en-US" smtClean="0"/>
-              <a:t>2018. 9. 20.</a:t>
+              <a:t>2018-09-21</a:t>
             </a:fld>
             <a:endParaRPr lang="ko-KR" altLang="en-US"/>
           </a:p>
@@ -5829,7 +5829,7 @@
           <a:p>
             <a:fld id="{1617CACB-9D38-4EEB-91EB-F5CC6553B83F}" type="datetimeFigureOut">
               <a:rPr lang="ko-KR" altLang="en-US" smtClean="0"/>
-              <a:t>2018. 9. 20.</a:t>
+              <a:t>2018-09-21</a:t>
             </a:fld>
             <a:endParaRPr lang="ko-KR" altLang="en-US"/>
           </a:p>
@@ -6072,7 +6072,7 @@
           <a:p>
             <a:fld id="{1617CACB-9D38-4EEB-91EB-F5CC6553B83F}" type="datetimeFigureOut">
               <a:rPr lang="ko-KR" altLang="en-US" smtClean="0"/>
-              <a:t>2018. 9. 20.</a:t>
+              <a:t>2018-09-21</a:t>
             </a:fld>
             <a:endParaRPr lang="ko-KR" altLang="en-US"/>
           </a:p>
@@ -6677,7 +6677,7 @@
           <a:p>
             <a:fld id="{1E0512C5-A6D7-4044-9BED-17117FB22858}" type="datetimeFigureOut">
               <a:rPr lang="ko-KR" altLang="en-US" smtClean="0"/>
-              <a:t>2018. 9. 20.</a:t>
+              <a:t>2018-09-21</a:t>
             </a:fld>
             <a:endParaRPr lang="ko-KR" altLang="en-US"/>
           </a:p>
@@ -7565,7 +7565,12 @@
           <a:p>
             <a:pPr algn="ctr"/>
             <a:r>
-              <a:rPr lang="ko-KR" altLang="en-US" sz="1400" dirty="0">
+              <a:rPr lang="ko-KR" altLang="en-US" sz="1400" b="1" dirty="0">
+                <a:solidFill>
+                  <a:schemeClr val="bg1">
+                    <a:lumMod val="50000"/>
+                  </a:schemeClr>
+                </a:solidFill>
                 <a:latin typeface="함초롬바탕" panose="02030504000101010101" pitchFamily="18" charset="-127"/>
                 <a:ea typeface="함초롬바탕" panose="02030504000101010101" pitchFamily="18" charset="-127"/>
                 <a:cs typeface="함초롬바탕" panose="02030504000101010101" pitchFamily="18" charset="-127"/>
@@ -7573,7 +7578,12 @@
               <a:t>저희 교회가 이 지역에서 빛과 소금의 역할을 잘 감당 할 수 있도록 오셔서 축하해 주시고 하나님의 위대한 역사를 찬양하며 격려의 말씀과 사랑의 교제를 나눌 수 있기를 기원합니다</a:t>
             </a:r>
             <a:r>
-              <a:rPr lang="en-US" altLang="ko-KR" sz="1400" dirty="0">
+              <a:rPr lang="en-US" altLang="ko-KR" sz="1400" b="1" dirty="0">
+                <a:solidFill>
+                  <a:schemeClr val="bg1">
+                    <a:lumMod val="50000"/>
+                  </a:schemeClr>
+                </a:solidFill>
                 <a:latin typeface="함초롬바탕" panose="02030504000101010101" pitchFamily="18" charset="-127"/>
                 <a:ea typeface="함초롬바탕" panose="02030504000101010101" pitchFamily="18" charset="-127"/>
                 <a:cs typeface="함초롬바탕" panose="02030504000101010101" pitchFamily="18" charset="-127"/>
@@ -7606,82 +7616,132 @@
           <a:p>
             <a:pPr algn="ctr"/>
             <a:r>
-              <a:rPr lang="ko-KR" altLang="en-US" sz="1400" dirty="0">
-                <a:latin typeface="함초롬바탕" panose="02030504000101010101" pitchFamily="18" charset="-127"/>
-                <a:ea typeface="함초롬바탕" panose="02030504000101010101" pitchFamily="18" charset="-127"/>
-                <a:cs typeface="함초롬바탕" panose="02030504000101010101" pitchFamily="18" charset="-127"/>
+              <a:rPr lang="ko-KR" altLang="en-US" sz="1400" b="1" dirty="0">
+                <a:solidFill>
+                  <a:schemeClr val="bg1">
+                    <a:lumMod val="50000"/>
+                  </a:schemeClr>
+                </a:solidFill>
+                <a:latin typeface="함초롬돋움 확장" panose="02030504000101010101" pitchFamily="18" charset="-127"/>
+                <a:ea typeface="함초롬돋움 확장" panose="02030504000101010101" pitchFamily="18" charset="-127"/>
+                <a:cs typeface="함초롬돋움 확장" panose="02030504000101010101" pitchFamily="18" charset="-127"/>
               </a:rPr>
               <a:t>주 예수 그리스도의 </a:t>
             </a:r>
-            <a:endParaRPr lang="en-US" altLang="ko-KR" sz="1400" dirty="0" smtClean="0">
-              <a:latin typeface="함초롬바탕" panose="02030504000101010101" pitchFamily="18" charset="-127"/>
-              <a:ea typeface="함초롬바탕" panose="02030504000101010101" pitchFamily="18" charset="-127"/>
-              <a:cs typeface="함초롬바탕" panose="02030504000101010101" pitchFamily="18" charset="-127"/>
+            <a:endParaRPr lang="en-US" altLang="ko-KR" sz="1400" b="1" dirty="0" smtClean="0">
+              <a:solidFill>
+                <a:schemeClr val="bg1">
+                  <a:lumMod val="50000"/>
+                </a:schemeClr>
+              </a:solidFill>
+              <a:latin typeface="함초롬돋움 확장" panose="02030504000101010101" pitchFamily="18" charset="-127"/>
+              <a:ea typeface="함초롬돋움 확장" panose="02030504000101010101" pitchFamily="18" charset="-127"/>
+              <a:cs typeface="함초롬돋움 확장" panose="02030504000101010101" pitchFamily="18" charset="-127"/>
             </a:endParaRPr>
           </a:p>
           <a:p>
             <a:pPr algn="ctr"/>
             <a:r>
-              <a:rPr lang="ko-KR" altLang="en-US" sz="1400" dirty="0" smtClean="0">
-                <a:latin typeface="함초롬바탕" panose="02030504000101010101" pitchFamily="18" charset="-127"/>
-                <a:ea typeface="함초롬바탕" panose="02030504000101010101" pitchFamily="18" charset="-127"/>
-                <a:cs typeface="함초롬바탕" panose="02030504000101010101" pitchFamily="18" charset="-127"/>
+              <a:rPr lang="ko-KR" altLang="en-US" sz="1400" b="1" dirty="0" smtClean="0">
+                <a:solidFill>
+                  <a:schemeClr val="bg1">
+                    <a:lumMod val="50000"/>
+                  </a:schemeClr>
+                </a:solidFill>
+                <a:latin typeface="함초롬돋움 확장" panose="02030504000101010101" pitchFamily="18" charset="-127"/>
+                <a:ea typeface="함초롬돋움 확장" panose="02030504000101010101" pitchFamily="18" charset="-127"/>
+                <a:cs typeface="함초롬돋움 확장" panose="02030504000101010101" pitchFamily="18" charset="-127"/>
               </a:rPr>
               <a:t>은혜와 </a:t>
             </a:r>
             <a:r>
-              <a:rPr lang="ko-KR" altLang="en-US" sz="1400" dirty="0">
-                <a:latin typeface="함초롬바탕" panose="02030504000101010101" pitchFamily="18" charset="-127"/>
-                <a:ea typeface="함초롬바탕" panose="02030504000101010101" pitchFamily="18" charset="-127"/>
-                <a:cs typeface="함초롬바탕" panose="02030504000101010101" pitchFamily="18" charset="-127"/>
+              <a:rPr lang="ko-KR" altLang="en-US" sz="1400" b="1" dirty="0">
+                <a:solidFill>
+                  <a:schemeClr val="bg1">
+                    <a:lumMod val="50000"/>
+                  </a:schemeClr>
+                </a:solidFill>
+                <a:latin typeface="함초롬돋움 확장" panose="02030504000101010101" pitchFamily="18" charset="-127"/>
+                <a:ea typeface="함초롬돋움 확장" panose="02030504000101010101" pitchFamily="18" charset="-127"/>
+                <a:cs typeface="함초롬돋움 확장" panose="02030504000101010101" pitchFamily="18" charset="-127"/>
               </a:rPr>
               <a:t>평강이 </a:t>
             </a:r>
             <a:r>
-              <a:rPr lang="ko-KR" altLang="en-US" sz="1400" dirty="0" smtClean="0">
-                <a:latin typeface="함초롬바탕" panose="02030504000101010101" pitchFamily="18" charset="-127"/>
-                <a:ea typeface="함초롬바탕" panose="02030504000101010101" pitchFamily="18" charset="-127"/>
-                <a:cs typeface="함초롬바탕" panose="02030504000101010101" pitchFamily="18" charset="-127"/>
+              <a:rPr lang="ko-KR" altLang="en-US" sz="1400" b="1" dirty="0" smtClean="0">
+                <a:solidFill>
+                  <a:schemeClr val="bg1">
+                    <a:lumMod val="50000"/>
+                  </a:schemeClr>
+                </a:solidFill>
+                <a:latin typeface="함초롬돋움 확장" panose="02030504000101010101" pitchFamily="18" charset="-127"/>
+                <a:ea typeface="함초롬돋움 확장" panose="02030504000101010101" pitchFamily="18" charset="-127"/>
+                <a:cs typeface="함초롬돋움 확장" panose="02030504000101010101" pitchFamily="18" charset="-127"/>
               </a:rPr>
               <a:t>섬기시는 </a:t>
             </a:r>
-            <a:endParaRPr lang="en-US" altLang="ko-KR" sz="1400" dirty="0" smtClean="0">
-              <a:latin typeface="함초롬바탕" panose="02030504000101010101" pitchFamily="18" charset="-127"/>
-              <a:ea typeface="함초롬바탕" panose="02030504000101010101" pitchFamily="18" charset="-127"/>
-              <a:cs typeface="함초롬바탕" panose="02030504000101010101" pitchFamily="18" charset="-127"/>
+            <a:endParaRPr lang="en-US" altLang="ko-KR" sz="1400" b="1" dirty="0" smtClean="0">
+              <a:solidFill>
+                <a:schemeClr val="bg1">
+                  <a:lumMod val="50000"/>
+                </a:schemeClr>
+              </a:solidFill>
+              <a:latin typeface="함초롬돋움 확장" panose="02030504000101010101" pitchFamily="18" charset="-127"/>
+              <a:ea typeface="함초롬돋움 확장" panose="02030504000101010101" pitchFamily="18" charset="-127"/>
+              <a:cs typeface="함초롬돋움 확장" panose="02030504000101010101" pitchFamily="18" charset="-127"/>
             </a:endParaRPr>
           </a:p>
           <a:p>
             <a:pPr algn="ctr"/>
             <a:r>
-              <a:rPr lang="ko-KR" altLang="en-US" sz="1400" dirty="0" smtClean="0">
-                <a:latin typeface="함초롬바탕" panose="02030504000101010101" pitchFamily="18" charset="-127"/>
-                <a:ea typeface="함초롬바탕" panose="02030504000101010101" pitchFamily="18" charset="-127"/>
-                <a:cs typeface="함초롬바탕" panose="02030504000101010101" pitchFamily="18" charset="-127"/>
+              <a:rPr lang="ko-KR" altLang="en-US" sz="1400" b="1" dirty="0" smtClean="0">
+                <a:solidFill>
+                  <a:schemeClr val="bg1">
+                    <a:lumMod val="50000"/>
+                  </a:schemeClr>
+                </a:solidFill>
+                <a:latin typeface="함초롬돋움 확장" panose="02030504000101010101" pitchFamily="18" charset="-127"/>
+                <a:ea typeface="함초롬돋움 확장" panose="02030504000101010101" pitchFamily="18" charset="-127"/>
+                <a:cs typeface="함초롬돋움 확장" panose="02030504000101010101" pitchFamily="18" charset="-127"/>
               </a:rPr>
               <a:t>교회와 </a:t>
             </a:r>
             <a:r>
-              <a:rPr lang="ko-KR" altLang="en-US" sz="1400" dirty="0">
-                <a:latin typeface="함초롬바탕" panose="02030504000101010101" pitchFamily="18" charset="-127"/>
-                <a:ea typeface="함초롬바탕" panose="02030504000101010101" pitchFamily="18" charset="-127"/>
-                <a:cs typeface="함초롬바탕" panose="02030504000101010101" pitchFamily="18" charset="-127"/>
+              <a:rPr lang="ko-KR" altLang="en-US" sz="1400" b="1" dirty="0">
+                <a:solidFill>
+                  <a:schemeClr val="bg1">
+                    <a:lumMod val="50000"/>
+                  </a:schemeClr>
+                </a:solidFill>
+                <a:latin typeface="함초롬돋움 확장" panose="02030504000101010101" pitchFamily="18" charset="-127"/>
+                <a:ea typeface="함초롬돋움 확장" panose="02030504000101010101" pitchFamily="18" charset="-127"/>
+                <a:cs typeface="함초롬돋움 확장" panose="02030504000101010101" pitchFamily="18" charset="-127"/>
               </a:rPr>
               <a:t>가정과 삶의 터전 위에 충만하시기를 </a:t>
             </a:r>
             <a:r>
-              <a:rPr lang="ko-KR" altLang="en-US" sz="1400" dirty="0" smtClean="0">
-                <a:latin typeface="함초롬바탕" panose="02030504000101010101" pitchFamily="18" charset="-127"/>
-                <a:ea typeface="함초롬바탕" panose="02030504000101010101" pitchFamily="18" charset="-127"/>
-                <a:cs typeface="함초롬바탕" panose="02030504000101010101" pitchFamily="18" charset="-127"/>
+              <a:rPr lang="ko-KR" altLang="en-US" sz="1400" b="1" dirty="0" smtClean="0">
+                <a:solidFill>
+                  <a:schemeClr val="bg1">
+                    <a:lumMod val="50000"/>
+                  </a:schemeClr>
+                </a:solidFill>
+                <a:latin typeface="함초롬돋움 확장" panose="02030504000101010101" pitchFamily="18" charset="-127"/>
+                <a:ea typeface="함초롬돋움 확장" panose="02030504000101010101" pitchFamily="18" charset="-127"/>
+                <a:cs typeface="함초롬돋움 확장" panose="02030504000101010101" pitchFamily="18" charset="-127"/>
               </a:rPr>
               <a:t>소망합니다</a:t>
             </a:r>
             <a:r>
-              <a:rPr lang="en-US" altLang="ko-KR" sz="1400" dirty="0">
-                <a:latin typeface="함초롬바탕" panose="02030504000101010101" pitchFamily="18" charset="-127"/>
-                <a:ea typeface="함초롬바탕" panose="02030504000101010101" pitchFamily="18" charset="-127"/>
-                <a:cs typeface="함초롬바탕" panose="02030504000101010101" pitchFamily="18" charset="-127"/>
+              <a:rPr lang="en-US" altLang="ko-KR" sz="1400" b="1" dirty="0">
+                <a:solidFill>
+                  <a:schemeClr val="bg1">
+                    <a:lumMod val="50000"/>
+                  </a:schemeClr>
+                </a:solidFill>
+                <a:latin typeface="함초롬돋움 확장" panose="02030504000101010101" pitchFamily="18" charset="-127"/>
+                <a:ea typeface="함초롬돋움 확장" panose="02030504000101010101" pitchFamily="18" charset="-127"/>
+                <a:cs typeface="함초롬돋움 확장" panose="02030504000101010101" pitchFamily="18" charset="-127"/>
               </a:rPr>
               <a:t>.</a:t>
             </a:r>
@@ -7711,14 +7771,24 @@
           <a:p>
             <a:pPr algn="ctr"/>
             <a:r>
-              <a:rPr lang="ko-KR" altLang="en-US" sz="1400" dirty="0">
+              <a:rPr lang="ko-KR" altLang="en-US" sz="1400" b="1" dirty="0">
+                <a:solidFill>
+                  <a:schemeClr val="bg1">
+                    <a:lumMod val="50000"/>
+                  </a:schemeClr>
+                </a:solidFill>
                 <a:latin typeface="함초롬바탕" panose="02030504000101010101" pitchFamily="18" charset="-127"/>
                 <a:ea typeface="함초롬바탕" panose="02030504000101010101" pitchFamily="18" charset="-127"/>
                 <a:cs typeface="함초롬바탕" panose="02030504000101010101" pitchFamily="18" charset="-127"/>
               </a:rPr>
               <a:t>하나님의 깊으신 뜻과 은혜로 </a:t>
             </a:r>
-            <a:endParaRPr lang="en-US" altLang="ko-KR" sz="1400" dirty="0" smtClean="0">
+            <a:endParaRPr lang="en-US" altLang="ko-KR" sz="1400" b="1" dirty="0" smtClean="0">
+              <a:solidFill>
+                <a:schemeClr val="bg1">
+                  <a:lumMod val="50000"/>
+                </a:schemeClr>
+              </a:solidFill>
               <a:latin typeface="함초롬바탕" panose="02030504000101010101" pitchFamily="18" charset="-127"/>
               <a:ea typeface="함초롬바탕" panose="02030504000101010101" pitchFamily="18" charset="-127"/>
               <a:cs typeface="함초롬바탕" panose="02030504000101010101" pitchFamily="18" charset="-127"/>
@@ -7727,7 +7797,12 @@
           <a:p>
             <a:pPr algn="ctr"/>
             <a:r>
-              <a:rPr lang="ko-KR" altLang="en-US" sz="1400" dirty="0" smtClean="0">
+              <a:rPr lang="ko-KR" altLang="en-US" sz="1400" b="1" dirty="0" smtClean="0">
+                <a:solidFill>
+                  <a:schemeClr val="bg1">
+                    <a:lumMod val="50000"/>
+                  </a:schemeClr>
+                </a:solidFill>
                 <a:latin typeface="함초롬바탕" panose="02030504000101010101" pitchFamily="18" charset="-127"/>
                 <a:ea typeface="함초롬바탕" panose="02030504000101010101" pitchFamily="18" charset="-127"/>
                 <a:cs typeface="함초롬바탕" panose="02030504000101010101" pitchFamily="18" charset="-127"/>
@@ -7735,7 +7810,12 @@
               <a:t>새 </a:t>
             </a:r>
             <a:r>
-              <a:rPr lang="ko-KR" altLang="en-US" sz="1400" dirty="0">
+              <a:rPr lang="ko-KR" altLang="en-US" sz="1400" b="1" dirty="0">
+                <a:solidFill>
+                  <a:schemeClr val="bg1">
+                    <a:lumMod val="50000"/>
+                  </a:schemeClr>
+                </a:solidFill>
                 <a:latin typeface="함초롬바탕" panose="02030504000101010101" pitchFamily="18" charset="-127"/>
                 <a:ea typeface="함초롬바탕" panose="02030504000101010101" pitchFamily="18" charset="-127"/>
                 <a:cs typeface="함초롬바탕" panose="02030504000101010101" pitchFamily="18" charset="-127"/>
@@ -7743,7 +7823,12 @@
               <a:t>예배당을 건축하게 되어 </a:t>
             </a:r>
             <a:r>
-              <a:rPr lang="ko-KR" altLang="en-US" sz="1400" dirty="0" smtClean="0">
+              <a:rPr lang="ko-KR" altLang="en-US" sz="1400" b="1" dirty="0" smtClean="0">
+                <a:solidFill>
+                  <a:schemeClr val="bg1">
+                    <a:lumMod val="50000"/>
+                  </a:schemeClr>
+                </a:solidFill>
                 <a:latin typeface="함초롬바탕" panose="02030504000101010101" pitchFamily="18" charset="-127"/>
                 <a:ea typeface="함초롬바탕" panose="02030504000101010101" pitchFamily="18" charset="-127"/>
                 <a:cs typeface="함초롬바탕" panose="02030504000101010101" pitchFamily="18" charset="-127"/>
@@ -7751,7 +7836,12 @@
               <a:t>입당 예배를 </a:t>
             </a:r>
             <a:r>
-              <a:rPr lang="ko-KR" altLang="en-US" sz="1400" dirty="0">
+              <a:rPr lang="ko-KR" altLang="en-US" sz="1400" b="1" dirty="0">
+                <a:solidFill>
+                  <a:schemeClr val="bg1">
+                    <a:lumMod val="50000"/>
+                  </a:schemeClr>
+                </a:solidFill>
                 <a:latin typeface="함초롬바탕" panose="02030504000101010101" pitchFamily="18" charset="-127"/>
                 <a:ea typeface="함초롬바탕" panose="02030504000101010101" pitchFamily="18" charset="-127"/>
                 <a:cs typeface="함초롬바탕" panose="02030504000101010101" pitchFamily="18" charset="-127"/>
@@ -7759,7 +7849,12 @@
               <a:t>드리게 되었습니다</a:t>
             </a:r>
             <a:r>
-              <a:rPr lang="en-US" altLang="ko-KR" sz="1400" dirty="0" smtClean="0">
+              <a:rPr lang="en-US" altLang="ko-KR" sz="1400" b="1" dirty="0" smtClean="0">
+                <a:solidFill>
+                  <a:schemeClr val="bg1">
+                    <a:lumMod val="50000"/>
+                  </a:schemeClr>
+                </a:solidFill>
                 <a:latin typeface="함초롬바탕" panose="02030504000101010101" pitchFamily="18" charset="-127"/>
                 <a:ea typeface="함초롬바탕" panose="02030504000101010101" pitchFamily="18" charset="-127"/>
                 <a:cs typeface="함초롬바탕" panose="02030504000101010101" pitchFamily="18" charset="-127"/>
@@ -7769,7 +7864,12 @@
           </a:p>
           <a:p>
             <a:pPr algn="ctr"/>
-            <a:endParaRPr lang="en-US" altLang="ko-KR" sz="1400" dirty="0">
+            <a:endParaRPr lang="en-US" altLang="ko-KR" sz="1400" b="1" dirty="0">
+              <a:solidFill>
+                <a:schemeClr val="bg1">
+                  <a:lumMod val="50000"/>
+                </a:schemeClr>
+              </a:solidFill>
               <a:latin typeface="함초롬바탕" panose="02030504000101010101" pitchFamily="18" charset="-127"/>
               <a:ea typeface="함초롬바탕" panose="02030504000101010101" pitchFamily="18" charset="-127"/>
               <a:cs typeface="함초롬바탕" panose="02030504000101010101" pitchFamily="18" charset="-127"/>
@@ -7778,14 +7878,24 @@
           <a:p>
             <a:pPr algn="ctr"/>
             <a:r>
-              <a:rPr lang="ko-KR" altLang="en-US" sz="1400" dirty="0">
+              <a:rPr lang="ko-KR" altLang="en-US" sz="1400" b="1" dirty="0">
+                <a:solidFill>
+                  <a:schemeClr val="bg1">
+                    <a:lumMod val="50000"/>
+                  </a:schemeClr>
+                </a:solidFill>
                 <a:latin typeface="함초롬바탕" panose="02030504000101010101" pitchFamily="18" charset="-127"/>
                 <a:ea typeface="함초롬바탕" panose="02030504000101010101" pitchFamily="18" charset="-127"/>
                 <a:cs typeface="함초롬바탕" panose="02030504000101010101" pitchFamily="18" charset="-127"/>
               </a:rPr>
               <a:t>건축이 계획 된 이후 </a:t>
             </a:r>
-            <a:endParaRPr lang="en-US" altLang="ko-KR" sz="1400" dirty="0" smtClean="0">
+            <a:endParaRPr lang="en-US" altLang="ko-KR" sz="1400" b="1" dirty="0" smtClean="0">
+              <a:solidFill>
+                <a:schemeClr val="bg1">
+                  <a:lumMod val="50000"/>
+                </a:schemeClr>
+              </a:solidFill>
               <a:latin typeface="함초롬바탕" panose="02030504000101010101" pitchFamily="18" charset="-127"/>
               <a:ea typeface="함초롬바탕" panose="02030504000101010101" pitchFamily="18" charset="-127"/>
               <a:cs typeface="함초롬바탕" panose="02030504000101010101" pitchFamily="18" charset="-127"/>
@@ -7794,7 +7904,12 @@
           <a:p>
             <a:pPr algn="ctr"/>
             <a:r>
-              <a:rPr lang="ko-KR" altLang="en-US" sz="1400" dirty="0" smtClean="0">
+              <a:rPr lang="ko-KR" altLang="en-US" sz="1400" b="1" dirty="0" smtClean="0">
+                <a:solidFill>
+                  <a:schemeClr val="bg1">
+                    <a:lumMod val="50000"/>
+                  </a:schemeClr>
+                </a:solidFill>
                 <a:latin typeface="함초롬바탕" panose="02030504000101010101" pitchFamily="18" charset="-127"/>
                 <a:ea typeface="함초롬바탕" panose="02030504000101010101" pitchFamily="18" charset="-127"/>
                 <a:cs typeface="함초롬바탕" panose="02030504000101010101" pitchFamily="18" charset="-127"/>
@@ -7802,7 +7917,12 @@
               <a:t>건축 과정과 </a:t>
             </a:r>
             <a:r>
-              <a:rPr lang="ko-KR" altLang="en-US" sz="1400" dirty="0">
+              <a:rPr lang="ko-KR" altLang="en-US" sz="1400" b="1" dirty="0">
+                <a:solidFill>
+                  <a:schemeClr val="bg1">
+                    <a:lumMod val="50000"/>
+                  </a:schemeClr>
+                </a:solidFill>
                 <a:latin typeface="함초롬바탕" panose="02030504000101010101" pitchFamily="18" charset="-127"/>
                 <a:ea typeface="함초롬바탕" panose="02030504000101010101" pitchFamily="18" charset="-127"/>
                 <a:cs typeface="함초롬바탕" panose="02030504000101010101" pitchFamily="18" charset="-127"/>
@@ -7810,7 +7930,12 @@
               <a:t>교회가 입당하기까지 기도와 사랑으로 </a:t>
             </a:r>
             <a:r>
-              <a:rPr lang="ko-KR" altLang="en-US" sz="1400" dirty="0" smtClean="0">
+              <a:rPr lang="ko-KR" altLang="en-US" sz="1400" b="1" dirty="0" smtClean="0">
+                <a:solidFill>
+                  <a:schemeClr val="bg1">
+                    <a:lumMod val="50000"/>
+                  </a:schemeClr>
+                </a:solidFill>
                 <a:latin typeface="함초롬바탕" panose="02030504000101010101" pitchFamily="18" charset="-127"/>
                 <a:ea typeface="함초롬바탕" panose="02030504000101010101" pitchFamily="18" charset="-127"/>
                 <a:cs typeface="함초롬바탕" panose="02030504000101010101" pitchFamily="18" charset="-127"/>
@@ -7818,7 +7943,12 @@
               <a:t>격려해주신모든 </a:t>
             </a:r>
             <a:r>
-              <a:rPr lang="ko-KR" altLang="en-US" sz="1400" dirty="0">
+              <a:rPr lang="ko-KR" altLang="en-US" sz="1400" b="1" dirty="0">
+                <a:solidFill>
+                  <a:schemeClr val="bg1">
+                    <a:lumMod val="50000"/>
+                  </a:schemeClr>
+                </a:solidFill>
                 <a:latin typeface="함초롬바탕" panose="02030504000101010101" pitchFamily="18" charset="-127"/>
                 <a:ea typeface="함초롬바탕" panose="02030504000101010101" pitchFamily="18" charset="-127"/>
                 <a:cs typeface="함초롬바탕" panose="02030504000101010101" pitchFamily="18" charset="-127"/>
@@ -7826,7 +7956,12 @@
               <a:t>분들께 </a:t>
             </a:r>
             <a:r>
-              <a:rPr lang="ko-KR" altLang="en-US" sz="1400" dirty="0" smtClean="0">
+              <a:rPr lang="ko-KR" altLang="en-US" sz="1400" b="1" dirty="0" smtClean="0">
+                <a:solidFill>
+                  <a:schemeClr val="bg1">
+                    <a:lumMod val="50000"/>
+                  </a:schemeClr>
+                </a:solidFill>
                 <a:latin typeface="함초롬바탕" panose="02030504000101010101" pitchFamily="18" charset="-127"/>
                 <a:ea typeface="함초롬바탕" panose="02030504000101010101" pitchFamily="18" charset="-127"/>
                 <a:cs typeface="함초롬바탕" panose="02030504000101010101" pitchFamily="18" charset="-127"/>
@@ -7834,7 +7969,12 @@
               <a:t>감사드리며</a:t>
             </a:r>
             <a:r>
-              <a:rPr lang="en-US" altLang="ko-KR" sz="1400" dirty="0" smtClean="0">
+              <a:rPr lang="en-US" altLang="ko-KR" sz="1400" b="1" dirty="0" smtClean="0">
+                <a:solidFill>
+                  <a:schemeClr val="bg1">
+                    <a:lumMod val="50000"/>
+                  </a:schemeClr>
+                </a:solidFill>
                 <a:latin typeface="함초롬바탕" panose="02030504000101010101" pitchFamily="18" charset="-127"/>
                 <a:ea typeface="함초롬바탕" panose="02030504000101010101" pitchFamily="18" charset="-127"/>
                 <a:cs typeface="함초롬바탕" panose="02030504000101010101" pitchFamily="18" charset="-127"/>
@@ -7845,7 +7985,12 @@
           <a:p>
             <a:pPr algn="ctr"/>
             <a:r>
-              <a:rPr lang="ko-KR" altLang="en-US" sz="1400" dirty="0" smtClean="0">
+              <a:rPr lang="ko-KR" altLang="en-US" sz="1400" b="1" dirty="0" smtClean="0">
+                <a:solidFill>
+                  <a:schemeClr val="bg1">
+                    <a:lumMod val="50000"/>
+                  </a:schemeClr>
+                </a:solidFill>
                 <a:latin typeface="함초롬바탕" panose="02030504000101010101" pitchFamily="18" charset="-127"/>
                 <a:ea typeface="함초롬바탕" panose="02030504000101010101" pitchFamily="18" charset="-127"/>
                 <a:cs typeface="함초롬바탕" panose="02030504000101010101" pitchFamily="18" charset="-127"/>
@@ -7853,7 +7998,12 @@
               <a:t>새로운 </a:t>
             </a:r>
             <a:r>
-              <a:rPr lang="ko-KR" altLang="en-US" sz="1400" dirty="0">
+              <a:rPr lang="ko-KR" altLang="en-US" sz="1400" b="1" dirty="0">
+                <a:solidFill>
+                  <a:schemeClr val="bg1">
+                    <a:lumMod val="50000"/>
+                  </a:schemeClr>
+                </a:solidFill>
                 <a:latin typeface="함초롬바탕" panose="02030504000101010101" pitchFamily="18" charset="-127"/>
                 <a:ea typeface="함초롬바탕" panose="02030504000101010101" pitchFamily="18" charset="-127"/>
                 <a:cs typeface="함초롬바탕" panose="02030504000101010101" pitchFamily="18" charset="-127"/>
@@ -7861,7 +8011,12 @@
               <a:t>시대를 향해 나아가는 뜻 깊은 자리에 아래와 같이 정중히 초대합니다</a:t>
             </a:r>
             <a:r>
-              <a:rPr lang="en-US" altLang="ko-KR" sz="1400" dirty="0">
+              <a:rPr lang="en-US" altLang="ko-KR" sz="1400" b="1" dirty="0">
+                <a:solidFill>
+                  <a:schemeClr val="bg1">
+                    <a:lumMod val="50000"/>
+                  </a:schemeClr>
+                </a:solidFill>
                 <a:latin typeface="함초롬바탕" panose="02030504000101010101" pitchFamily="18" charset="-127"/>
                 <a:ea typeface="함초롬바탕" panose="02030504000101010101" pitchFamily="18" charset="-127"/>
                 <a:cs typeface="함초롬바탕" panose="02030504000101010101" pitchFamily="18" charset="-127"/>

--- a/doc/프레젠테이션1.pptx
+++ b/doc/프레젠테이션1.pptx
@@ -8,10 +8,12 @@
   <p:sldIdLst>
     <p:sldId id="256" r:id="rId3"/>
     <p:sldId id="260" r:id="rId4"/>
-    <p:sldId id="261" r:id="rId5"/>
-    <p:sldId id="257" r:id="rId6"/>
-    <p:sldId id="259" r:id="rId7"/>
-    <p:sldId id="258" r:id="rId8"/>
+    <p:sldId id="263" r:id="rId5"/>
+    <p:sldId id="262" r:id="rId6"/>
+    <p:sldId id="264" r:id="rId7"/>
+    <p:sldId id="261" r:id="rId8"/>
+    <p:sldId id="257" r:id="rId9"/>
+    <p:sldId id="259" r:id="rId10"/>
   </p:sldIdLst>
   <p:sldSz cx="4733925" cy="6480175"/>
   <p:notesSz cx="6858000" cy="9144000"/>
@@ -111,6 +113,22 @@
     </a:lvl9pPr>
   </p:defaultTextStyle>
   <p:extLst>
+    <p:ext uri="{521415D9-36F7-43E2-AB2F-B90AF26B5E84}">
+      <p14:sectionLst xmlns:p14="http://schemas.microsoft.com/office/powerpoint/2010/main">
+        <p14:section name="기본 구역" id="{A8B1FBDC-E509-4A83-8DB2-F59482117ADE}">
+          <p14:sldIdLst>
+            <p14:sldId id="256"/>
+            <p14:sldId id="260"/>
+            <p14:sldId id="263"/>
+            <p14:sldId id="262"/>
+            <p14:sldId id="264"/>
+            <p14:sldId id="261"/>
+            <p14:sldId id="257"/>
+            <p14:sldId id="259"/>
+          </p14:sldIdLst>
+        </p14:section>
+      </p14:sectionLst>
+    </p:ext>
     <p:ext uri="{EFAFB233-063F-42B5-8137-9DF3F51BA10A}">
       <p15:sldGuideLst xmlns:p15="http://schemas.microsoft.com/office/powerpoint/2012/main">
         <p15:guide id="1" orient="horz" pos="2041" userDrawn="1">
@@ -123,6 +141,26 @@
             <a:srgbClr val="A4A3A4"/>
           </p15:clr>
         </p15:guide>
+        <p15:guide id="3" pos="2806" userDrawn="1">
+          <p15:clr>
+            <a:srgbClr val="A4A3A4"/>
+          </p15:clr>
+        </p15:guide>
+        <p15:guide id="4" pos="176" userDrawn="1">
+          <p15:clr>
+            <a:srgbClr val="A4A3A4"/>
+          </p15:clr>
+        </p15:guide>
+        <p15:guide id="5" pos="2852" userDrawn="1">
+          <p15:clr>
+            <a:srgbClr val="A4A3A4"/>
+          </p15:clr>
+        </p15:guide>
+        <p15:guide id="6" pos="130" userDrawn="1">
+          <p15:clr>
+            <a:srgbClr val="A4A3A4"/>
+          </p15:clr>
+        </p15:guide>
       </p15:sldGuideLst>
     </p:ext>
   </p:extLst>
@@ -130,7 +168,7 @@
 </file>
 
 <file path=ppt/slideLayouts/slideLayout1.xml><?xml version="1.0" encoding="utf-8"?>
-<p:sldLayout xmlns:a="http://schemas.openxmlformats.org/drawingml/2006/main" xmlns:r="http://schemas.openxmlformats.org/officeDocument/2006/relationships" xmlns:p="http://schemas.openxmlformats.org/presentationml/2006/main" showMasterSp="0" type="title" preserve="1">
+<p:sldLayout xmlns:a="http://schemas.openxmlformats.org/drawingml/2006/main" xmlns:r="http://schemas.openxmlformats.org/officeDocument/2006/relationships" xmlns:p="http://schemas.openxmlformats.org/presentationml/2006/main" type="title" preserve="1">
   <p:cSld name="제목 슬라이드">
     <p:bg>
       <p:bgRef idx="1002">
@@ -208,8 +246,8 @@
         </p:nvSpPr>
         <p:spPr>
           <a:xfrm>
-            <a:off x="304728" y="775890"/>
-            <a:ext cx="4124468" cy="5449065"/>
+            <a:off x="304728" y="562062"/>
+            <a:ext cx="4124468" cy="5662893"/>
           </a:xfrm>
           <a:prstGeom prst="rect">
             <a:avLst/>
@@ -239,8 +277,8 @@
         </p:nvSpPr>
         <p:spPr>
           <a:xfrm>
-            <a:off x="382467" y="878238"/>
-            <a:ext cx="3975276" cy="5260363"/>
+            <a:off x="382467" y="654342"/>
+            <a:ext cx="3975276" cy="5484260"/>
           </a:xfrm>
           <a:prstGeom prst="rect">
             <a:avLst/>
@@ -248,12 +286,11 @@
           <a:noFill/>
           <a:ln w="6350" cap="sq" cmpd="sng" algn="ctr">
             <a:solidFill>
-              <a:schemeClr val="tx1">
-                <a:lumMod val="75000"/>
-                <a:lumOff val="25000"/>
+              <a:schemeClr val="bg1">
+                <a:lumMod val="50000"/>
               </a:schemeClr>
             </a:solidFill>
-            <a:prstDash val="solid"/>
+            <a:prstDash val="sysDash"/>
             <a:miter lim="800000"/>
           </a:ln>
           <a:effectLst/>
@@ -468,32 +505,32 @@
   <p:extLst mod="1">
     <p:ext uri="{DCECCB84-F9BA-43D5-87BE-67443E8EF086}">
       <p15:sldGuideLst xmlns:p15="http://schemas.microsoft.com/office/powerpoint/2012/main">
-        <p15:guide id="1" orient="horz" pos="2041" userDrawn="1">
+        <p15:guide id="1" orient="horz" pos="2041">
           <p15:clr>
             <a:srgbClr val="FBAE40"/>
           </p15:clr>
         </p15:guide>
-        <p15:guide id="2" pos="1491" userDrawn="1">
+        <p15:guide id="2" pos="1491">
           <p15:clr>
             <a:srgbClr val="FBAE40"/>
           </p15:clr>
         </p15:guide>
-        <p15:guide id="3" orient="horz" pos="3629" userDrawn="1">
+        <p15:guide id="3" orient="horz" pos="3629">
           <p15:clr>
             <a:srgbClr val="FBAE40"/>
           </p15:clr>
         </p15:guide>
-        <p15:guide id="4" orient="horz" pos="453" userDrawn="1">
+        <p15:guide id="4" orient="horz" pos="453">
           <p15:clr>
             <a:srgbClr val="FBAE40"/>
           </p15:clr>
         </p15:guide>
-        <p15:guide id="5" pos="312" userDrawn="1">
+        <p15:guide id="5" pos="312">
           <p15:clr>
             <a:srgbClr val="FBAE40"/>
           </p15:clr>
         </p15:guide>
-        <p15:guide id="6" pos="2670" userDrawn="1">
+        <p15:guide id="6" pos="2670">
           <p15:clr>
             <a:srgbClr val="FBAE40"/>
           </p15:clr>
@@ -505,6 +542,101 @@
 </file>
 
 <file path=ppt/slideLayouts/slideLayout10.xml><?xml version="1.0" encoding="utf-8"?>
+<p:sldLayout xmlns:a="http://schemas.openxmlformats.org/drawingml/2006/main" xmlns:r="http://schemas.openxmlformats.org/officeDocument/2006/relationships" xmlns:p="http://schemas.openxmlformats.org/presentationml/2006/main" type="blank" preserve="1">
+  <p:cSld name="빈 화면">
+    <p:spTree>
+      <p:nvGrpSpPr>
+        <p:cNvPr id="1" name=""/>
+        <p:cNvGrpSpPr/>
+        <p:nvPr/>
+      </p:nvGrpSpPr>
+      <p:grpSpPr>
+        <a:xfrm>
+          <a:off x="0" y="0"/>
+          <a:ext cx="0" cy="0"/>
+          <a:chOff x="0" y="0"/>
+          <a:chExt cx="0" cy="0"/>
+        </a:xfrm>
+      </p:grpSpPr>
+      <p:sp>
+        <p:nvSpPr>
+          <p:cNvPr id="2" name="Date Placeholder 1"/>
+          <p:cNvSpPr>
+            <a:spLocks noGrp="1"/>
+          </p:cNvSpPr>
+          <p:nvPr>
+            <p:ph type="dt" sz="half" idx="10"/>
+          </p:nvPr>
+        </p:nvSpPr>
+        <p:spPr/>
+        <p:txBody>
+          <a:bodyPr/>
+          <a:lstStyle/>
+          <a:p>
+            <a:fld id="{1617CACB-9D38-4EEB-91EB-F5CC6553B83F}" type="datetimeFigureOut">
+              <a:rPr lang="ko-KR" altLang="en-US" smtClean="0"/>
+              <a:t>2018-09-21</a:t>
+            </a:fld>
+            <a:endParaRPr lang="ko-KR" altLang="en-US"/>
+          </a:p>
+        </p:txBody>
+      </p:sp>
+      <p:sp>
+        <p:nvSpPr>
+          <p:cNvPr id="3" name="Footer Placeholder 2"/>
+          <p:cNvSpPr>
+            <a:spLocks noGrp="1"/>
+          </p:cNvSpPr>
+          <p:nvPr>
+            <p:ph type="ftr" sz="quarter" idx="11"/>
+          </p:nvPr>
+        </p:nvSpPr>
+        <p:spPr/>
+        <p:txBody>
+          <a:bodyPr/>
+          <a:lstStyle/>
+          <a:p>
+            <a:endParaRPr lang="ko-KR" altLang="en-US"/>
+          </a:p>
+        </p:txBody>
+      </p:sp>
+      <p:sp>
+        <p:nvSpPr>
+          <p:cNvPr id="4" name="Slide Number Placeholder 3"/>
+          <p:cNvSpPr>
+            <a:spLocks noGrp="1"/>
+          </p:cNvSpPr>
+          <p:nvPr>
+            <p:ph type="sldNum" sz="quarter" idx="12"/>
+          </p:nvPr>
+        </p:nvSpPr>
+        <p:spPr/>
+        <p:txBody>
+          <a:bodyPr/>
+          <a:lstStyle/>
+          <a:p>
+            <a:fld id="{C8D95559-E464-46DA-A57E-4367739547CD}" type="slidenum">
+              <a:rPr lang="ko-KR" altLang="en-US" smtClean="0"/>
+              <a:t>‹#›</a:t>
+            </a:fld>
+            <a:endParaRPr lang="ko-KR" altLang="en-US"/>
+          </a:p>
+        </p:txBody>
+      </p:sp>
+    </p:spTree>
+    <p:extLst>
+      <p:ext uri="{BB962C8B-B14F-4D97-AF65-F5344CB8AC3E}">
+        <p14:creationId xmlns:p14="http://schemas.microsoft.com/office/powerpoint/2010/main" val="3460579918"/>
+      </p:ext>
+    </p:extLst>
+  </p:cSld>
+  <p:clrMapOvr>
+    <a:masterClrMapping/>
+  </p:clrMapOvr>
+</p:sldLayout>
+</file>
+
+<file path=ppt/slideLayouts/slideLayout11.xml><?xml version="1.0" encoding="utf-8"?>
 <p:sldLayout xmlns:a="http://schemas.openxmlformats.org/drawingml/2006/main" xmlns:r="http://schemas.openxmlformats.org/officeDocument/2006/relationships" xmlns:p="http://schemas.openxmlformats.org/presentationml/2006/main" showMasterSp="0" type="objTx" preserve="1">
   <p:cSld name="캡션 있는 콘텐츠">
     <p:spTree>
@@ -942,7 +1074,7 @@
 </p:sldLayout>
 </file>
 
-<file path=ppt/slideLayouts/slideLayout11.xml><?xml version="1.0" encoding="utf-8"?>
+<file path=ppt/slideLayouts/slideLayout12.xml><?xml version="1.0" encoding="utf-8"?>
 <p:sldLayout xmlns:a="http://schemas.openxmlformats.org/drawingml/2006/main" xmlns:r="http://schemas.openxmlformats.org/officeDocument/2006/relationships" xmlns:p="http://schemas.openxmlformats.org/presentationml/2006/main" showMasterSp="0" type="picTx" preserve="1">
   <p:cSld name="캡션 있는 그림">
     <p:spTree>
@@ -1350,7 +1482,7 @@
 </p:sldLayout>
 </file>
 
-<file path=ppt/slideLayouts/slideLayout12.xml><?xml version="1.0" encoding="utf-8"?>
+<file path=ppt/slideLayouts/slideLayout13.xml><?xml version="1.0" encoding="utf-8"?>
 <p:sldLayout xmlns:a="http://schemas.openxmlformats.org/drawingml/2006/main" xmlns:r="http://schemas.openxmlformats.org/officeDocument/2006/relationships" xmlns:p="http://schemas.openxmlformats.org/presentationml/2006/main" type="vertTx" preserve="1">
   <p:cSld name="제목 및 세로 텍스트">
     <p:spTree>
@@ -1520,7 +1652,7 @@
 </p:sldLayout>
 </file>
 
-<file path=ppt/slideLayouts/slideLayout13.xml><?xml version="1.0" encoding="utf-8"?>
+<file path=ppt/slideLayouts/slideLayout14.xml><?xml version="1.0" encoding="utf-8"?>
 <p:sldLayout xmlns:a="http://schemas.openxmlformats.org/drawingml/2006/main" xmlns:r="http://schemas.openxmlformats.org/officeDocument/2006/relationships" xmlns:p="http://schemas.openxmlformats.org/presentationml/2006/main" type="vertTitleAndTx" preserve="1">
   <p:cSld name="세로 제목 및 텍스트">
     <p:spTree>
@@ -1700,7 +1832,7 @@
 </p:sldLayout>
 </file>
 
-<file path=ppt/slideLayouts/slideLayout14.xml><?xml version="1.0" encoding="utf-8"?>
+<file path=ppt/slideLayouts/slideLayout15.xml><?xml version="1.0" encoding="utf-8"?>
 <p:sldLayout xmlns:a="http://schemas.openxmlformats.org/drawingml/2006/main" xmlns:r="http://schemas.openxmlformats.org/officeDocument/2006/relationships" xmlns:p="http://schemas.openxmlformats.org/presentationml/2006/main" type="title" preserve="1">
   <p:cSld name="제목 슬라이드">
     <p:spTree>
@@ -1892,7 +2024,7 @@
 </p:sldLayout>
 </file>
 
-<file path=ppt/slideLayouts/slideLayout15.xml><?xml version="1.0" encoding="utf-8"?>
+<file path=ppt/slideLayouts/slideLayout16.xml><?xml version="1.0" encoding="utf-8"?>
 <p:sldLayout xmlns:a="http://schemas.openxmlformats.org/drawingml/2006/main" xmlns:r="http://schemas.openxmlformats.org/officeDocument/2006/relationships" xmlns:p="http://schemas.openxmlformats.org/presentationml/2006/main" type="obj" preserve="1">
   <p:cSld name="제목 및 내용">
     <p:spTree>
@@ -2062,7 +2194,7 @@
 </p:sldLayout>
 </file>
 
-<file path=ppt/slideLayouts/slideLayout16.xml><?xml version="1.0" encoding="utf-8"?>
+<file path=ppt/slideLayouts/slideLayout17.xml><?xml version="1.0" encoding="utf-8"?>
 <p:sldLayout xmlns:a="http://schemas.openxmlformats.org/drawingml/2006/main" xmlns:r="http://schemas.openxmlformats.org/officeDocument/2006/relationships" xmlns:p="http://schemas.openxmlformats.org/presentationml/2006/main" type="secHead" preserve="1">
   <p:cSld name="구역 머리글">
     <p:spTree>
@@ -2308,7 +2440,7 @@
 </p:sldLayout>
 </file>
 
-<file path=ppt/slideLayouts/slideLayout17.xml><?xml version="1.0" encoding="utf-8"?>
+<file path=ppt/slideLayouts/slideLayout18.xml><?xml version="1.0" encoding="utf-8"?>
 <p:sldLayout xmlns:a="http://schemas.openxmlformats.org/drawingml/2006/main" xmlns:r="http://schemas.openxmlformats.org/officeDocument/2006/relationships" xmlns:p="http://schemas.openxmlformats.org/presentationml/2006/main" type="twoObj" preserve="1">
   <p:cSld name="콘텐츠 2개">
     <p:spTree>
@@ -2540,7 +2672,7 @@
 </p:sldLayout>
 </file>
 
-<file path=ppt/slideLayouts/slideLayout18.xml><?xml version="1.0" encoding="utf-8"?>
+<file path=ppt/slideLayouts/slideLayout19.xml><?xml version="1.0" encoding="utf-8"?>
 <p:sldLayout xmlns:a="http://schemas.openxmlformats.org/drawingml/2006/main" xmlns:r="http://schemas.openxmlformats.org/officeDocument/2006/relationships" xmlns:p="http://schemas.openxmlformats.org/presentationml/2006/main" type="twoTxTwoObj" preserve="1">
   <p:cSld name="비교">
     <p:spTree>
@@ -2902,7 +3034,133 @@
 </p:sldLayout>
 </file>
 
-<file path=ppt/slideLayouts/slideLayout19.xml><?xml version="1.0" encoding="utf-8"?>
+<file path=ppt/slideLayouts/slideLayout2.xml><?xml version="1.0" encoding="utf-8"?>
+<p:sldLayout xmlns:a="http://schemas.openxmlformats.org/drawingml/2006/main" xmlns:r="http://schemas.openxmlformats.org/officeDocument/2006/relationships" xmlns:p="http://schemas.openxmlformats.org/presentationml/2006/main" showMasterSp="0" preserve="1" userDrawn="1">
+  <p:cSld name="1_사용자 지정 레이아웃">
+    <p:bg>
+      <p:bgPr>
+        <a:solidFill>
+          <a:schemeClr val="bg1"/>
+        </a:solidFill>
+        <a:effectLst/>
+      </p:bgPr>
+    </p:bg>
+    <p:spTree>
+      <p:nvGrpSpPr>
+        <p:cNvPr id="1" name=""/>
+        <p:cNvGrpSpPr/>
+        <p:nvPr/>
+      </p:nvGrpSpPr>
+      <p:grpSpPr>
+        <a:xfrm>
+          <a:off x="0" y="0"/>
+          <a:ext cx="0" cy="0"/>
+          <a:chOff x="0" y="0"/>
+          <a:chExt cx="0" cy="0"/>
+        </a:xfrm>
+      </p:grpSpPr>
+      <p:sp>
+        <p:nvSpPr>
+          <p:cNvPr id="2" name="제목 1"/>
+          <p:cNvSpPr>
+            <a:spLocks noGrp="1"/>
+          </p:cNvSpPr>
+          <p:nvPr>
+            <p:ph type="title"/>
+          </p:nvPr>
+        </p:nvSpPr>
+        <p:spPr/>
+        <p:txBody>
+          <a:bodyPr/>
+          <a:lstStyle/>
+          <a:p>
+            <a:r>
+              <a:rPr lang="ko-KR" altLang="en-US" smtClean="0"/>
+              <a:t>마스터 제목 스타일 편집</a:t>
+            </a:r>
+            <a:endParaRPr lang="ko-KR" altLang="en-US"/>
+          </a:p>
+        </p:txBody>
+      </p:sp>
+      <p:sp>
+        <p:nvSpPr>
+          <p:cNvPr id="3" name="날짜 개체 틀 2"/>
+          <p:cNvSpPr>
+            <a:spLocks noGrp="1"/>
+          </p:cNvSpPr>
+          <p:nvPr>
+            <p:ph type="dt" sz="half" idx="10"/>
+          </p:nvPr>
+        </p:nvSpPr>
+        <p:spPr/>
+        <p:txBody>
+          <a:bodyPr/>
+          <a:lstStyle/>
+          <a:p>
+            <a:fld id="{1617CACB-9D38-4EEB-91EB-F5CC6553B83F}" type="datetimeFigureOut">
+              <a:rPr lang="ko-KR" altLang="en-US" smtClean="0"/>
+              <a:t>2018-09-21</a:t>
+            </a:fld>
+            <a:endParaRPr lang="ko-KR" altLang="en-US"/>
+          </a:p>
+        </p:txBody>
+      </p:sp>
+      <p:sp>
+        <p:nvSpPr>
+          <p:cNvPr id="4" name="바닥글 개체 틀 3"/>
+          <p:cNvSpPr>
+            <a:spLocks noGrp="1"/>
+          </p:cNvSpPr>
+          <p:nvPr>
+            <p:ph type="ftr" sz="quarter" idx="11"/>
+          </p:nvPr>
+        </p:nvSpPr>
+        <p:spPr/>
+        <p:txBody>
+          <a:bodyPr/>
+          <a:lstStyle/>
+          <a:p>
+            <a:endParaRPr lang="ko-KR" altLang="en-US"/>
+          </a:p>
+        </p:txBody>
+      </p:sp>
+      <p:sp>
+        <p:nvSpPr>
+          <p:cNvPr id="5" name="슬라이드 번호 개체 틀 4"/>
+          <p:cNvSpPr>
+            <a:spLocks noGrp="1"/>
+          </p:cNvSpPr>
+          <p:nvPr>
+            <p:ph type="sldNum" sz="quarter" idx="12"/>
+          </p:nvPr>
+        </p:nvSpPr>
+        <p:spPr/>
+        <p:txBody>
+          <a:bodyPr/>
+          <a:lstStyle/>
+          <a:p>
+            <a:fld id="{C8D95559-E464-46DA-A57E-4367739547CD}" type="slidenum">
+              <a:rPr lang="ko-KR" altLang="en-US" smtClean="0"/>
+              <a:t>‹#›</a:t>
+            </a:fld>
+            <a:endParaRPr lang="ko-KR" altLang="en-US"/>
+          </a:p>
+        </p:txBody>
+      </p:sp>
+    </p:spTree>
+    <p:extLst>
+      <p:ext uri="{BB962C8B-B14F-4D97-AF65-F5344CB8AC3E}">
+        <p14:creationId xmlns:p14="http://schemas.microsoft.com/office/powerpoint/2010/main" val="1853275354"/>
+      </p:ext>
+    </p:extLst>
+  </p:cSld>
+  <p:clrMapOvr>
+    <a:masterClrMapping/>
+  </p:clrMapOvr>
+</p:sldLayout>
+</file>
+
+<file path=ppt/slideLayouts/slideLayout20.xml><?xml version="1.0" encoding="utf-8"?>
 <p:sldLayout xmlns:a="http://schemas.openxmlformats.org/drawingml/2006/main" xmlns:r="http://schemas.openxmlformats.org/officeDocument/2006/relationships" xmlns:p="http://schemas.openxmlformats.org/presentationml/2006/main" type="titleOnly" preserve="1">
   <p:cSld name="제목만">
     <p:spTree>
@@ -3020,177 +3278,7 @@
 </p:sldLayout>
 </file>
 
-<file path=ppt/slideLayouts/slideLayout2.xml><?xml version="1.0" encoding="utf-8"?>
-<p:sldLayout xmlns:a="http://schemas.openxmlformats.org/drawingml/2006/main" xmlns:r="http://schemas.openxmlformats.org/officeDocument/2006/relationships" xmlns:p="http://schemas.openxmlformats.org/presentationml/2006/main" type="obj" preserve="1">
-  <p:cSld name="제목 및 내용">
-    <p:spTree>
-      <p:nvGrpSpPr>
-        <p:cNvPr id="1" name=""/>
-        <p:cNvGrpSpPr/>
-        <p:nvPr/>
-      </p:nvGrpSpPr>
-      <p:grpSpPr>
-        <a:xfrm>
-          <a:off x="0" y="0"/>
-          <a:ext cx="0" cy="0"/>
-          <a:chOff x="0" y="0"/>
-          <a:chExt cx="0" cy="0"/>
-        </a:xfrm>
-      </p:grpSpPr>
-      <p:sp>
-        <p:nvSpPr>
-          <p:cNvPr id="2" name="Title 1"/>
-          <p:cNvSpPr>
-            <a:spLocks noGrp="1"/>
-          </p:cNvSpPr>
-          <p:nvPr>
-            <p:ph type="title"/>
-          </p:nvPr>
-        </p:nvSpPr>
-        <p:spPr/>
-        <p:txBody>
-          <a:bodyPr/>
-          <a:lstStyle/>
-          <a:p>
-            <a:r>
-              <a:rPr lang="ko-KR" altLang="en-US" smtClean="0"/>
-              <a:t>마스터 제목 스타일 편집</a:t>
-            </a:r>
-            <a:endParaRPr lang="en-US" dirty="0"/>
-          </a:p>
-        </p:txBody>
-      </p:sp>
-      <p:sp>
-        <p:nvSpPr>
-          <p:cNvPr id="3" name="Content Placeholder 2"/>
-          <p:cNvSpPr>
-            <a:spLocks noGrp="1"/>
-          </p:cNvSpPr>
-          <p:nvPr>
-            <p:ph idx="1"/>
-          </p:nvPr>
-        </p:nvSpPr>
-        <p:spPr/>
-        <p:txBody>
-          <a:bodyPr/>
-          <a:lstStyle/>
-          <a:p>
-            <a:pPr lvl="0"/>
-            <a:r>
-              <a:rPr lang="ko-KR" altLang="en-US" smtClean="0"/>
-              <a:t>마스터 텍스트 스타일 편집</a:t>
-            </a:r>
-          </a:p>
-          <a:p>
-            <a:pPr lvl="1"/>
-            <a:r>
-              <a:rPr lang="ko-KR" altLang="en-US" smtClean="0"/>
-              <a:t>둘째 수준</a:t>
-            </a:r>
-          </a:p>
-          <a:p>
-            <a:pPr lvl="2"/>
-            <a:r>
-              <a:rPr lang="ko-KR" altLang="en-US" smtClean="0"/>
-              <a:t>셋째 수준</a:t>
-            </a:r>
-          </a:p>
-          <a:p>
-            <a:pPr lvl="3"/>
-            <a:r>
-              <a:rPr lang="ko-KR" altLang="en-US" smtClean="0"/>
-              <a:t>넷째 수준</a:t>
-            </a:r>
-          </a:p>
-          <a:p>
-            <a:pPr lvl="4"/>
-            <a:r>
-              <a:rPr lang="ko-KR" altLang="en-US" smtClean="0"/>
-              <a:t>다섯째 수준</a:t>
-            </a:r>
-            <a:endParaRPr lang="en-US" dirty="0"/>
-          </a:p>
-        </p:txBody>
-      </p:sp>
-      <p:sp>
-        <p:nvSpPr>
-          <p:cNvPr id="7" name="Date Placeholder 6"/>
-          <p:cNvSpPr>
-            <a:spLocks noGrp="1"/>
-          </p:cNvSpPr>
-          <p:nvPr>
-            <p:ph type="dt" sz="half" idx="10"/>
-          </p:nvPr>
-        </p:nvSpPr>
-        <p:spPr/>
-        <p:txBody>
-          <a:bodyPr/>
-          <a:lstStyle/>
-          <a:p>
-            <a:fld id="{1617CACB-9D38-4EEB-91EB-F5CC6553B83F}" type="datetimeFigureOut">
-              <a:rPr lang="ko-KR" altLang="en-US" smtClean="0"/>
-              <a:t>2018-09-21</a:t>
-            </a:fld>
-            <a:endParaRPr lang="ko-KR" altLang="en-US"/>
-          </a:p>
-        </p:txBody>
-      </p:sp>
-      <p:sp>
-        <p:nvSpPr>
-          <p:cNvPr id="8" name="Footer Placeholder 7"/>
-          <p:cNvSpPr>
-            <a:spLocks noGrp="1"/>
-          </p:cNvSpPr>
-          <p:nvPr>
-            <p:ph type="ftr" sz="quarter" idx="11"/>
-          </p:nvPr>
-        </p:nvSpPr>
-        <p:spPr/>
-        <p:txBody>
-          <a:bodyPr/>
-          <a:lstStyle/>
-          <a:p>
-            <a:endParaRPr lang="ko-KR" altLang="en-US"/>
-          </a:p>
-        </p:txBody>
-      </p:sp>
-      <p:sp>
-        <p:nvSpPr>
-          <p:cNvPr id="9" name="Slide Number Placeholder 8"/>
-          <p:cNvSpPr>
-            <a:spLocks noGrp="1"/>
-          </p:cNvSpPr>
-          <p:nvPr>
-            <p:ph type="sldNum" sz="quarter" idx="12"/>
-          </p:nvPr>
-        </p:nvSpPr>
-        <p:spPr/>
-        <p:txBody>
-          <a:bodyPr/>
-          <a:lstStyle/>
-          <a:p>
-            <a:fld id="{C8D95559-E464-46DA-A57E-4367739547CD}" type="slidenum">
-              <a:rPr lang="ko-KR" altLang="en-US" smtClean="0"/>
-              <a:t>‹#›</a:t>
-            </a:fld>
-            <a:endParaRPr lang="ko-KR" altLang="en-US"/>
-          </a:p>
-        </p:txBody>
-      </p:sp>
-    </p:spTree>
-    <p:extLst>
-      <p:ext uri="{BB962C8B-B14F-4D97-AF65-F5344CB8AC3E}">
-        <p14:creationId xmlns:p14="http://schemas.microsoft.com/office/powerpoint/2010/main" val="2258708426"/>
-      </p:ext>
-    </p:extLst>
-  </p:cSld>
-  <p:clrMapOvr>
-    <a:masterClrMapping/>
-  </p:clrMapOvr>
-</p:sldLayout>
-</file>
-
-<file path=ppt/slideLayouts/slideLayout20.xml><?xml version="1.0" encoding="utf-8"?>
+<file path=ppt/slideLayouts/slideLayout21.xml><?xml version="1.0" encoding="utf-8"?>
 <p:sldLayout xmlns:a="http://schemas.openxmlformats.org/drawingml/2006/main" xmlns:r="http://schemas.openxmlformats.org/officeDocument/2006/relationships" xmlns:p="http://schemas.openxmlformats.org/presentationml/2006/main" type="blank" preserve="1">
   <p:cSld name="빈 화면">
     <p:spTree>
@@ -3285,7 +3373,7 @@
 </p:sldLayout>
 </file>
 
-<file path=ppt/slideLayouts/slideLayout21.xml><?xml version="1.0" encoding="utf-8"?>
+<file path=ppt/slideLayouts/slideLayout22.xml><?xml version="1.0" encoding="utf-8"?>
 <p:sldLayout xmlns:a="http://schemas.openxmlformats.org/drawingml/2006/main" xmlns:r="http://schemas.openxmlformats.org/officeDocument/2006/relationships" xmlns:p="http://schemas.openxmlformats.org/presentationml/2006/main" type="objTx" preserve="1">
   <p:cSld name="캡션 있는 콘텐츠">
     <p:spTree>
@@ -3562,7 +3650,7 @@
 </p:sldLayout>
 </file>
 
-<file path=ppt/slideLayouts/slideLayout22.xml><?xml version="1.0" encoding="utf-8"?>
+<file path=ppt/slideLayouts/slideLayout23.xml><?xml version="1.0" encoding="utf-8"?>
 <p:sldLayout xmlns:a="http://schemas.openxmlformats.org/drawingml/2006/main" xmlns:r="http://schemas.openxmlformats.org/officeDocument/2006/relationships" xmlns:p="http://schemas.openxmlformats.org/presentationml/2006/main" type="picTx" preserve="1">
   <p:cSld name="캡션 있는 그림">
     <p:spTree>
@@ -3815,7 +3903,7 @@
 </p:sldLayout>
 </file>
 
-<file path=ppt/slideLayouts/slideLayout23.xml><?xml version="1.0" encoding="utf-8"?>
+<file path=ppt/slideLayouts/slideLayout24.xml><?xml version="1.0" encoding="utf-8"?>
 <p:sldLayout xmlns:a="http://schemas.openxmlformats.org/drawingml/2006/main" xmlns:r="http://schemas.openxmlformats.org/officeDocument/2006/relationships" xmlns:p="http://schemas.openxmlformats.org/presentationml/2006/main" type="vertTx" preserve="1">
   <p:cSld name="제목 및 세로 텍스트">
     <p:spTree>
@@ -3985,7 +4073,7 @@
 </p:sldLayout>
 </file>
 
-<file path=ppt/slideLayouts/slideLayout24.xml><?xml version="1.0" encoding="utf-8"?>
+<file path=ppt/slideLayouts/slideLayout25.xml><?xml version="1.0" encoding="utf-8"?>
 <p:sldLayout xmlns:a="http://schemas.openxmlformats.org/drawingml/2006/main" xmlns:r="http://schemas.openxmlformats.org/officeDocument/2006/relationships" xmlns:p="http://schemas.openxmlformats.org/presentationml/2006/main" type="vertTitleAndTx" preserve="1">
   <p:cSld name="세로 제목 및 텍스트">
     <p:spTree>
@@ -4166,6 +4254,176 @@
 </file>
 
 <file path=ppt/slideLayouts/slideLayout3.xml><?xml version="1.0" encoding="utf-8"?>
+<p:sldLayout xmlns:a="http://schemas.openxmlformats.org/drawingml/2006/main" xmlns:r="http://schemas.openxmlformats.org/officeDocument/2006/relationships" xmlns:p="http://schemas.openxmlformats.org/presentationml/2006/main" showMasterSp="0" type="obj" preserve="1">
+  <p:cSld name="제목 및 내용">
+    <p:spTree>
+      <p:nvGrpSpPr>
+        <p:cNvPr id="1" name=""/>
+        <p:cNvGrpSpPr/>
+        <p:nvPr/>
+      </p:nvGrpSpPr>
+      <p:grpSpPr>
+        <a:xfrm>
+          <a:off x="0" y="0"/>
+          <a:ext cx="0" cy="0"/>
+          <a:chOff x="0" y="0"/>
+          <a:chExt cx="0" cy="0"/>
+        </a:xfrm>
+      </p:grpSpPr>
+      <p:sp>
+        <p:nvSpPr>
+          <p:cNvPr id="2" name="Title 1"/>
+          <p:cNvSpPr>
+            <a:spLocks noGrp="1"/>
+          </p:cNvSpPr>
+          <p:nvPr>
+            <p:ph type="title"/>
+          </p:nvPr>
+        </p:nvSpPr>
+        <p:spPr/>
+        <p:txBody>
+          <a:bodyPr/>
+          <a:lstStyle/>
+          <a:p>
+            <a:r>
+              <a:rPr lang="ko-KR" altLang="en-US" smtClean="0"/>
+              <a:t>마스터 제목 스타일 편집</a:t>
+            </a:r>
+            <a:endParaRPr lang="en-US" dirty="0"/>
+          </a:p>
+        </p:txBody>
+      </p:sp>
+      <p:sp>
+        <p:nvSpPr>
+          <p:cNvPr id="3" name="Content Placeholder 2"/>
+          <p:cNvSpPr>
+            <a:spLocks noGrp="1"/>
+          </p:cNvSpPr>
+          <p:nvPr>
+            <p:ph idx="1"/>
+          </p:nvPr>
+        </p:nvSpPr>
+        <p:spPr/>
+        <p:txBody>
+          <a:bodyPr/>
+          <a:lstStyle/>
+          <a:p>
+            <a:pPr lvl="0"/>
+            <a:r>
+              <a:rPr lang="ko-KR" altLang="en-US" smtClean="0"/>
+              <a:t>마스터 텍스트 스타일 편집</a:t>
+            </a:r>
+          </a:p>
+          <a:p>
+            <a:pPr lvl="1"/>
+            <a:r>
+              <a:rPr lang="ko-KR" altLang="en-US" smtClean="0"/>
+              <a:t>둘째 수준</a:t>
+            </a:r>
+          </a:p>
+          <a:p>
+            <a:pPr lvl="2"/>
+            <a:r>
+              <a:rPr lang="ko-KR" altLang="en-US" smtClean="0"/>
+              <a:t>셋째 수준</a:t>
+            </a:r>
+          </a:p>
+          <a:p>
+            <a:pPr lvl="3"/>
+            <a:r>
+              <a:rPr lang="ko-KR" altLang="en-US" smtClean="0"/>
+              <a:t>넷째 수준</a:t>
+            </a:r>
+          </a:p>
+          <a:p>
+            <a:pPr lvl="4"/>
+            <a:r>
+              <a:rPr lang="ko-KR" altLang="en-US" smtClean="0"/>
+              <a:t>다섯째 수준</a:t>
+            </a:r>
+            <a:endParaRPr lang="en-US" dirty="0"/>
+          </a:p>
+        </p:txBody>
+      </p:sp>
+      <p:sp>
+        <p:nvSpPr>
+          <p:cNvPr id="7" name="Date Placeholder 6"/>
+          <p:cNvSpPr>
+            <a:spLocks noGrp="1"/>
+          </p:cNvSpPr>
+          <p:nvPr>
+            <p:ph type="dt" sz="half" idx="10"/>
+          </p:nvPr>
+        </p:nvSpPr>
+        <p:spPr/>
+        <p:txBody>
+          <a:bodyPr/>
+          <a:lstStyle/>
+          <a:p>
+            <a:fld id="{1617CACB-9D38-4EEB-91EB-F5CC6553B83F}" type="datetimeFigureOut">
+              <a:rPr lang="ko-KR" altLang="en-US" smtClean="0"/>
+              <a:t>2018-09-21</a:t>
+            </a:fld>
+            <a:endParaRPr lang="ko-KR" altLang="en-US"/>
+          </a:p>
+        </p:txBody>
+      </p:sp>
+      <p:sp>
+        <p:nvSpPr>
+          <p:cNvPr id="8" name="Footer Placeholder 7"/>
+          <p:cNvSpPr>
+            <a:spLocks noGrp="1"/>
+          </p:cNvSpPr>
+          <p:nvPr>
+            <p:ph type="ftr" sz="quarter" idx="11"/>
+          </p:nvPr>
+        </p:nvSpPr>
+        <p:spPr/>
+        <p:txBody>
+          <a:bodyPr/>
+          <a:lstStyle/>
+          <a:p>
+            <a:endParaRPr lang="ko-KR" altLang="en-US"/>
+          </a:p>
+        </p:txBody>
+      </p:sp>
+      <p:sp>
+        <p:nvSpPr>
+          <p:cNvPr id="9" name="Slide Number Placeholder 8"/>
+          <p:cNvSpPr>
+            <a:spLocks noGrp="1"/>
+          </p:cNvSpPr>
+          <p:nvPr>
+            <p:ph type="sldNum" sz="quarter" idx="12"/>
+          </p:nvPr>
+        </p:nvSpPr>
+        <p:spPr/>
+        <p:txBody>
+          <a:bodyPr/>
+          <a:lstStyle/>
+          <a:p>
+            <a:fld id="{C8D95559-E464-46DA-A57E-4367739547CD}" type="slidenum">
+              <a:rPr lang="ko-KR" altLang="en-US" smtClean="0"/>
+              <a:t>‹#›</a:t>
+            </a:fld>
+            <a:endParaRPr lang="ko-KR" altLang="en-US"/>
+          </a:p>
+        </p:txBody>
+      </p:sp>
+    </p:spTree>
+    <p:extLst>
+      <p:ext uri="{BB962C8B-B14F-4D97-AF65-F5344CB8AC3E}">
+        <p14:creationId xmlns:p14="http://schemas.microsoft.com/office/powerpoint/2010/main" val="2258708426"/>
+      </p:ext>
+    </p:extLst>
+  </p:cSld>
+  <p:clrMapOvr>
+    <a:masterClrMapping/>
+  </p:clrMapOvr>
+</p:sldLayout>
+</file>
+
+<file path=ppt/slideLayouts/slideLayout4.xml><?xml version="1.0" encoding="utf-8"?>
 <p:sldLayout xmlns:a="http://schemas.openxmlformats.org/drawingml/2006/main" xmlns:r="http://schemas.openxmlformats.org/officeDocument/2006/relationships" xmlns:p="http://schemas.openxmlformats.org/presentationml/2006/main" showMasterSp="0" type="secHead" preserve="1">
   <p:cSld name="구역 머리글">
     <p:bg>
@@ -4750,8 +5008,8 @@
 </p:sldLayout>
 </file>
 
-<file path=ppt/slideLayouts/slideLayout4.xml><?xml version="1.0" encoding="utf-8"?>
-<p:sldLayout xmlns:a="http://schemas.openxmlformats.org/drawingml/2006/main" xmlns:r="http://schemas.openxmlformats.org/officeDocument/2006/relationships" xmlns:p="http://schemas.openxmlformats.org/presentationml/2006/main" preserve="1" userDrawn="1">
+<file path=ppt/slideLayouts/slideLayout5.xml><?xml version="1.0" encoding="utf-8"?>
+<p:sldLayout xmlns:a="http://schemas.openxmlformats.org/drawingml/2006/main" xmlns:r="http://schemas.openxmlformats.org/officeDocument/2006/relationships" xmlns:p="http://schemas.openxmlformats.org/presentationml/2006/main" showMasterSp="0" preserve="1" userDrawn="1">
   <p:cSld name="사용자 지정 레이아웃">
     <p:spTree>
       <p:nvGrpSpPr>
@@ -4868,8 +5126,8 @@
 </p:sldLayout>
 </file>
 
-<file path=ppt/slideLayouts/slideLayout5.xml><?xml version="1.0" encoding="utf-8"?>
-<p:sldLayout xmlns:a="http://schemas.openxmlformats.org/drawingml/2006/main" xmlns:r="http://schemas.openxmlformats.org/officeDocument/2006/relationships" xmlns:p="http://schemas.openxmlformats.org/presentationml/2006/main" showMasterSp="0" preserve="1" userDrawn="1">
+<file path=ppt/slideLayouts/slideLayout6.xml><?xml version="1.0" encoding="utf-8"?>
+<p:sldLayout xmlns:a="http://schemas.openxmlformats.org/drawingml/2006/main" xmlns:r="http://schemas.openxmlformats.org/officeDocument/2006/relationships" xmlns:p="http://schemas.openxmlformats.org/presentationml/2006/main" preserve="1" userDrawn="1">
   <p:cSld name="1_구역 머리글">
     <p:bg>
       <p:bgRef idx="1002">
@@ -4952,8 +5210,8 @@
 </p:sldLayout>
 </file>
 
-<file path=ppt/slideLayouts/slideLayout6.xml><?xml version="1.0" encoding="utf-8"?>
-<p:sldLayout xmlns:a="http://schemas.openxmlformats.org/drawingml/2006/main" xmlns:r="http://schemas.openxmlformats.org/officeDocument/2006/relationships" xmlns:p="http://schemas.openxmlformats.org/presentationml/2006/main" type="twoObj" preserve="1">
+<file path=ppt/slideLayouts/slideLayout7.xml><?xml version="1.0" encoding="utf-8"?>
+<p:sldLayout xmlns:a="http://schemas.openxmlformats.org/drawingml/2006/main" xmlns:r="http://schemas.openxmlformats.org/officeDocument/2006/relationships" xmlns:p="http://schemas.openxmlformats.org/presentationml/2006/main" showMasterSp="0" type="twoObj" preserve="1">
   <p:cSld name="콘텐츠 2개">
     <p:spTree>
       <p:nvGrpSpPr>
@@ -5240,7 +5498,7 @@
 </p:sldLayout>
 </file>
 
-<file path=ppt/slideLayouts/slideLayout7.xml><?xml version="1.0" encoding="utf-8"?>
+<file path=ppt/slideLayouts/slideLayout8.xml><?xml version="1.0" encoding="utf-8"?>
 <p:sldLayout xmlns:a="http://schemas.openxmlformats.org/drawingml/2006/main" xmlns:r="http://schemas.openxmlformats.org/officeDocument/2006/relationships" xmlns:p="http://schemas.openxmlformats.org/presentationml/2006/main" type="twoTxTwoObj" preserve="1">
   <p:cSld name="비교">
     <p:spTree>
@@ -5677,7 +5935,7 @@
 </p:sldLayout>
 </file>
 
-<file path=ppt/slideLayouts/slideLayout8.xml><?xml version="1.0" encoding="utf-8"?>
+<file path=ppt/slideLayouts/slideLayout9.xml><?xml version="1.0" encoding="utf-8"?>
 <p:sldLayout xmlns:a="http://schemas.openxmlformats.org/drawingml/2006/main" xmlns:r="http://schemas.openxmlformats.org/officeDocument/2006/relationships" xmlns:p="http://schemas.openxmlformats.org/presentationml/2006/main" type="titleOnly" preserve="1">
   <p:cSld name="제목만">
     <p:spTree>
@@ -5786,101 +6044,6 @@
     <p:extLst>
       <p:ext uri="{BB962C8B-B14F-4D97-AF65-F5344CB8AC3E}">
         <p14:creationId xmlns:p14="http://schemas.microsoft.com/office/powerpoint/2010/main" val="3253648728"/>
-      </p:ext>
-    </p:extLst>
-  </p:cSld>
-  <p:clrMapOvr>
-    <a:masterClrMapping/>
-  </p:clrMapOvr>
-</p:sldLayout>
-</file>
-
-<file path=ppt/slideLayouts/slideLayout9.xml><?xml version="1.0" encoding="utf-8"?>
-<p:sldLayout xmlns:a="http://schemas.openxmlformats.org/drawingml/2006/main" xmlns:r="http://schemas.openxmlformats.org/officeDocument/2006/relationships" xmlns:p="http://schemas.openxmlformats.org/presentationml/2006/main" type="blank" preserve="1">
-  <p:cSld name="빈 화면">
-    <p:spTree>
-      <p:nvGrpSpPr>
-        <p:cNvPr id="1" name=""/>
-        <p:cNvGrpSpPr/>
-        <p:nvPr/>
-      </p:nvGrpSpPr>
-      <p:grpSpPr>
-        <a:xfrm>
-          <a:off x="0" y="0"/>
-          <a:ext cx="0" cy="0"/>
-          <a:chOff x="0" y="0"/>
-          <a:chExt cx="0" cy="0"/>
-        </a:xfrm>
-      </p:grpSpPr>
-      <p:sp>
-        <p:nvSpPr>
-          <p:cNvPr id="2" name="Date Placeholder 1"/>
-          <p:cNvSpPr>
-            <a:spLocks noGrp="1"/>
-          </p:cNvSpPr>
-          <p:nvPr>
-            <p:ph type="dt" sz="half" idx="10"/>
-          </p:nvPr>
-        </p:nvSpPr>
-        <p:spPr/>
-        <p:txBody>
-          <a:bodyPr/>
-          <a:lstStyle/>
-          <a:p>
-            <a:fld id="{1617CACB-9D38-4EEB-91EB-F5CC6553B83F}" type="datetimeFigureOut">
-              <a:rPr lang="ko-KR" altLang="en-US" smtClean="0"/>
-              <a:t>2018-09-21</a:t>
-            </a:fld>
-            <a:endParaRPr lang="ko-KR" altLang="en-US"/>
-          </a:p>
-        </p:txBody>
-      </p:sp>
-      <p:sp>
-        <p:nvSpPr>
-          <p:cNvPr id="3" name="Footer Placeholder 2"/>
-          <p:cNvSpPr>
-            <a:spLocks noGrp="1"/>
-          </p:cNvSpPr>
-          <p:nvPr>
-            <p:ph type="ftr" sz="quarter" idx="11"/>
-          </p:nvPr>
-        </p:nvSpPr>
-        <p:spPr/>
-        <p:txBody>
-          <a:bodyPr/>
-          <a:lstStyle/>
-          <a:p>
-            <a:endParaRPr lang="ko-KR" altLang="en-US"/>
-          </a:p>
-        </p:txBody>
-      </p:sp>
-      <p:sp>
-        <p:nvSpPr>
-          <p:cNvPr id="4" name="Slide Number Placeholder 3"/>
-          <p:cNvSpPr>
-            <a:spLocks noGrp="1"/>
-          </p:cNvSpPr>
-          <p:nvPr>
-            <p:ph type="sldNum" sz="quarter" idx="12"/>
-          </p:nvPr>
-        </p:nvSpPr>
-        <p:spPr/>
-        <p:txBody>
-          <a:bodyPr/>
-          <a:lstStyle/>
-          <a:p>
-            <a:fld id="{C8D95559-E464-46DA-A57E-4367739547CD}" type="slidenum">
-              <a:rPr lang="ko-KR" altLang="en-US" smtClean="0"/>
-              <a:t>‹#›</a:t>
-            </a:fld>
-            <a:endParaRPr lang="ko-KR" altLang="en-US"/>
-          </a:p>
-        </p:txBody>
-      </p:sp>
-    </p:spTree>
-    <p:extLst>
-      <p:ext uri="{BB962C8B-B14F-4D97-AF65-F5344CB8AC3E}">
-        <p14:creationId xmlns:p14="http://schemas.microsoft.com/office/powerpoint/2010/main" val="3460579918"/>
       </p:ext>
     </p:extLst>
   </p:cSld>
@@ -6168,18 +6331,19 @@
   <p:clrMap bg1="lt1" tx1="dk1" bg2="lt2" tx2="dk2" accent1="accent1" accent2="accent2" accent3="accent3" accent4="accent4" accent5="accent5" accent6="accent6" hlink="hlink" folHlink="folHlink"/>
   <p:sldLayoutIdLst>
     <p:sldLayoutId id="2147483697" r:id="rId1"/>
-    <p:sldLayoutId id="2147483698" r:id="rId2"/>
-    <p:sldLayoutId id="2147483699" r:id="rId3"/>
-    <p:sldLayoutId id="2147483709" r:id="rId4"/>
-    <p:sldLayoutId id="2147483708" r:id="rId5"/>
-    <p:sldLayoutId id="2147483700" r:id="rId6"/>
-    <p:sldLayoutId id="2147483701" r:id="rId7"/>
-    <p:sldLayoutId id="2147483702" r:id="rId8"/>
-    <p:sldLayoutId id="2147483703" r:id="rId9"/>
-    <p:sldLayoutId id="2147483704" r:id="rId10"/>
-    <p:sldLayoutId id="2147483705" r:id="rId11"/>
-    <p:sldLayoutId id="2147483706" r:id="rId12"/>
-    <p:sldLayoutId id="2147483707" r:id="rId13"/>
+    <p:sldLayoutId id="2147483722" r:id="rId2"/>
+    <p:sldLayoutId id="2147483698" r:id="rId3"/>
+    <p:sldLayoutId id="2147483699" r:id="rId4"/>
+    <p:sldLayoutId id="2147483709" r:id="rId5"/>
+    <p:sldLayoutId id="2147483708" r:id="rId6"/>
+    <p:sldLayoutId id="2147483700" r:id="rId7"/>
+    <p:sldLayoutId id="2147483701" r:id="rId8"/>
+    <p:sldLayoutId id="2147483702" r:id="rId9"/>
+    <p:sldLayoutId id="2147483703" r:id="rId10"/>
+    <p:sldLayoutId id="2147483704" r:id="rId11"/>
+    <p:sldLayoutId id="2147483705" r:id="rId12"/>
+    <p:sldLayoutId id="2147483706" r:id="rId13"/>
+    <p:sldLayoutId id="2147483707" r:id="rId14"/>
   </p:sldLayoutIdLst>
   <p:txStyles>
     <p:titleStyle>
@@ -7527,6 +7691,22 @@
 <file path=ppt/slides/slide2.xml><?xml version="1.0" encoding="utf-8"?>
 <p:sld xmlns:a="http://schemas.openxmlformats.org/drawingml/2006/main" xmlns:r="http://schemas.openxmlformats.org/officeDocument/2006/relationships" xmlns:p="http://schemas.openxmlformats.org/presentationml/2006/main">
   <p:cSld>
+    <p:bg>
+      <p:bgPr>
+        <a:gradFill rotWithShape="1">
+          <a:gsLst>
+            <a:gs pos="0">
+              <a:schemeClr val="bg1"/>
+            </a:gs>
+            <a:gs pos="100000">
+              <a:schemeClr val="bg1"/>
+            </a:gs>
+          </a:gsLst>
+          <a:lin ang="5400000" scaled="0"/>
+        </a:gradFill>
+        <a:effectLst/>
+      </p:bgPr>
+    </p:bg>
     <p:spTree>
       <p:nvGrpSpPr>
         <p:cNvPr id="1" name=""/>
@@ -7549,67 +7729,15 @@
         </p:nvSpPr>
         <p:spPr>
           <a:xfrm>
-            <a:off x="391161" y="4607136"/>
-            <a:ext cx="3972560" cy="954107"/>
-          </a:xfrm>
-          <a:prstGeom prst="rect">
-            <a:avLst/>
-          </a:prstGeom>
-          <a:noFill/>
-        </p:spPr>
-        <p:txBody>
-          <a:bodyPr wrap="square" rtlCol="0">
-            <a:spAutoFit/>
-          </a:bodyPr>
-          <a:lstStyle/>
-          <a:p>
-            <a:pPr algn="ctr"/>
-            <a:r>
-              <a:rPr lang="ko-KR" altLang="en-US" sz="1400" b="1" dirty="0">
-                <a:solidFill>
-                  <a:schemeClr val="bg1">
-                    <a:lumMod val="50000"/>
-                  </a:schemeClr>
-                </a:solidFill>
-                <a:latin typeface="함초롬바탕" panose="02030504000101010101" pitchFamily="18" charset="-127"/>
-                <a:ea typeface="함초롬바탕" panose="02030504000101010101" pitchFamily="18" charset="-127"/>
-                <a:cs typeface="함초롬바탕" panose="02030504000101010101" pitchFamily="18" charset="-127"/>
-              </a:rPr>
-              <a:t>저희 교회가 이 지역에서 빛과 소금의 역할을 잘 감당 할 수 있도록 오셔서 축하해 주시고 하나님의 위대한 역사를 찬양하며 격려의 말씀과 사랑의 교제를 나눌 수 있기를 기원합니다</a:t>
-            </a:r>
-            <a:r>
-              <a:rPr lang="en-US" altLang="ko-KR" sz="1400" b="1" dirty="0">
-                <a:solidFill>
-                  <a:schemeClr val="bg1">
-                    <a:lumMod val="50000"/>
-                  </a:schemeClr>
-                </a:solidFill>
-                <a:latin typeface="함초롬바탕" panose="02030504000101010101" pitchFamily="18" charset="-127"/>
-                <a:ea typeface="함초롬바탕" panose="02030504000101010101" pitchFamily="18" charset="-127"/>
-                <a:cs typeface="함초롬바탕" panose="02030504000101010101" pitchFamily="18" charset="-127"/>
-              </a:rPr>
-              <a:t>.</a:t>
-            </a:r>
-          </a:p>
-        </p:txBody>
-      </p:sp>
-      <p:sp>
-        <p:nvSpPr>
-          <p:cNvPr id="5" name="직사각형 4"/>
-          <p:cNvSpPr/>
-          <p:nvPr/>
-        </p:nvSpPr>
-        <p:spPr>
-          <a:xfrm>
-            <a:off x="391161" y="1471953"/>
-            <a:ext cx="3972560" cy="954107"/>
+            <a:off x="495299" y="4446270"/>
+            <a:ext cx="3743325" cy="1169551"/>
           </a:xfrm>
           <a:prstGeom prst="rect">
             <a:avLst/>
           </a:prstGeom>
         </p:spPr>
         <p:txBody>
-          <a:bodyPr wrap="square">
+          <a:bodyPr wrap="square" rtlCol="0">
             <a:spAutoFit/>
           </a:bodyPr>
           <a:lstStyle/>
@@ -7618,175 +7746,22 @@
             <a:r>
               <a:rPr lang="ko-KR" altLang="en-US" sz="1400" b="1" dirty="0">
                 <a:solidFill>
-                  <a:schemeClr val="bg1">
-                    <a:lumMod val="50000"/>
-                  </a:schemeClr>
-                </a:solidFill>
-                <a:latin typeface="함초롬돋움 확장" panose="02030504000101010101" pitchFamily="18" charset="-127"/>
-                <a:ea typeface="함초롬돋움 확장" panose="02030504000101010101" pitchFamily="18" charset="-127"/>
-                <a:cs typeface="함초롬돋움 확장" panose="02030504000101010101" pitchFamily="18" charset="-127"/>
-              </a:rPr>
-              <a:t>주 예수 그리스도의 </a:t>
-            </a:r>
-            <a:endParaRPr lang="en-US" altLang="ko-KR" sz="1400" b="1" dirty="0" smtClean="0">
-              <a:solidFill>
-                <a:schemeClr val="bg1">
-                  <a:lumMod val="50000"/>
-                </a:schemeClr>
-              </a:solidFill>
-              <a:latin typeface="함초롬돋움 확장" panose="02030504000101010101" pitchFamily="18" charset="-127"/>
-              <a:ea typeface="함초롬돋움 확장" panose="02030504000101010101" pitchFamily="18" charset="-127"/>
-              <a:cs typeface="함초롬돋움 확장" panose="02030504000101010101" pitchFamily="18" charset="-127"/>
-            </a:endParaRPr>
-          </a:p>
-          <a:p>
-            <a:pPr algn="ctr"/>
-            <a:r>
-              <a:rPr lang="ko-KR" altLang="en-US" sz="1400" b="1" dirty="0" smtClean="0">
-                <a:solidFill>
-                  <a:schemeClr val="bg1">
-                    <a:lumMod val="50000"/>
-                  </a:schemeClr>
-                </a:solidFill>
-                <a:latin typeface="함초롬돋움 확장" panose="02030504000101010101" pitchFamily="18" charset="-127"/>
-                <a:ea typeface="함초롬돋움 확장" panose="02030504000101010101" pitchFamily="18" charset="-127"/>
-                <a:cs typeface="함초롬돋움 확장" panose="02030504000101010101" pitchFamily="18" charset="-127"/>
-              </a:rPr>
-              <a:t>은혜와 </a:t>
-            </a:r>
-            <a:r>
-              <a:rPr lang="ko-KR" altLang="en-US" sz="1400" b="1" dirty="0">
-                <a:solidFill>
-                  <a:schemeClr val="bg1">
-                    <a:lumMod val="50000"/>
-                  </a:schemeClr>
-                </a:solidFill>
-                <a:latin typeface="함초롬돋움 확장" panose="02030504000101010101" pitchFamily="18" charset="-127"/>
-                <a:ea typeface="함초롬돋움 확장" panose="02030504000101010101" pitchFamily="18" charset="-127"/>
-                <a:cs typeface="함초롬돋움 확장" panose="02030504000101010101" pitchFamily="18" charset="-127"/>
-              </a:rPr>
-              <a:t>평강이 </a:t>
-            </a:r>
-            <a:r>
-              <a:rPr lang="ko-KR" altLang="en-US" sz="1400" b="1" dirty="0" smtClean="0">
-                <a:solidFill>
-                  <a:schemeClr val="bg1">
-                    <a:lumMod val="50000"/>
-                  </a:schemeClr>
-                </a:solidFill>
-                <a:latin typeface="함초롬돋움 확장" panose="02030504000101010101" pitchFamily="18" charset="-127"/>
-                <a:ea typeface="함초롬돋움 확장" panose="02030504000101010101" pitchFamily="18" charset="-127"/>
-                <a:cs typeface="함초롬돋움 확장" panose="02030504000101010101" pitchFamily="18" charset="-127"/>
-              </a:rPr>
-              <a:t>섬기시는 </a:t>
-            </a:r>
-            <a:endParaRPr lang="en-US" altLang="ko-KR" sz="1400" b="1" dirty="0" smtClean="0">
-              <a:solidFill>
-                <a:schemeClr val="bg1">
-                  <a:lumMod val="50000"/>
-                </a:schemeClr>
-              </a:solidFill>
-              <a:latin typeface="함초롬돋움 확장" panose="02030504000101010101" pitchFamily="18" charset="-127"/>
-              <a:ea typeface="함초롬돋움 확장" panose="02030504000101010101" pitchFamily="18" charset="-127"/>
-              <a:cs typeface="함초롬돋움 확장" panose="02030504000101010101" pitchFamily="18" charset="-127"/>
-            </a:endParaRPr>
-          </a:p>
-          <a:p>
-            <a:pPr algn="ctr"/>
-            <a:r>
-              <a:rPr lang="ko-KR" altLang="en-US" sz="1400" b="1" dirty="0" smtClean="0">
-                <a:solidFill>
-                  <a:schemeClr val="bg1">
-                    <a:lumMod val="50000"/>
-                  </a:schemeClr>
-                </a:solidFill>
-                <a:latin typeface="함초롬돋움 확장" panose="02030504000101010101" pitchFamily="18" charset="-127"/>
-                <a:ea typeface="함초롬돋움 확장" panose="02030504000101010101" pitchFamily="18" charset="-127"/>
-                <a:cs typeface="함초롬돋움 확장" panose="02030504000101010101" pitchFamily="18" charset="-127"/>
-              </a:rPr>
-              <a:t>교회와 </a:t>
-            </a:r>
-            <a:r>
-              <a:rPr lang="ko-KR" altLang="en-US" sz="1400" b="1" dirty="0">
-                <a:solidFill>
-                  <a:schemeClr val="bg1">
-                    <a:lumMod val="50000"/>
-                  </a:schemeClr>
-                </a:solidFill>
-                <a:latin typeface="함초롬돋움 확장" panose="02030504000101010101" pitchFamily="18" charset="-127"/>
-                <a:ea typeface="함초롬돋움 확장" panose="02030504000101010101" pitchFamily="18" charset="-127"/>
-                <a:cs typeface="함초롬돋움 확장" panose="02030504000101010101" pitchFamily="18" charset="-127"/>
-              </a:rPr>
-              <a:t>가정과 삶의 터전 위에 충만하시기를 </a:t>
-            </a:r>
-            <a:r>
-              <a:rPr lang="ko-KR" altLang="en-US" sz="1400" b="1" dirty="0" smtClean="0">
-                <a:solidFill>
-                  <a:schemeClr val="bg1">
-                    <a:lumMod val="50000"/>
-                  </a:schemeClr>
-                </a:solidFill>
-                <a:latin typeface="함초롬돋움 확장" panose="02030504000101010101" pitchFamily="18" charset="-127"/>
-                <a:ea typeface="함초롬돋움 확장" panose="02030504000101010101" pitchFamily="18" charset="-127"/>
-                <a:cs typeface="함초롬돋움 확장" panose="02030504000101010101" pitchFamily="18" charset="-127"/>
-              </a:rPr>
-              <a:t>소망합니다</a:t>
-            </a:r>
-            <a:r>
-              <a:rPr lang="en-US" altLang="ko-KR" sz="1400" b="1" dirty="0">
-                <a:solidFill>
-                  <a:schemeClr val="bg1">
-                    <a:lumMod val="50000"/>
-                  </a:schemeClr>
-                </a:solidFill>
-                <a:latin typeface="함초롬돋움 확장" panose="02030504000101010101" pitchFamily="18" charset="-127"/>
-                <a:ea typeface="함초롬돋움 확장" panose="02030504000101010101" pitchFamily="18" charset="-127"/>
-                <a:cs typeface="함초롬돋움 확장" panose="02030504000101010101" pitchFamily="18" charset="-127"/>
-              </a:rPr>
-              <a:t>.</a:t>
-            </a:r>
-          </a:p>
-        </p:txBody>
-      </p:sp>
-      <p:sp>
-        <p:nvSpPr>
-          <p:cNvPr id="6" name="직사각형 5"/>
-          <p:cNvSpPr/>
-          <p:nvPr/>
-        </p:nvSpPr>
-        <p:spPr>
-          <a:xfrm>
-            <a:off x="391161" y="2500936"/>
-            <a:ext cx="3972560" cy="2031325"/>
-          </a:xfrm>
-          <a:prstGeom prst="rect">
-            <a:avLst/>
-          </a:prstGeom>
-        </p:spPr>
-        <p:txBody>
-          <a:bodyPr wrap="square">
-            <a:spAutoFit/>
-          </a:bodyPr>
-          <a:lstStyle/>
-          <a:p>
-            <a:pPr algn="ctr"/>
-            <a:r>
-              <a:rPr lang="ko-KR" altLang="en-US" sz="1400" b="1" dirty="0">
-                <a:solidFill>
-                  <a:schemeClr val="bg1">
-                    <a:lumMod val="50000"/>
+                  <a:schemeClr val="tx1">
+                    <a:lumMod val="75000"/>
+                    <a:lumOff val="25000"/>
                   </a:schemeClr>
                 </a:solidFill>
                 <a:latin typeface="함초롬바탕" panose="02030504000101010101" pitchFamily="18" charset="-127"/>
                 <a:ea typeface="함초롬바탕" panose="02030504000101010101" pitchFamily="18" charset="-127"/>
                 <a:cs typeface="함초롬바탕" panose="02030504000101010101" pitchFamily="18" charset="-127"/>
               </a:rPr>
-              <a:t>하나님의 깊으신 뜻과 은혜로 </a:t>
+              <a:t>저희 교회가 이 지역에서 빛과 소금의 역할을 </a:t>
             </a:r>
             <a:endParaRPr lang="en-US" altLang="ko-KR" sz="1400" b="1" dirty="0" smtClean="0">
               <a:solidFill>
-                <a:schemeClr val="bg1">
-                  <a:lumMod val="50000"/>
+                <a:schemeClr val="tx1">
+                  <a:lumMod val="75000"/>
+                  <a:lumOff val="25000"/>
                 </a:schemeClr>
               </a:solidFill>
               <a:latin typeface="함초롬바탕" panose="02030504000101010101" pitchFamily="18" charset="-127"/>
@@ -7799,60 +7774,37 @@
             <a:r>
               <a:rPr lang="ko-KR" altLang="en-US" sz="1400" b="1" dirty="0" smtClean="0">
                 <a:solidFill>
-                  <a:schemeClr val="bg1">
-                    <a:lumMod val="50000"/>
+                  <a:schemeClr val="tx1">
+                    <a:lumMod val="75000"/>
+                    <a:lumOff val="25000"/>
                   </a:schemeClr>
                 </a:solidFill>
                 <a:latin typeface="함초롬바탕" panose="02030504000101010101" pitchFamily="18" charset="-127"/>
                 <a:ea typeface="함초롬바탕" panose="02030504000101010101" pitchFamily="18" charset="-127"/>
                 <a:cs typeface="함초롬바탕" panose="02030504000101010101" pitchFamily="18" charset="-127"/>
               </a:rPr>
-              <a:t>새 </a:t>
+              <a:t>잘 </a:t>
             </a:r>
             <a:r>
               <a:rPr lang="ko-KR" altLang="en-US" sz="1400" b="1" dirty="0">
                 <a:solidFill>
-                  <a:schemeClr val="bg1">
-                    <a:lumMod val="50000"/>
+                  <a:schemeClr val="tx1">
+                    <a:lumMod val="75000"/>
+                    <a:lumOff val="25000"/>
                   </a:schemeClr>
                 </a:solidFill>
                 <a:latin typeface="함초롬바탕" panose="02030504000101010101" pitchFamily="18" charset="-127"/>
                 <a:ea typeface="함초롬바탕" panose="02030504000101010101" pitchFamily="18" charset="-127"/>
                 <a:cs typeface="함초롬바탕" panose="02030504000101010101" pitchFamily="18" charset="-127"/>
               </a:rPr>
-              <a:t>예배당을 건축하게 되어 </a:t>
-            </a:r>
-            <a:r>
-              <a:rPr lang="ko-KR" altLang="en-US" sz="1400" b="1" dirty="0" smtClean="0">
-                <a:solidFill>
-                  <a:schemeClr val="bg1">
-                    <a:lumMod val="50000"/>
-                  </a:schemeClr>
-                </a:solidFill>
-                <a:latin typeface="함초롬바탕" panose="02030504000101010101" pitchFamily="18" charset="-127"/>
-                <a:ea typeface="함초롬바탕" panose="02030504000101010101" pitchFamily="18" charset="-127"/>
-                <a:cs typeface="함초롬바탕" panose="02030504000101010101" pitchFamily="18" charset="-127"/>
-              </a:rPr>
-              <a:t>입당 예배를 </a:t>
-            </a:r>
-            <a:r>
-              <a:rPr lang="ko-KR" altLang="en-US" sz="1400" b="1" dirty="0">
-                <a:solidFill>
-                  <a:schemeClr val="bg1">
-                    <a:lumMod val="50000"/>
-                  </a:schemeClr>
-                </a:solidFill>
-                <a:latin typeface="함초롬바탕" panose="02030504000101010101" pitchFamily="18" charset="-127"/>
-                <a:ea typeface="함초롬바탕" panose="02030504000101010101" pitchFamily="18" charset="-127"/>
-                <a:cs typeface="함초롬바탕" panose="02030504000101010101" pitchFamily="18" charset="-127"/>
-              </a:rPr>
-              <a:t>드리게 되었습니다</a:t>
-            </a:r>
-            <a:r>
-              <a:rPr lang="en-US" altLang="ko-KR" sz="1400" b="1" dirty="0" smtClean="0">
-                <a:solidFill>
-                  <a:schemeClr val="bg1">
-                    <a:lumMod val="50000"/>
+              <a:t>감당 할 수 있도록 오셔서 축하해 주시고 하나님의 위대한 역사를 찬양하며 격려의 말씀과 사랑의 교제를 나눌 수 있기를 기원합니다</a:t>
+            </a:r>
+            <a:r>
+              <a:rPr lang="en-US" altLang="ko-KR" sz="1400" b="1" dirty="0">
+                <a:solidFill>
+                  <a:schemeClr val="tx1">
+                    <a:lumMod val="75000"/>
+                    <a:lumOff val="25000"/>
                   </a:schemeClr>
                 </a:solidFill>
                 <a:latin typeface="함초롬바탕" panose="02030504000101010101" pitchFamily="18" charset="-127"/>
@@ -7862,12 +7814,49 @@
               <a:t>.</a:t>
             </a:r>
           </a:p>
+        </p:txBody>
+      </p:sp>
+      <p:sp>
+        <p:nvSpPr>
+          <p:cNvPr id="5" name="직사각형 4"/>
+          <p:cNvSpPr/>
+          <p:nvPr/>
+        </p:nvSpPr>
+        <p:spPr>
+          <a:xfrm>
+            <a:off x="495299" y="1124817"/>
+            <a:ext cx="3743325" cy="954107"/>
+          </a:xfrm>
+          <a:prstGeom prst="rect">
+            <a:avLst/>
+          </a:prstGeom>
+        </p:spPr>
+        <p:txBody>
+          <a:bodyPr wrap="square">
+            <a:spAutoFit/>
+          </a:bodyPr>
+          <a:lstStyle/>
           <a:p>
             <a:pPr algn="ctr"/>
-            <a:endParaRPr lang="en-US" altLang="ko-KR" sz="1400" b="1" dirty="0">
+            <a:r>
+              <a:rPr lang="ko-KR" altLang="en-US" sz="1400" b="1" dirty="0">
+                <a:solidFill>
+                  <a:schemeClr val="tx1">
+                    <a:lumMod val="75000"/>
+                    <a:lumOff val="25000"/>
+                  </a:schemeClr>
+                </a:solidFill>
+                <a:latin typeface="함초롬바탕" panose="02030504000101010101" pitchFamily="18" charset="-127"/>
+                <a:ea typeface="함초롬바탕" panose="02030504000101010101" pitchFamily="18" charset="-127"/>
+                <a:cs typeface="함초롬바탕" panose="02030504000101010101" pitchFamily="18" charset="-127"/>
+              </a:rPr>
+              <a:t>주 예수 그리스도의 </a:t>
+            </a:r>
+            <a:endParaRPr lang="en-US" altLang="ko-KR" sz="1400" b="1" dirty="0" smtClean="0">
               <a:solidFill>
-                <a:schemeClr val="bg1">
-                  <a:lumMod val="50000"/>
+                <a:schemeClr val="tx1">
+                  <a:lumMod val="75000"/>
+                  <a:lumOff val="25000"/>
                 </a:schemeClr>
               </a:solidFill>
               <a:latin typeface="함초롬바탕" panose="02030504000101010101" pitchFamily="18" charset="-127"/>
@@ -7878,22 +7867,52 @@
           <a:p>
             <a:pPr algn="ctr"/>
             <a:r>
-              <a:rPr lang="ko-KR" altLang="en-US" sz="1400" b="1" dirty="0">
-                <a:solidFill>
-                  <a:schemeClr val="bg1">
-                    <a:lumMod val="50000"/>
+              <a:rPr lang="ko-KR" altLang="en-US" sz="1400" b="1" dirty="0" smtClean="0">
+                <a:solidFill>
+                  <a:schemeClr val="tx1">
+                    <a:lumMod val="75000"/>
+                    <a:lumOff val="25000"/>
                   </a:schemeClr>
                 </a:solidFill>
                 <a:latin typeface="함초롬바탕" panose="02030504000101010101" pitchFamily="18" charset="-127"/>
                 <a:ea typeface="함초롬바탕" panose="02030504000101010101" pitchFamily="18" charset="-127"/>
                 <a:cs typeface="함초롬바탕" panose="02030504000101010101" pitchFamily="18" charset="-127"/>
               </a:rPr>
-              <a:t>건축이 계획 된 이후 </a:t>
+              <a:t>은혜와 </a:t>
+            </a:r>
+            <a:r>
+              <a:rPr lang="ko-KR" altLang="en-US" sz="1400" b="1" dirty="0">
+                <a:solidFill>
+                  <a:schemeClr val="tx1">
+                    <a:lumMod val="75000"/>
+                    <a:lumOff val="25000"/>
+                  </a:schemeClr>
+                </a:solidFill>
+                <a:latin typeface="함초롬바탕" panose="02030504000101010101" pitchFamily="18" charset="-127"/>
+                <a:ea typeface="함초롬바탕" panose="02030504000101010101" pitchFamily="18" charset="-127"/>
+                <a:cs typeface="함초롬바탕" panose="02030504000101010101" pitchFamily="18" charset="-127"/>
+              </a:rPr>
+              <a:t>평강이 </a:t>
+            </a:r>
+            <a:r>
+              <a:rPr lang="ko-KR" altLang="en-US" sz="1400" b="1" dirty="0" smtClean="0">
+                <a:solidFill>
+                  <a:schemeClr val="tx1">
+                    <a:lumMod val="75000"/>
+                    <a:lumOff val="25000"/>
+                  </a:schemeClr>
+                </a:solidFill>
+                <a:latin typeface="함초롬바탕" panose="02030504000101010101" pitchFamily="18" charset="-127"/>
+                <a:ea typeface="함초롬바탕" panose="02030504000101010101" pitchFamily="18" charset="-127"/>
+                <a:cs typeface="함초롬바탕" panose="02030504000101010101" pitchFamily="18" charset="-127"/>
+              </a:rPr>
+              <a:t>섬기시는 </a:t>
             </a:r>
             <a:endParaRPr lang="en-US" altLang="ko-KR" sz="1400" b="1" dirty="0" smtClean="0">
               <a:solidFill>
-                <a:schemeClr val="bg1">
-                  <a:lumMod val="50000"/>
+                <a:schemeClr val="tx1">
+                  <a:lumMod val="75000"/>
+                  <a:lumOff val="25000"/>
                 </a:schemeClr>
               </a:solidFill>
               <a:latin typeface="함초롬바탕" panose="02030504000101010101" pitchFamily="18" charset="-127"/>
@@ -7906,8 +7925,233 @@
             <a:r>
               <a:rPr lang="ko-KR" altLang="en-US" sz="1400" b="1" dirty="0" smtClean="0">
                 <a:solidFill>
-                  <a:schemeClr val="bg1">
-                    <a:lumMod val="50000"/>
+                  <a:schemeClr val="tx1">
+                    <a:lumMod val="75000"/>
+                    <a:lumOff val="25000"/>
+                  </a:schemeClr>
+                </a:solidFill>
+                <a:latin typeface="함초롬바탕" panose="02030504000101010101" pitchFamily="18" charset="-127"/>
+                <a:ea typeface="함초롬바탕" panose="02030504000101010101" pitchFamily="18" charset="-127"/>
+                <a:cs typeface="함초롬바탕" panose="02030504000101010101" pitchFamily="18" charset="-127"/>
+              </a:rPr>
+              <a:t>교회와 </a:t>
+            </a:r>
+            <a:r>
+              <a:rPr lang="ko-KR" altLang="en-US" sz="1400" b="1" dirty="0">
+                <a:solidFill>
+                  <a:schemeClr val="tx1">
+                    <a:lumMod val="75000"/>
+                    <a:lumOff val="25000"/>
+                  </a:schemeClr>
+                </a:solidFill>
+                <a:latin typeface="함초롬바탕" panose="02030504000101010101" pitchFamily="18" charset="-127"/>
+                <a:ea typeface="함초롬바탕" panose="02030504000101010101" pitchFamily="18" charset="-127"/>
+                <a:cs typeface="함초롬바탕" panose="02030504000101010101" pitchFamily="18" charset="-127"/>
+              </a:rPr>
+              <a:t>가정과 삶의 터전 위에 충만하시기를 </a:t>
+            </a:r>
+            <a:r>
+              <a:rPr lang="ko-KR" altLang="en-US" sz="1400" b="1" dirty="0" smtClean="0">
+                <a:solidFill>
+                  <a:schemeClr val="tx1">
+                    <a:lumMod val="75000"/>
+                    <a:lumOff val="25000"/>
+                  </a:schemeClr>
+                </a:solidFill>
+                <a:latin typeface="함초롬바탕" panose="02030504000101010101" pitchFamily="18" charset="-127"/>
+                <a:ea typeface="함초롬바탕" panose="02030504000101010101" pitchFamily="18" charset="-127"/>
+                <a:cs typeface="함초롬바탕" panose="02030504000101010101" pitchFamily="18" charset="-127"/>
+              </a:rPr>
+              <a:t>소망합니다</a:t>
+            </a:r>
+            <a:r>
+              <a:rPr lang="en-US" altLang="ko-KR" sz="1400" b="1" dirty="0">
+                <a:solidFill>
+                  <a:schemeClr val="tx1">
+                    <a:lumMod val="75000"/>
+                    <a:lumOff val="25000"/>
+                  </a:schemeClr>
+                </a:solidFill>
+                <a:latin typeface="함초롬바탕" panose="02030504000101010101" pitchFamily="18" charset="-127"/>
+                <a:ea typeface="함초롬바탕" panose="02030504000101010101" pitchFamily="18" charset="-127"/>
+                <a:cs typeface="함초롬바탕" panose="02030504000101010101" pitchFamily="18" charset="-127"/>
+              </a:rPr>
+              <a:t>.</a:t>
+            </a:r>
+          </a:p>
+        </p:txBody>
+      </p:sp>
+      <p:sp>
+        <p:nvSpPr>
+          <p:cNvPr id="6" name="직사각형 5"/>
+          <p:cNvSpPr/>
+          <p:nvPr/>
+        </p:nvSpPr>
+        <p:spPr>
+          <a:xfrm>
+            <a:off x="495299" y="2246934"/>
+            <a:ext cx="3743325" cy="2031325"/>
+          </a:xfrm>
+          <a:prstGeom prst="rect">
+            <a:avLst/>
+          </a:prstGeom>
+        </p:spPr>
+        <p:txBody>
+          <a:bodyPr wrap="square">
+            <a:spAutoFit/>
+          </a:bodyPr>
+          <a:lstStyle/>
+          <a:p>
+            <a:pPr algn="ctr"/>
+            <a:r>
+              <a:rPr lang="ko-KR" altLang="en-US" sz="1400" b="1" dirty="0">
+                <a:solidFill>
+                  <a:schemeClr val="tx1">
+                    <a:lumMod val="75000"/>
+                    <a:lumOff val="25000"/>
+                  </a:schemeClr>
+                </a:solidFill>
+                <a:latin typeface="함초롬바탕" panose="02030504000101010101" pitchFamily="18" charset="-127"/>
+                <a:ea typeface="함초롬바탕" panose="02030504000101010101" pitchFamily="18" charset="-127"/>
+                <a:cs typeface="함초롬바탕" panose="02030504000101010101" pitchFamily="18" charset="-127"/>
+              </a:rPr>
+              <a:t>하나님의 깊으신 뜻과 은혜로 </a:t>
+            </a:r>
+            <a:endParaRPr lang="en-US" altLang="ko-KR" sz="1400" b="1" dirty="0" smtClean="0">
+              <a:solidFill>
+                <a:schemeClr val="tx1">
+                  <a:lumMod val="75000"/>
+                  <a:lumOff val="25000"/>
+                </a:schemeClr>
+              </a:solidFill>
+              <a:latin typeface="함초롬바탕" panose="02030504000101010101" pitchFamily="18" charset="-127"/>
+              <a:ea typeface="함초롬바탕" panose="02030504000101010101" pitchFamily="18" charset="-127"/>
+              <a:cs typeface="함초롬바탕" panose="02030504000101010101" pitchFamily="18" charset="-127"/>
+            </a:endParaRPr>
+          </a:p>
+          <a:p>
+            <a:pPr algn="ctr"/>
+            <a:r>
+              <a:rPr lang="ko-KR" altLang="en-US" sz="1400" b="1" dirty="0" smtClean="0">
+                <a:solidFill>
+                  <a:schemeClr val="tx1">
+                    <a:lumMod val="75000"/>
+                    <a:lumOff val="25000"/>
+                  </a:schemeClr>
+                </a:solidFill>
+                <a:latin typeface="함초롬바탕" panose="02030504000101010101" pitchFamily="18" charset="-127"/>
+                <a:ea typeface="함초롬바탕" panose="02030504000101010101" pitchFamily="18" charset="-127"/>
+                <a:cs typeface="함초롬바탕" panose="02030504000101010101" pitchFamily="18" charset="-127"/>
+              </a:rPr>
+              <a:t>새 </a:t>
+            </a:r>
+            <a:r>
+              <a:rPr lang="ko-KR" altLang="en-US" sz="1400" b="1" dirty="0">
+                <a:solidFill>
+                  <a:schemeClr val="tx1">
+                    <a:lumMod val="75000"/>
+                    <a:lumOff val="25000"/>
+                  </a:schemeClr>
+                </a:solidFill>
+                <a:latin typeface="함초롬바탕" panose="02030504000101010101" pitchFamily="18" charset="-127"/>
+                <a:ea typeface="함초롬바탕" panose="02030504000101010101" pitchFamily="18" charset="-127"/>
+                <a:cs typeface="함초롬바탕" panose="02030504000101010101" pitchFamily="18" charset="-127"/>
+              </a:rPr>
+              <a:t>예배당을 건축하게 되어 </a:t>
+            </a:r>
+            <a:r>
+              <a:rPr lang="ko-KR" altLang="en-US" sz="1400" b="1" dirty="0" smtClean="0">
+                <a:solidFill>
+                  <a:schemeClr val="tx1">
+                    <a:lumMod val="75000"/>
+                    <a:lumOff val="25000"/>
+                  </a:schemeClr>
+                </a:solidFill>
+                <a:latin typeface="함초롬바탕" panose="02030504000101010101" pitchFamily="18" charset="-127"/>
+                <a:ea typeface="함초롬바탕" panose="02030504000101010101" pitchFamily="18" charset="-127"/>
+                <a:cs typeface="함초롬바탕" panose="02030504000101010101" pitchFamily="18" charset="-127"/>
+              </a:rPr>
+              <a:t>입당 예배를 </a:t>
+            </a:r>
+            <a:r>
+              <a:rPr lang="ko-KR" altLang="en-US" sz="1400" b="1" dirty="0">
+                <a:solidFill>
+                  <a:schemeClr val="tx1">
+                    <a:lumMod val="75000"/>
+                    <a:lumOff val="25000"/>
+                  </a:schemeClr>
+                </a:solidFill>
+                <a:latin typeface="함초롬바탕" panose="02030504000101010101" pitchFamily="18" charset="-127"/>
+                <a:ea typeface="함초롬바탕" panose="02030504000101010101" pitchFamily="18" charset="-127"/>
+                <a:cs typeface="함초롬바탕" panose="02030504000101010101" pitchFamily="18" charset="-127"/>
+              </a:rPr>
+              <a:t>드리게 되었습니다</a:t>
+            </a:r>
+            <a:r>
+              <a:rPr lang="en-US" altLang="ko-KR" sz="1400" b="1" dirty="0" smtClean="0">
+                <a:solidFill>
+                  <a:schemeClr val="tx1">
+                    <a:lumMod val="75000"/>
+                    <a:lumOff val="25000"/>
+                  </a:schemeClr>
+                </a:solidFill>
+                <a:latin typeface="함초롬바탕" panose="02030504000101010101" pitchFamily="18" charset="-127"/>
+                <a:ea typeface="함초롬바탕" panose="02030504000101010101" pitchFamily="18" charset="-127"/>
+                <a:cs typeface="함초롬바탕" panose="02030504000101010101" pitchFamily="18" charset="-127"/>
+              </a:rPr>
+              <a:t>.</a:t>
+            </a:r>
+          </a:p>
+          <a:p>
+            <a:pPr algn="ctr"/>
+            <a:endParaRPr lang="en-US" altLang="ko-KR" sz="1400" b="1" dirty="0">
+              <a:solidFill>
+                <a:schemeClr val="tx1">
+                  <a:lumMod val="75000"/>
+                  <a:lumOff val="25000"/>
+                </a:schemeClr>
+              </a:solidFill>
+              <a:latin typeface="함초롬바탕" panose="02030504000101010101" pitchFamily="18" charset="-127"/>
+              <a:ea typeface="함초롬바탕" panose="02030504000101010101" pitchFamily="18" charset="-127"/>
+              <a:cs typeface="함초롬바탕" panose="02030504000101010101" pitchFamily="18" charset="-127"/>
+            </a:endParaRPr>
+          </a:p>
+          <a:p>
+            <a:pPr algn="ctr"/>
+            <a:r>
+              <a:rPr lang="ko-KR" altLang="en-US" sz="1400" b="1" dirty="0">
+                <a:solidFill>
+                  <a:schemeClr val="tx1">
+                    <a:lumMod val="75000"/>
+                    <a:lumOff val="25000"/>
+                  </a:schemeClr>
+                </a:solidFill>
+                <a:latin typeface="함초롬바탕" panose="02030504000101010101" pitchFamily="18" charset="-127"/>
+                <a:ea typeface="함초롬바탕" panose="02030504000101010101" pitchFamily="18" charset="-127"/>
+                <a:cs typeface="함초롬바탕" panose="02030504000101010101" pitchFamily="18" charset="-127"/>
+              </a:rPr>
+              <a:t>건축이 계획 된 이후 </a:t>
+            </a:r>
+            <a:endParaRPr lang="en-US" altLang="ko-KR" sz="1400" b="1" dirty="0" smtClean="0">
+              <a:solidFill>
+                <a:schemeClr val="tx1">
+                  <a:lumMod val="75000"/>
+                  <a:lumOff val="25000"/>
+                </a:schemeClr>
+              </a:solidFill>
+              <a:latin typeface="함초롬바탕" panose="02030504000101010101" pitchFamily="18" charset="-127"/>
+              <a:ea typeface="함초롬바탕" panose="02030504000101010101" pitchFamily="18" charset="-127"/>
+              <a:cs typeface="함초롬바탕" panose="02030504000101010101" pitchFamily="18" charset="-127"/>
+            </a:endParaRPr>
+          </a:p>
+          <a:p>
+            <a:pPr algn="ctr"/>
+            <a:r>
+              <a:rPr lang="ko-KR" altLang="en-US" sz="1400" b="1" dirty="0" smtClean="0">
+                <a:solidFill>
+                  <a:schemeClr val="tx1">
+                    <a:lumMod val="75000"/>
+                    <a:lumOff val="25000"/>
                   </a:schemeClr>
                 </a:solidFill>
                 <a:latin typeface="함초롬바탕" panose="02030504000101010101" pitchFamily="18" charset="-127"/>
@@ -7919,8 +8163,9 @@
             <a:r>
               <a:rPr lang="ko-KR" altLang="en-US" sz="1400" b="1" dirty="0">
                 <a:solidFill>
-                  <a:schemeClr val="bg1">
-                    <a:lumMod val="50000"/>
+                  <a:schemeClr val="tx1">
+                    <a:lumMod val="75000"/>
+                    <a:lumOff val="25000"/>
                   </a:schemeClr>
                 </a:solidFill>
                 <a:latin typeface="함초롬바탕" panose="02030504000101010101" pitchFamily="18" charset="-127"/>
@@ -7932,8 +8177,9 @@
             <a:r>
               <a:rPr lang="ko-KR" altLang="en-US" sz="1400" b="1" dirty="0" smtClean="0">
                 <a:solidFill>
-                  <a:schemeClr val="bg1">
-                    <a:lumMod val="50000"/>
+                  <a:schemeClr val="tx1">
+                    <a:lumMod val="75000"/>
+                    <a:lumOff val="25000"/>
                   </a:schemeClr>
                 </a:solidFill>
                 <a:latin typeface="함초롬바탕" panose="02030504000101010101" pitchFamily="18" charset="-127"/>
@@ -7945,8 +8191,9 @@
             <a:r>
               <a:rPr lang="ko-KR" altLang="en-US" sz="1400" b="1" dirty="0">
                 <a:solidFill>
-                  <a:schemeClr val="bg1">
-                    <a:lumMod val="50000"/>
+                  <a:schemeClr val="tx1">
+                    <a:lumMod val="75000"/>
+                    <a:lumOff val="25000"/>
                   </a:schemeClr>
                 </a:solidFill>
                 <a:latin typeface="함초롬바탕" panose="02030504000101010101" pitchFamily="18" charset="-127"/>
@@ -7958,8 +8205,9 @@
             <a:r>
               <a:rPr lang="ko-KR" altLang="en-US" sz="1400" b="1" dirty="0" smtClean="0">
                 <a:solidFill>
-                  <a:schemeClr val="bg1">
-                    <a:lumMod val="50000"/>
+                  <a:schemeClr val="tx1">
+                    <a:lumMod val="75000"/>
+                    <a:lumOff val="25000"/>
                   </a:schemeClr>
                 </a:solidFill>
                 <a:latin typeface="함초롬바탕" panose="02030504000101010101" pitchFamily="18" charset="-127"/>
@@ -7971,8 +8219,9 @@
             <a:r>
               <a:rPr lang="en-US" altLang="ko-KR" sz="1400" b="1" dirty="0" smtClean="0">
                 <a:solidFill>
-                  <a:schemeClr val="bg1">
-                    <a:lumMod val="50000"/>
+                  <a:schemeClr val="tx1">
+                    <a:lumMod val="75000"/>
+                    <a:lumOff val="25000"/>
                   </a:schemeClr>
                 </a:solidFill>
                 <a:latin typeface="함초롬바탕" panose="02030504000101010101" pitchFamily="18" charset="-127"/>
@@ -7987,8 +8236,9 @@
             <a:r>
               <a:rPr lang="ko-KR" altLang="en-US" sz="1400" b="1" dirty="0" smtClean="0">
                 <a:solidFill>
-                  <a:schemeClr val="bg1">
-                    <a:lumMod val="50000"/>
+                  <a:schemeClr val="tx1">
+                    <a:lumMod val="75000"/>
+                    <a:lumOff val="25000"/>
                   </a:schemeClr>
                 </a:solidFill>
                 <a:latin typeface="함초롬바탕" panose="02030504000101010101" pitchFamily="18" charset="-127"/>
@@ -8000,8 +8250,9 @@
             <a:r>
               <a:rPr lang="ko-KR" altLang="en-US" sz="1400" b="1" dirty="0">
                 <a:solidFill>
-                  <a:schemeClr val="bg1">
-                    <a:lumMod val="50000"/>
+                  <a:schemeClr val="tx1">
+                    <a:lumMod val="75000"/>
+                    <a:lumOff val="25000"/>
                   </a:schemeClr>
                 </a:solidFill>
                 <a:latin typeface="함초롬바탕" panose="02030504000101010101" pitchFamily="18" charset="-127"/>
@@ -8013,8 +8264,9 @@
             <a:r>
               <a:rPr lang="en-US" altLang="ko-KR" sz="1400" b="1" dirty="0">
                 <a:solidFill>
-                  <a:schemeClr val="bg1">
-                    <a:lumMod val="50000"/>
+                  <a:schemeClr val="tx1">
+                    <a:lumMod val="75000"/>
+                    <a:lumOff val="25000"/>
                   </a:schemeClr>
                 </a:solidFill>
                 <a:latin typeface="함초롬바탕" panose="02030504000101010101" pitchFamily="18" charset="-127"/>
@@ -8034,8 +8286,8 @@
         </p:nvSpPr>
         <p:spPr>
           <a:xfrm>
-            <a:off x="391161" y="5778863"/>
-            <a:ext cx="3972559" cy="307777"/>
+            <a:off x="391161" y="5736531"/>
+            <a:ext cx="3972559" cy="400110"/>
           </a:xfrm>
           <a:prstGeom prst="rect">
             <a:avLst/>
@@ -8049,7 +8301,7 @@
           <a:p>
             <a:pPr algn="ctr"/>
             <a:r>
-              <a:rPr lang="ko-KR" altLang="en-US" sz="1400" b="1" dirty="0">
+              <a:rPr lang="ko-KR" altLang="en-US" sz="2000" b="1" dirty="0">
                 <a:solidFill>
                   <a:schemeClr val="tx2">
                     <a:lumMod val="50000"/>
@@ -8062,7 +8314,7 @@
               <a:t>감사합니다</a:t>
             </a:r>
             <a:r>
-              <a:rPr lang="en-US" altLang="ko-KR" sz="1400" b="1" dirty="0">
+              <a:rPr lang="en-US" altLang="ko-KR" sz="2000" b="1" dirty="0">
                 <a:solidFill>
                   <a:schemeClr val="tx2">
                     <a:lumMod val="50000"/>
@@ -8077,209 +8329,235 @@
           </a:p>
         </p:txBody>
       </p:sp>
-      <p:sp>
-        <p:nvSpPr>
-          <p:cNvPr id="9" name="Rectangle 14"/>
-          <p:cNvSpPr/>
-          <p:nvPr/>
-        </p:nvSpPr>
-        <p:spPr>
-          <a:xfrm>
-            <a:off x="1760632" y="792261"/>
-            <a:ext cx="1171576" cy="604816"/>
-          </a:xfrm>
-          <a:prstGeom prst="rect">
-            <a:avLst/>
-          </a:prstGeom>
-          <a:solidFill>
-            <a:schemeClr val="bg2"/>
-          </a:solidFill>
-          <a:ln>
-            <a:noFill/>
-          </a:ln>
-        </p:spPr>
-        <p:style>
-          <a:lnRef idx="2">
-            <a:schemeClr val="accent1">
-              <a:shade val="50000"/>
-            </a:schemeClr>
-          </a:lnRef>
-          <a:fillRef idx="1">
-            <a:schemeClr val="accent1"/>
-          </a:fillRef>
-          <a:effectRef idx="0">
-            <a:schemeClr val="accent1"/>
-          </a:effectRef>
-          <a:fontRef idx="minor">
-            <a:schemeClr val="lt1"/>
-          </a:fontRef>
-        </p:style>
-      </p:sp>
       <p:grpSp>
         <p:nvGrpSpPr>
-          <p:cNvPr id="2" name="그룹 1"/>
+          <p:cNvPr id="16" name="그룹 15"/>
           <p:cNvGrpSpPr/>
           <p:nvPr/>
         </p:nvGrpSpPr>
         <p:grpSpPr>
           <a:xfrm>
-            <a:off x="1792382" y="792261"/>
-            <a:ext cx="1108076" cy="518414"/>
-            <a:chOff x="5053742" y="812968"/>
-            <a:chExt cx="1108076" cy="518414"/>
+            <a:off x="1433172" y="563659"/>
+            <a:ext cx="1826496" cy="443874"/>
+            <a:chOff x="1710433" y="563659"/>
+            <a:chExt cx="1271973" cy="593290"/>
           </a:xfrm>
         </p:grpSpPr>
-        <p:cxnSp>
-          <p:nvCxnSpPr>
-            <p:cNvPr id="11" name="Straight Connector 16"/>
-            <p:cNvCxnSpPr/>
+        <p:sp>
+          <p:nvSpPr>
+            <p:cNvPr id="9" name="Rectangle 14"/>
+            <p:cNvSpPr/>
             <p:nvPr/>
-          </p:nvCxnSpPr>
+          </p:nvSpPr>
           <p:spPr>
             <a:xfrm>
-              <a:off x="5053742" y="812968"/>
-              <a:ext cx="0" cy="514224"/>
+              <a:off x="1760632" y="563659"/>
+              <a:ext cx="1171576" cy="593290"/>
             </a:xfrm>
-            <a:prstGeom prst="line">
+            <a:prstGeom prst="rect">
               <a:avLst/>
             </a:prstGeom>
             <a:solidFill>
-              <a:schemeClr val="tx1">
-                <a:lumMod val="85000"/>
-                <a:lumOff val="15000"/>
-              </a:schemeClr>
+              <a:schemeClr val="bg2"/>
             </a:solidFill>
             <a:ln>
-              <a:solidFill>
-                <a:schemeClr val="tx1"/>
-              </a:solidFill>
-              <a:miter lim="800000"/>
+              <a:noFill/>
             </a:ln>
           </p:spPr>
           <p:style>
-            <a:lnRef idx="1">
-              <a:schemeClr val="accent1"/>
+            <a:lnRef idx="2">
+              <a:schemeClr val="accent1">
+                <a:shade val="50000"/>
+              </a:schemeClr>
             </a:lnRef>
-            <a:fillRef idx="0">
+            <a:fillRef idx="1">
               <a:schemeClr val="accent1"/>
             </a:fillRef>
             <a:effectRef idx="0">
               <a:schemeClr val="accent1"/>
             </a:effectRef>
             <a:fontRef idx="minor">
-              <a:schemeClr val="tx1"/>
+              <a:schemeClr val="lt1"/>
             </a:fontRef>
           </p:style>
-        </p:cxnSp>
-        <p:cxnSp>
-          <p:nvCxnSpPr>
-            <p:cNvPr id="12" name="Straight Connector 17"/>
-            <p:cNvCxnSpPr/>
+        </p:sp>
+        <p:grpSp>
+          <p:nvGrpSpPr>
+            <p:cNvPr id="2" name="그룹 1"/>
+            <p:cNvGrpSpPr/>
             <p:nvPr/>
-          </p:nvCxnSpPr>
+          </p:nvGrpSpPr>
+          <p:grpSpPr>
+            <a:xfrm>
+              <a:off x="1792382" y="563659"/>
+              <a:ext cx="1108076" cy="518414"/>
+              <a:chOff x="5053742" y="812968"/>
+              <a:chExt cx="1108076" cy="518414"/>
+            </a:xfrm>
+          </p:grpSpPr>
+          <p:cxnSp>
+            <p:nvCxnSpPr>
+              <p:cNvPr id="11" name="Straight Connector 16"/>
+              <p:cNvCxnSpPr/>
+              <p:nvPr/>
+            </p:nvCxnSpPr>
+            <p:spPr>
+              <a:xfrm>
+                <a:off x="5053742" y="812968"/>
+                <a:ext cx="0" cy="514224"/>
+              </a:xfrm>
+              <a:prstGeom prst="line">
+                <a:avLst/>
+              </a:prstGeom>
+              <a:solidFill>
+                <a:schemeClr val="tx1">
+                  <a:lumMod val="85000"/>
+                  <a:lumOff val="15000"/>
+                </a:schemeClr>
+              </a:solidFill>
+              <a:ln>
+                <a:solidFill>
+                  <a:schemeClr val="tx1"/>
+                </a:solidFill>
+                <a:miter lim="800000"/>
+              </a:ln>
+            </p:spPr>
+            <p:style>
+              <a:lnRef idx="1">
+                <a:schemeClr val="accent1"/>
+              </a:lnRef>
+              <a:fillRef idx="0">
+                <a:schemeClr val="accent1"/>
+              </a:fillRef>
+              <a:effectRef idx="0">
+                <a:schemeClr val="accent1"/>
+              </a:effectRef>
+              <a:fontRef idx="minor">
+                <a:schemeClr val="tx1"/>
+              </a:fontRef>
+            </p:style>
+          </p:cxnSp>
+          <p:cxnSp>
+            <p:nvCxnSpPr>
+              <p:cNvPr id="12" name="Straight Connector 17"/>
+              <p:cNvCxnSpPr/>
+              <p:nvPr/>
+            </p:nvCxnSpPr>
+            <p:spPr>
+              <a:xfrm>
+                <a:off x="6161818" y="812968"/>
+                <a:ext cx="0" cy="514224"/>
+              </a:xfrm>
+              <a:prstGeom prst="line">
+                <a:avLst/>
+              </a:prstGeom>
+              <a:solidFill>
+                <a:schemeClr val="tx1">
+                  <a:lumMod val="85000"/>
+                  <a:lumOff val="15000"/>
+                </a:schemeClr>
+              </a:solidFill>
+              <a:ln>
+                <a:solidFill>
+                  <a:schemeClr val="tx1"/>
+                </a:solidFill>
+                <a:miter lim="800000"/>
+              </a:ln>
+            </p:spPr>
+            <p:style>
+              <a:lnRef idx="1">
+                <a:schemeClr val="accent1"/>
+              </a:lnRef>
+              <a:fillRef idx="0">
+                <a:schemeClr val="accent1"/>
+              </a:fillRef>
+              <a:effectRef idx="0">
+                <a:schemeClr val="accent1"/>
+              </a:effectRef>
+              <a:fontRef idx="minor">
+                <a:schemeClr val="tx1"/>
+              </a:fontRef>
+            </p:style>
+          </p:cxnSp>
+          <p:cxnSp>
+            <p:nvCxnSpPr>
+              <p:cNvPr id="13" name="Straight Connector 18"/>
+              <p:cNvCxnSpPr/>
+              <p:nvPr/>
+            </p:nvCxnSpPr>
+            <p:spPr>
+              <a:xfrm>
+                <a:off x="5053742" y="1331382"/>
+                <a:ext cx="1108076" cy="0"/>
+              </a:xfrm>
+              <a:prstGeom prst="line">
+                <a:avLst/>
+              </a:prstGeom>
+              <a:solidFill>
+                <a:schemeClr val="tx1">
+                  <a:lumMod val="85000"/>
+                  <a:lumOff val="15000"/>
+                </a:schemeClr>
+              </a:solidFill>
+              <a:ln>
+                <a:solidFill>
+                  <a:schemeClr val="tx1"/>
+                </a:solidFill>
+                <a:miter lim="800000"/>
+              </a:ln>
+            </p:spPr>
+            <p:style>
+              <a:lnRef idx="1">
+                <a:schemeClr val="accent1"/>
+              </a:lnRef>
+              <a:fillRef idx="0">
+                <a:schemeClr val="accent1"/>
+              </a:fillRef>
+              <a:effectRef idx="0">
+                <a:schemeClr val="accent1"/>
+              </a:effectRef>
+              <a:fontRef idx="minor">
+                <a:schemeClr val="tx1"/>
+              </a:fontRef>
+            </p:style>
+          </p:cxnSp>
+        </p:grpSp>
+        <p:sp>
+          <p:nvSpPr>
+            <p:cNvPr id="8" name="직사각형 7"/>
+            <p:cNvSpPr/>
+            <p:nvPr/>
+          </p:nvSpPr>
           <p:spPr>
             <a:xfrm>
-              <a:off x="6161818" y="812968"/>
-              <a:ext cx="0" cy="514224"/>
+              <a:off x="1710433" y="582878"/>
+              <a:ext cx="1271973" cy="354071"/>
             </a:xfrm>
-            <a:prstGeom prst="line">
+            <a:prstGeom prst="rect">
               <a:avLst/>
             </a:prstGeom>
-            <a:solidFill>
-              <a:schemeClr val="tx1">
-                <a:lumMod val="85000"/>
-                <a:lumOff val="15000"/>
-              </a:schemeClr>
-            </a:solidFill>
-            <a:ln>
-              <a:solidFill>
-                <a:schemeClr val="tx1"/>
-              </a:solidFill>
-              <a:miter lim="800000"/>
-            </a:ln>
           </p:spPr>
-          <p:style>
-            <a:lnRef idx="1">
-              <a:schemeClr val="accent1"/>
-            </a:lnRef>
-            <a:fillRef idx="0">
-              <a:schemeClr val="accent1"/>
-            </a:fillRef>
-            <a:effectRef idx="0">
-              <a:schemeClr val="accent1"/>
-            </a:effectRef>
-            <a:fontRef idx="minor">
-              <a:schemeClr val="tx1"/>
-            </a:fontRef>
-          </p:style>
-        </p:cxnSp>
-        <p:cxnSp>
-          <p:nvCxnSpPr>
-            <p:cNvPr id="13" name="Straight Connector 18"/>
-            <p:cNvCxnSpPr/>
-            <p:nvPr/>
-          </p:nvCxnSpPr>
-          <p:spPr>
-            <a:xfrm>
-              <a:off x="5053742" y="1331382"/>
-              <a:ext cx="1108076" cy="0"/>
-            </a:xfrm>
-            <a:prstGeom prst="line">
-              <a:avLst/>
-            </a:prstGeom>
-            <a:solidFill>
-              <a:schemeClr val="tx1">
-                <a:lumMod val="85000"/>
-                <a:lumOff val="15000"/>
-              </a:schemeClr>
-            </a:solidFill>
-            <a:ln>
-              <a:solidFill>
-                <a:schemeClr val="tx1"/>
-              </a:solidFill>
-              <a:miter lim="800000"/>
-            </a:ln>
-          </p:spPr>
-          <p:style>
-            <a:lnRef idx="1">
-              <a:schemeClr val="accent1"/>
-            </a:lnRef>
-            <a:fillRef idx="0">
-              <a:schemeClr val="accent1"/>
-            </a:fillRef>
-            <a:effectRef idx="0">
-              <a:schemeClr val="accent1"/>
-            </a:effectRef>
-            <a:fontRef idx="minor">
-              <a:schemeClr val="tx1"/>
-            </a:fontRef>
-          </p:style>
-        </p:cxnSp>
-      </p:grpSp>
-      <p:sp>
-        <p:nvSpPr>
-          <p:cNvPr id="8" name="직사각형 7"/>
-          <p:cNvSpPr/>
-          <p:nvPr/>
-        </p:nvSpPr>
-        <p:spPr>
-          <a:xfrm>
-            <a:off x="1710433" y="868066"/>
-            <a:ext cx="1271973" cy="354071"/>
-          </a:xfrm>
-          <a:prstGeom prst="rect">
-            <a:avLst/>
-          </a:prstGeom>
-        </p:spPr>
-        <p:txBody>
-          <a:bodyPr wrap="square">
-            <a:spAutoFit/>
-          </a:bodyPr>
-          <a:lstStyle/>
-          <a:p>
-            <a:pPr algn="ctr"/>
-            <a:r>
-              <a:rPr lang="ko-KR" altLang="en-US" sz="1701" b="1" dirty="0">
+          <p:txBody>
+            <a:bodyPr wrap="square">
+              <a:spAutoFit/>
+            </a:bodyPr>
+            <a:lstStyle/>
+            <a:p>
+              <a:pPr algn="ctr"/>
+              <a:r>
+                <a:rPr lang="ko-KR" altLang="en-US" sz="1701" b="1" dirty="0">
+                  <a:solidFill>
+                    <a:schemeClr val="tx2">
+                      <a:lumMod val="50000"/>
+                    </a:schemeClr>
+                  </a:solidFill>
+                  <a:latin typeface="함초롬바탕" panose="02030504000101010101" pitchFamily="18" charset="-127"/>
+                  <a:ea typeface="함초롬바탕" panose="02030504000101010101" pitchFamily="18" charset="-127"/>
+                  <a:cs typeface="함초롬바탕" panose="02030504000101010101" pitchFamily="18" charset="-127"/>
+                </a:rPr>
+                <a:t>초대의 글</a:t>
+              </a:r>
+              <a:endParaRPr lang="en-US" altLang="ko-KR" sz="1701" b="1" dirty="0">
                 <a:solidFill>
                   <a:schemeClr val="tx2">
                     <a:lumMod val="50000"/>
@@ -8288,22 +8566,11 @@
                 <a:latin typeface="함초롬바탕" panose="02030504000101010101" pitchFamily="18" charset="-127"/>
                 <a:ea typeface="함초롬바탕" panose="02030504000101010101" pitchFamily="18" charset="-127"/>
                 <a:cs typeface="함초롬바탕" panose="02030504000101010101" pitchFamily="18" charset="-127"/>
-              </a:rPr>
-              <a:t>초대의 글</a:t>
-            </a:r>
-            <a:endParaRPr lang="en-US" altLang="ko-KR" sz="1701" b="1" dirty="0">
-              <a:solidFill>
-                <a:schemeClr val="tx2">
-                  <a:lumMod val="50000"/>
-                </a:schemeClr>
-              </a:solidFill>
-              <a:latin typeface="함초롬바탕" panose="02030504000101010101" pitchFamily="18" charset="-127"/>
-              <a:ea typeface="함초롬바탕" panose="02030504000101010101" pitchFamily="18" charset="-127"/>
-              <a:cs typeface="함초롬바탕" panose="02030504000101010101" pitchFamily="18" charset="-127"/>
-            </a:endParaRPr>
-          </a:p>
-        </p:txBody>
-      </p:sp>
+              </a:endParaRPr>
+            </a:p>
+          </p:txBody>
+        </p:sp>
+      </p:grpSp>
     </p:spTree>
     <p:extLst>
       <p:ext uri="{BB962C8B-B14F-4D97-AF65-F5344CB8AC3E}">
@@ -8334,6 +8601,2370 @@
           <a:chExt cx="0" cy="0"/>
         </a:xfrm>
       </p:grpSpPr>
+      <p:grpSp>
+        <p:nvGrpSpPr>
+          <p:cNvPr id="17" name="그룹 16"/>
+          <p:cNvGrpSpPr/>
+          <p:nvPr/>
+        </p:nvGrpSpPr>
+        <p:grpSpPr>
+          <a:xfrm>
+            <a:off x="206375" y="0"/>
+            <a:ext cx="4321175" cy="6480175"/>
+            <a:chOff x="206375" y="0"/>
+            <a:chExt cx="4321175" cy="6480175"/>
+          </a:xfrm>
+        </p:grpSpPr>
+        <p:sp>
+          <p:nvSpPr>
+            <p:cNvPr id="4" name="직사각형 3"/>
+            <p:cNvSpPr/>
+            <p:nvPr/>
+          </p:nvSpPr>
+          <p:spPr>
+            <a:xfrm>
+              <a:off x="1244600" y="2277533"/>
+              <a:ext cx="2167467" cy="2294467"/>
+            </a:xfrm>
+            <a:prstGeom prst="rect">
+              <a:avLst/>
+            </a:prstGeom>
+            <a:solidFill>
+              <a:schemeClr val="bg1"/>
+            </a:solidFill>
+            <a:ln>
+              <a:noFill/>
+            </a:ln>
+          </p:spPr>
+          <p:style>
+            <a:lnRef idx="2">
+              <a:schemeClr val="accent1">
+                <a:shade val="50000"/>
+              </a:schemeClr>
+            </a:lnRef>
+            <a:fillRef idx="1">
+              <a:schemeClr val="accent1"/>
+            </a:fillRef>
+            <a:effectRef idx="0">
+              <a:schemeClr val="accent1"/>
+            </a:effectRef>
+            <a:fontRef idx="minor">
+              <a:schemeClr val="lt1"/>
+            </a:fontRef>
+          </p:style>
+          <p:txBody>
+            <a:bodyPr rtlCol="0" anchor="ctr"/>
+            <a:lstStyle/>
+            <a:p>
+              <a:pPr algn="ctr"/>
+              <a:endParaRPr lang="ko-KR" altLang="en-US"/>
+            </a:p>
+          </p:txBody>
+        </p:sp>
+        <p:sp>
+          <p:nvSpPr>
+            <p:cNvPr id="5" name="직사각형 4"/>
+            <p:cNvSpPr/>
+            <p:nvPr/>
+          </p:nvSpPr>
+          <p:spPr>
+            <a:xfrm>
+              <a:off x="292310" y="2439869"/>
+              <a:ext cx="4162215" cy="1600438"/>
+            </a:xfrm>
+            <a:prstGeom prst="rect">
+              <a:avLst/>
+            </a:prstGeom>
+          </p:spPr>
+          <p:txBody>
+            <a:bodyPr wrap="square">
+              <a:spAutoFit/>
+            </a:bodyPr>
+            <a:lstStyle/>
+            <a:p>
+              <a:pPr algn="ctr"/>
+              <a:r>
+                <a:rPr lang="ko-KR" altLang="en-US" sz="1400" b="1" dirty="0" err="1" smtClean="0">
+                  <a:solidFill>
+                    <a:schemeClr val="tx1">
+                      <a:lumMod val="75000"/>
+                      <a:lumOff val="25000"/>
+                    </a:schemeClr>
+                  </a:solidFill>
+                  <a:latin typeface="함초롬바탕" panose="02030504000101010101" pitchFamily="18" charset="-127"/>
+                  <a:ea typeface="함초롬바탕" panose="02030504000101010101" pitchFamily="18" charset="-127"/>
+                  <a:cs typeface="함초롬바탕" panose="02030504000101010101" pitchFamily="18" charset="-127"/>
+                </a:rPr>
+                <a:t>주향제일교회</a:t>
+              </a:r>
+              <a:endParaRPr lang="en-US" altLang="ko-KR" sz="1400" b="1" dirty="0" smtClean="0">
+                <a:solidFill>
+                  <a:schemeClr val="tx1">
+                    <a:lumMod val="75000"/>
+                    <a:lumOff val="25000"/>
+                  </a:schemeClr>
+                </a:solidFill>
+                <a:latin typeface="함초롬바탕" panose="02030504000101010101" pitchFamily="18" charset="-127"/>
+                <a:ea typeface="함초롬바탕" panose="02030504000101010101" pitchFamily="18" charset="-127"/>
+                <a:cs typeface="함초롬바탕" panose="02030504000101010101" pitchFamily="18" charset="-127"/>
+              </a:endParaRPr>
+            </a:p>
+            <a:p>
+              <a:pPr algn="ctr"/>
+              <a:endParaRPr lang="en-US" altLang="ko-KR" sz="1400" b="1" dirty="0">
+                <a:solidFill>
+                  <a:schemeClr val="tx1">
+                    <a:lumMod val="75000"/>
+                    <a:lumOff val="25000"/>
+                  </a:schemeClr>
+                </a:solidFill>
+                <a:latin typeface="함초롬바탕" panose="02030504000101010101" pitchFamily="18" charset="-127"/>
+                <a:ea typeface="함초롬바탕" panose="02030504000101010101" pitchFamily="18" charset="-127"/>
+                <a:cs typeface="함초롬바탕" panose="02030504000101010101" pitchFamily="18" charset="-127"/>
+              </a:endParaRPr>
+            </a:p>
+            <a:p>
+              <a:pPr algn="ctr"/>
+              <a:endParaRPr lang="en-US" altLang="ko-KR" sz="1400" b="1" dirty="0" smtClean="0">
+                <a:solidFill>
+                  <a:schemeClr val="tx1">
+                    <a:lumMod val="75000"/>
+                    <a:lumOff val="25000"/>
+                  </a:schemeClr>
+                </a:solidFill>
+                <a:latin typeface="함초롬바탕" panose="02030504000101010101" pitchFamily="18" charset="-127"/>
+                <a:ea typeface="함초롬바탕" panose="02030504000101010101" pitchFamily="18" charset="-127"/>
+                <a:cs typeface="함초롬바탕" panose="02030504000101010101" pitchFamily="18" charset="-127"/>
+              </a:endParaRPr>
+            </a:p>
+            <a:p>
+              <a:pPr algn="ctr"/>
+              <a:r>
+                <a:rPr lang="en-US" altLang="ko-KR" sz="1400" b="1" dirty="0" smtClean="0">
+                  <a:solidFill>
+                    <a:schemeClr val="tx1">
+                      <a:lumMod val="75000"/>
+                      <a:lumOff val="25000"/>
+                    </a:schemeClr>
+                  </a:solidFill>
+                  <a:latin typeface="함초롬바탕" panose="02030504000101010101" pitchFamily="18" charset="-127"/>
+                  <a:ea typeface="함초롬바탕" panose="02030504000101010101" pitchFamily="18" charset="-127"/>
+                  <a:cs typeface="함초롬바탕" panose="02030504000101010101" pitchFamily="18" charset="-127"/>
+                </a:rPr>
+                <a:t>2018</a:t>
+              </a:r>
+              <a:r>
+                <a:rPr lang="ko-KR" altLang="en-US" sz="1400" b="1" dirty="0" smtClean="0">
+                  <a:solidFill>
+                    <a:schemeClr val="tx1">
+                      <a:lumMod val="75000"/>
+                      <a:lumOff val="25000"/>
+                    </a:schemeClr>
+                  </a:solidFill>
+                  <a:latin typeface="함초롬바탕" panose="02030504000101010101" pitchFamily="18" charset="-127"/>
+                  <a:ea typeface="함초롬바탕" panose="02030504000101010101" pitchFamily="18" charset="-127"/>
+                  <a:cs typeface="함초롬바탕" panose="02030504000101010101" pitchFamily="18" charset="-127"/>
+                </a:rPr>
+                <a:t>년 </a:t>
+              </a:r>
+              <a:r>
+                <a:rPr lang="en-US" altLang="ko-KR" sz="1400" b="1" dirty="0" smtClean="0">
+                  <a:solidFill>
+                    <a:schemeClr val="tx1">
+                      <a:lumMod val="75000"/>
+                      <a:lumOff val="25000"/>
+                    </a:schemeClr>
+                  </a:solidFill>
+                  <a:latin typeface="함초롬바탕" panose="02030504000101010101" pitchFamily="18" charset="-127"/>
+                  <a:ea typeface="함초롬바탕" panose="02030504000101010101" pitchFamily="18" charset="-127"/>
+                  <a:cs typeface="함초롬바탕" panose="02030504000101010101" pitchFamily="18" charset="-127"/>
+                </a:rPr>
+                <a:t>10</a:t>
+              </a:r>
+              <a:r>
+                <a:rPr lang="ko-KR" altLang="en-US" sz="1400" b="1" dirty="0" smtClean="0">
+                  <a:solidFill>
+                    <a:schemeClr val="tx1">
+                      <a:lumMod val="75000"/>
+                      <a:lumOff val="25000"/>
+                    </a:schemeClr>
+                  </a:solidFill>
+                  <a:latin typeface="함초롬바탕" panose="02030504000101010101" pitchFamily="18" charset="-127"/>
+                  <a:ea typeface="함초롬바탕" panose="02030504000101010101" pitchFamily="18" charset="-127"/>
+                  <a:cs typeface="함초롬바탕" panose="02030504000101010101" pitchFamily="18" charset="-127"/>
+                </a:rPr>
+                <a:t>월 </a:t>
+              </a:r>
+              <a:r>
+                <a:rPr lang="en-US" altLang="ko-KR" sz="1400" b="1" dirty="0" smtClean="0">
+                  <a:solidFill>
+                    <a:schemeClr val="tx1">
+                      <a:lumMod val="75000"/>
+                      <a:lumOff val="25000"/>
+                    </a:schemeClr>
+                  </a:solidFill>
+                  <a:latin typeface="함초롬바탕" panose="02030504000101010101" pitchFamily="18" charset="-127"/>
+                  <a:ea typeface="함초롬바탕" panose="02030504000101010101" pitchFamily="18" charset="-127"/>
+                  <a:cs typeface="함초롬바탕" panose="02030504000101010101" pitchFamily="18" charset="-127"/>
+                </a:rPr>
+                <a:t>6</a:t>
+              </a:r>
+              <a:r>
+                <a:rPr lang="ko-KR" altLang="en-US" sz="1400" b="1" dirty="0" smtClean="0">
+                  <a:solidFill>
+                    <a:schemeClr val="tx1">
+                      <a:lumMod val="75000"/>
+                      <a:lumOff val="25000"/>
+                    </a:schemeClr>
+                  </a:solidFill>
+                  <a:latin typeface="함초롬바탕" panose="02030504000101010101" pitchFamily="18" charset="-127"/>
+                  <a:ea typeface="함초롬바탕" panose="02030504000101010101" pitchFamily="18" charset="-127"/>
+                  <a:cs typeface="함초롬바탕" panose="02030504000101010101" pitchFamily="18" charset="-127"/>
+                </a:rPr>
+                <a:t>일</a:t>
+              </a:r>
+              <a:r>
+                <a:rPr lang="en-US" altLang="ko-KR" sz="1400" b="1" dirty="0" smtClean="0">
+                  <a:solidFill>
+                    <a:schemeClr val="tx1">
+                      <a:lumMod val="75000"/>
+                      <a:lumOff val="25000"/>
+                    </a:schemeClr>
+                  </a:solidFill>
+                  <a:latin typeface="함초롬바탕" panose="02030504000101010101" pitchFamily="18" charset="-127"/>
+                  <a:ea typeface="함초롬바탕" panose="02030504000101010101" pitchFamily="18" charset="-127"/>
+                  <a:cs typeface="함초롬바탕" panose="02030504000101010101" pitchFamily="18" charset="-127"/>
+                </a:rPr>
+                <a:t>, </a:t>
+              </a:r>
+            </a:p>
+            <a:p>
+              <a:pPr algn="ctr"/>
+              <a:r>
+                <a:rPr lang="ko-KR" altLang="en-US" sz="1400" b="1" dirty="0" smtClean="0">
+                  <a:solidFill>
+                    <a:schemeClr val="tx1">
+                      <a:lumMod val="75000"/>
+                      <a:lumOff val="25000"/>
+                    </a:schemeClr>
+                  </a:solidFill>
+                  <a:latin typeface="함초롬바탕" panose="02030504000101010101" pitchFamily="18" charset="-127"/>
+                  <a:ea typeface="함초롬바탕" panose="02030504000101010101" pitchFamily="18" charset="-127"/>
+                  <a:cs typeface="함초롬바탕" panose="02030504000101010101" pitchFamily="18" charset="-127"/>
+                </a:rPr>
+                <a:t>토요일 </a:t>
+              </a:r>
+              <a:r>
+                <a:rPr lang="en-US" altLang="ko-KR" sz="1400" b="1" dirty="0" smtClean="0">
+                  <a:solidFill>
+                    <a:schemeClr val="tx1">
+                      <a:lumMod val="75000"/>
+                      <a:lumOff val="25000"/>
+                    </a:schemeClr>
+                  </a:solidFill>
+                  <a:latin typeface="함초롬바탕" panose="02030504000101010101" pitchFamily="18" charset="-127"/>
+                  <a:ea typeface="함초롬바탕" panose="02030504000101010101" pitchFamily="18" charset="-127"/>
+                  <a:cs typeface="함초롬바탕" panose="02030504000101010101" pitchFamily="18" charset="-127"/>
+                </a:rPr>
+                <a:t>11</a:t>
+              </a:r>
+              <a:r>
+                <a:rPr lang="ko-KR" altLang="en-US" sz="1400" b="1" dirty="0" smtClean="0">
+                  <a:solidFill>
+                    <a:schemeClr val="tx1">
+                      <a:lumMod val="75000"/>
+                      <a:lumOff val="25000"/>
+                    </a:schemeClr>
+                  </a:solidFill>
+                  <a:latin typeface="함초롬바탕" panose="02030504000101010101" pitchFamily="18" charset="-127"/>
+                  <a:ea typeface="함초롬바탕" panose="02030504000101010101" pitchFamily="18" charset="-127"/>
+                  <a:cs typeface="함초롬바탕" panose="02030504000101010101" pitchFamily="18" charset="-127"/>
+                </a:rPr>
+                <a:t>시</a:t>
+              </a:r>
+              <a:endParaRPr lang="en-US" altLang="ko-KR" sz="1400" b="1" dirty="0" smtClean="0">
+                <a:solidFill>
+                  <a:schemeClr val="tx1">
+                    <a:lumMod val="75000"/>
+                    <a:lumOff val="25000"/>
+                  </a:schemeClr>
+                </a:solidFill>
+                <a:latin typeface="함초롬바탕" panose="02030504000101010101" pitchFamily="18" charset="-127"/>
+                <a:ea typeface="함초롬바탕" panose="02030504000101010101" pitchFamily="18" charset="-127"/>
+                <a:cs typeface="함초롬바탕" panose="02030504000101010101" pitchFamily="18" charset="-127"/>
+              </a:endParaRPr>
+            </a:p>
+            <a:p>
+              <a:pPr algn="ctr"/>
+              <a:endParaRPr lang="en-US" altLang="ko-KR" sz="1400" b="1" dirty="0">
+                <a:solidFill>
+                  <a:schemeClr val="tx1">
+                    <a:lumMod val="75000"/>
+                    <a:lumOff val="25000"/>
+                  </a:schemeClr>
+                </a:solidFill>
+                <a:latin typeface="함초롬바탕" panose="02030504000101010101" pitchFamily="18" charset="-127"/>
+                <a:ea typeface="함초롬바탕" panose="02030504000101010101" pitchFamily="18" charset="-127"/>
+                <a:cs typeface="함초롬바탕" panose="02030504000101010101" pitchFamily="18" charset="-127"/>
+              </a:endParaRPr>
+            </a:p>
+            <a:p>
+              <a:pPr algn="ctr"/>
+              <a:r>
+                <a:rPr lang="ko-KR" altLang="en-US" sz="1400" b="1" dirty="0" smtClean="0">
+                  <a:solidFill>
+                    <a:schemeClr val="tx1">
+                      <a:lumMod val="75000"/>
+                      <a:lumOff val="25000"/>
+                    </a:schemeClr>
+                  </a:solidFill>
+                  <a:latin typeface="함초롬바탕" panose="02030504000101010101" pitchFamily="18" charset="-127"/>
+                  <a:ea typeface="함초롬바탕" panose="02030504000101010101" pitchFamily="18" charset="-127"/>
+                  <a:cs typeface="함초롬바탕" panose="02030504000101010101" pitchFamily="18" charset="-127"/>
+                </a:rPr>
+                <a:t>입당예배</a:t>
+              </a:r>
+              <a:endParaRPr lang="en-US" altLang="ko-KR" sz="1400" b="1" dirty="0">
+                <a:solidFill>
+                  <a:schemeClr val="tx1">
+                    <a:lumMod val="75000"/>
+                    <a:lumOff val="25000"/>
+                  </a:schemeClr>
+                </a:solidFill>
+                <a:latin typeface="함초롬바탕" panose="02030504000101010101" pitchFamily="18" charset="-127"/>
+                <a:ea typeface="함초롬바탕" panose="02030504000101010101" pitchFamily="18" charset="-127"/>
+                <a:cs typeface="함초롬바탕" panose="02030504000101010101" pitchFamily="18" charset="-127"/>
+              </a:endParaRPr>
+            </a:p>
+          </p:txBody>
+        </p:sp>
+        <p:sp>
+          <p:nvSpPr>
+            <p:cNvPr id="11" name="1/2 액자 10"/>
+            <p:cNvSpPr/>
+            <p:nvPr/>
+          </p:nvSpPr>
+          <p:spPr>
+            <a:xfrm>
+              <a:off x="1172847" y="2277533"/>
+              <a:ext cx="594994" cy="646427"/>
+            </a:xfrm>
+            <a:prstGeom prst="halfFrame">
+              <a:avLst>
+                <a:gd name="adj1" fmla="val 2713"/>
+                <a:gd name="adj2" fmla="val 3510"/>
+              </a:avLst>
+            </a:prstGeom>
+          </p:spPr>
+          <p:style>
+            <a:lnRef idx="2">
+              <a:schemeClr val="accent1">
+                <a:shade val="50000"/>
+              </a:schemeClr>
+            </a:lnRef>
+            <a:fillRef idx="1">
+              <a:schemeClr val="accent1"/>
+            </a:fillRef>
+            <a:effectRef idx="0">
+              <a:schemeClr val="accent1"/>
+            </a:effectRef>
+            <a:fontRef idx="minor">
+              <a:schemeClr val="lt1"/>
+            </a:fontRef>
+          </p:style>
+          <p:txBody>
+            <a:bodyPr rtlCol="0" anchor="ctr"/>
+            <a:lstStyle/>
+            <a:p>
+              <a:pPr algn="ctr"/>
+              <a:endParaRPr lang="ko-KR" altLang="en-US">
+                <a:solidFill>
+                  <a:schemeClr val="tx1"/>
+                </a:solidFill>
+              </a:endParaRPr>
+            </a:p>
+          </p:txBody>
+        </p:sp>
+        <p:sp>
+          <p:nvSpPr>
+            <p:cNvPr id="12" name="1/2 액자 11"/>
+            <p:cNvSpPr/>
+            <p:nvPr/>
+          </p:nvSpPr>
+          <p:spPr>
+            <a:xfrm rot="10800000">
+              <a:off x="2886708" y="3690200"/>
+              <a:ext cx="597112" cy="512443"/>
+            </a:xfrm>
+            <a:prstGeom prst="halfFrame">
+              <a:avLst>
+                <a:gd name="adj1" fmla="val 2713"/>
+                <a:gd name="adj2" fmla="val 3510"/>
+              </a:avLst>
+            </a:prstGeom>
+          </p:spPr>
+          <p:style>
+            <a:lnRef idx="2">
+              <a:schemeClr val="accent1">
+                <a:shade val="50000"/>
+              </a:schemeClr>
+            </a:lnRef>
+            <a:fillRef idx="1">
+              <a:schemeClr val="accent1"/>
+            </a:fillRef>
+            <a:effectRef idx="0">
+              <a:schemeClr val="accent1"/>
+            </a:effectRef>
+            <a:fontRef idx="minor">
+              <a:schemeClr val="lt1"/>
+            </a:fontRef>
+          </p:style>
+          <p:txBody>
+            <a:bodyPr rtlCol="0" anchor="ctr"/>
+            <a:lstStyle/>
+            <a:p>
+              <a:pPr algn="ctr"/>
+              <a:endParaRPr lang="ko-KR" altLang="en-US">
+                <a:solidFill>
+                  <a:schemeClr val="tx1"/>
+                </a:solidFill>
+              </a:endParaRPr>
+            </a:p>
+          </p:txBody>
+        </p:sp>
+        <p:cxnSp>
+          <p:nvCxnSpPr>
+            <p:cNvPr id="15" name="직선 연결선 14"/>
+            <p:cNvCxnSpPr/>
+            <p:nvPr/>
+          </p:nvCxnSpPr>
+          <p:spPr>
+            <a:xfrm>
+              <a:off x="4527550" y="0"/>
+              <a:ext cx="0" cy="6480175"/>
+            </a:xfrm>
+            <a:prstGeom prst="line">
+              <a:avLst/>
+            </a:prstGeom>
+          </p:spPr>
+          <p:style>
+            <a:lnRef idx="1">
+              <a:schemeClr val="accent1"/>
+            </a:lnRef>
+            <a:fillRef idx="0">
+              <a:schemeClr val="accent1"/>
+            </a:fillRef>
+            <a:effectRef idx="0">
+              <a:schemeClr val="accent1"/>
+            </a:effectRef>
+            <a:fontRef idx="minor">
+              <a:schemeClr val="tx1"/>
+            </a:fontRef>
+          </p:style>
+        </p:cxnSp>
+        <p:cxnSp>
+          <p:nvCxnSpPr>
+            <p:cNvPr id="16" name="직선 연결선 15"/>
+            <p:cNvCxnSpPr/>
+            <p:nvPr/>
+          </p:nvCxnSpPr>
+          <p:spPr>
+            <a:xfrm>
+              <a:off x="206375" y="0"/>
+              <a:ext cx="0" cy="6480175"/>
+            </a:xfrm>
+            <a:prstGeom prst="line">
+              <a:avLst/>
+            </a:prstGeom>
+          </p:spPr>
+          <p:style>
+            <a:lnRef idx="1">
+              <a:schemeClr val="accent1"/>
+            </a:lnRef>
+            <a:fillRef idx="0">
+              <a:schemeClr val="accent1"/>
+            </a:fillRef>
+            <a:effectRef idx="0">
+              <a:schemeClr val="accent1"/>
+            </a:effectRef>
+            <a:fontRef idx="minor">
+              <a:schemeClr val="tx1"/>
+            </a:fontRef>
+          </p:style>
+        </p:cxnSp>
+      </p:grpSp>
+    </p:spTree>
+    <p:extLst>
+      <p:ext uri="{BB962C8B-B14F-4D97-AF65-F5344CB8AC3E}">
+        <p14:creationId xmlns:p14="http://schemas.microsoft.com/office/powerpoint/2010/main" val="656723918"/>
+      </p:ext>
+    </p:extLst>
+  </p:cSld>
+  <p:clrMapOvr>
+    <a:masterClrMapping/>
+  </p:clrMapOvr>
+</p:sld>
+</file>
+
+<file path=ppt/slides/slide4.xml><?xml version="1.0" encoding="utf-8"?>
+<p:sld xmlns:a="http://schemas.openxmlformats.org/drawingml/2006/main" xmlns:r="http://schemas.openxmlformats.org/officeDocument/2006/relationships" xmlns:p="http://schemas.openxmlformats.org/presentationml/2006/main">
+  <p:cSld>
+    <p:spTree>
+      <p:nvGrpSpPr>
+        <p:cNvPr id="1" name=""/>
+        <p:cNvGrpSpPr/>
+        <p:nvPr/>
+      </p:nvGrpSpPr>
+      <p:grpSpPr>
+        <a:xfrm>
+          <a:off x="0" y="0"/>
+          <a:ext cx="0" cy="0"/>
+          <a:chOff x="0" y="0"/>
+          <a:chExt cx="0" cy="0"/>
+        </a:xfrm>
+      </p:grpSpPr>
+      <p:sp>
+        <p:nvSpPr>
+          <p:cNvPr id="4" name="Rectangle 15"/>
+          <p:cNvSpPr/>
+          <p:nvPr/>
+        </p:nvSpPr>
+        <p:spPr>
+          <a:xfrm>
+            <a:off x="-689" y="0"/>
+            <a:ext cx="4733925" cy="6480175"/>
+          </a:xfrm>
+          <a:prstGeom prst="rect">
+            <a:avLst/>
+          </a:prstGeom>
+          <a:blipFill dpi="0" rotWithShape="1">
+            <a:blip r:embed="rId2">
+              <a:alphaModFix amt="45000"/>
+              <a:duotone>
+                <a:schemeClr val="accent1">
+                  <a:shade val="45000"/>
+                  <a:satMod val="135000"/>
+                </a:schemeClr>
+                <a:prstClr val="white"/>
+              </a:duotone>
+            </a:blip>
+            <a:srcRect/>
+            <a:tile tx="-44450" ty="38100" sx="85000" sy="85000" flip="none" algn="tl"/>
+          </a:blipFill>
+          <a:ln>
+            <a:noFill/>
+          </a:ln>
+        </p:spPr>
+        <p:style>
+          <a:lnRef idx="2">
+            <a:schemeClr val="accent1">
+              <a:shade val="50000"/>
+            </a:schemeClr>
+          </a:lnRef>
+          <a:fillRef idx="1">
+            <a:schemeClr val="accent1"/>
+          </a:fillRef>
+          <a:effectRef idx="0">
+            <a:schemeClr val="accent1"/>
+          </a:effectRef>
+          <a:fontRef idx="minor">
+            <a:schemeClr val="lt1"/>
+          </a:fontRef>
+        </p:style>
+      </p:sp>
+      <p:sp>
+        <p:nvSpPr>
+          <p:cNvPr id="16" name="직사각형 15"/>
+          <p:cNvSpPr/>
+          <p:nvPr/>
+        </p:nvSpPr>
+        <p:spPr>
+          <a:xfrm>
+            <a:off x="206376" y="254644"/>
+            <a:ext cx="4321174" cy="6041984"/>
+          </a:xfrm>
+          <a:prstGeom prst="rect">
+            <a:avLst/>
+          </a:prstGeom>
+          <a:solidFill>
+            <a:schemeClr val="bg1"/>
+          </a:solidFill>
+          <a:ln>
+            <a:noFill/>
+          </a:ln>
+        </p:spPr>
+        <p:style>
+          <a:lnRef idx="2">
+            <a:schemeClr val="accent1">
+              <a:shade val="50000"/>
+            </a:schemeClr>
+          </a:lnRef>
+          <a:fillRef idx="1">
+            <a:schemeClr val="accent1"/>
+          </a:fillRef>
+          <a:effectRef idx="0">
+            <a:schemeClr val="accent1"/>
+          </a:effectRef>
+          <a:fontRef idx="minor">
+            <a:schemeClr val="lt1"/>
+          </a:fontRef>
+        </p:style>
+        <p:txBody>
+          <a:bodyPr rtlCol="0" anchor="ctr"/>
+          <a:lstStyle/>
+          <a:p>
+            <a:pPr algn="ctr"/>
+            <a:endParaRPr lang="ko-KR" altLang="en-US"/>
+          </a:p>
+        </p:txBody>
+      </p:sp>
+      <p:sp>
+        <p:nvSpPr>
+          <p:cNvPr id="17" name="직사각형 16"/>
+          <p:cNvSpPr/>
+          <p:nvPr/>
+        </p:nvSpPr>
+        <p:spPr>
+          <a:xfrm>
+            <a:off x="279400" y="338667"/>
+            <a:ext cx="4175125" cy="5865363"/>
+          </a:xfrm>
+          <a:prstGeom prst="rect">
+            <a:avLst/>
+          </a:prstGeom>
+          <a:solidFill>
+            <a:schemeClr val="bg1">
+              <a:lumMod val="95000"/>
+              <a:alpha val="19000"/>
+            </a:schemeClr>
+          </a:solidFill>
+          <a:ln w="6350">
+            <a:solidFill>
+              <a:schemeClr val="bg1">
+                <a:lumMod val="50000"/>
+              </a:schemeClr>
+            </a:solidFill>
+            <a:prstDash val="dash"/>
+          </a:ln>
+        </p:spPr>
+        <p:style>
+          <a:lnRef idx="2">
+            <a:schemeClr val="accent1">
+              <a:shade val="50000"/>
+            </a:schemeClr>
+          </a:lnRef>
+          <a:fillRef idx="1">
+            <a:schemeClr val="accent1"/>
+          </a:fillRef>
+          <a:effectRef idx="0">
+            <a:schemeClr val="accent1"/>
+          </a:effectRef>
+          <a:fontRef idx="minor">
+            <a:schemeClr val="lt1"/>
+          </a:fontRef>
+        </p:style>
+        <p:txBody>
+          <a:bodyPr rtlCol="0" anchor="ctr"/>
+          <a:lstStyle/>
+          <a:p>
+            <a:pPr algn="ctr"/>
+            <a:endParaRPr lang="ko-KR" altLang="en-US"/>
+          </a:p>
+        </p:txBody>
+      </p:sp>
+      <p:grpSp>
+        <p:nvGrpSpPr>
+          <p:cNvPr id="9" name="그룹 8"/>
+          <p:cNvGrpSpPr/>
+          <p:nvPr/>
+        </p:nvGrpSpPr>
+        <p:grpSpPr>
+          <a:xfrm>
+            <a:off x="1453715" y="227119"/>
+            <a:ext cx="1826496" cy="443874"/>
+            <a:chOff x="1710433" y="563659"/>
+            <a:chExt cx="1271973" cy="593290"/>
+          </a:xfrm>
+        </p:grpSpPr>
+        <p:sp>
+          <p:nvSpPr>
+            <p:cNvPr id="10" name="Rectangle 14"/>
+            <p:cNvSpPr/>
+            <p:nvPr/>
+          </p:nvSpPr>
+          <p:spPr>
+            <a:xfrm>
+              <a:off x="1760632" y="563659"/>
+              <a:ext cx="1171576" cy="593290"/>
+            </a:xfrm>
+            <a:prstGeom prst="rect">
+              <a:avLst/>
+            </a:prstGeom>
+            <a:solidFill>
+              <a:schemeClr val="bg2"/>
+            </a:solidFill>
+            <a:ln>
+              <a:noFill/>
+            </a:ln>
+          </p:spPr>
+          <p:style>
+            <a:lnRef idx="2">
+              <a:schemeClr val="accent1">
+                <a:shade val="50000"/>
+              </a:schemeClr>
+            </a:lnRef>
+            <a:fillRef idx="1">
+              <a:schemeClr val="accent1"/>
+            </a:fillRef>
+            <a:effectRef idx="0">
+              <a:schemeClr val="accent1"/>
+            </a:effectRef>
+            <a:fontRef idx="minor">
+              <a:schemeClr val="lt1"/>
+            </a:fontRef>
+          </p:style>
+        </p:sp>
+        <p:grpSp>
+          <p:nvGrpSpPr>
+            <p:cNvPr id="11" name="그룹 10"/>
+            <p:cNvGrpSpPr/>
+            <p:nvPr/>
+          </p:nvGrpSpPr>
+          <p:grpSpPr>
+            <a:xfrm>
+              <a:off x="1792382" y="563659"/>
+              <a:ext cx="1108076" cy="518414"/>
+              <a:chOff x="5053742" y="812968"/>
+              <a:chExt cx="1108076" cy="518414"/>
+            </a:xfrm>
+          </p:grpSpPr>
+          <p:cxnSp>
+            <p:nvCxnSpPr>
+              <p:cNvPr id="13" name="Straight Connector 16"/>
+              <p:cNvCxnSpPr/>
+              <p:nvPr/>
+            </p:nvCxnSpPr>
+            <p:spPr>
+              <a:xfrm>
+                <a:off x="5053742" y="812968"/>
+                <a:ext cx="0" cy="514224"/>
+              </a:xfrm>
+              <a:prstGeom prst="line">
+                <a:avLst/>
+              </a:prstGeom>
+              <a:solidFill>
+                <a:schemeClr val="tx1">
+                  <a:lumMod val="85000"/>
+                  <a:lumOff val="15000"/>
+                </a:schemeClr>
+              </a:solidFill>
+              <a:ln>
+                <a:solidFill>
+                  <a:schemeClr val="tx1"/>
+                </a:solidFill>
+                <a:miter lim="800000"/>
+              </a:ln>
+            </p:spPr>
+            <p:style>
+              <a:lnRef idx="1">
+                <a:schemeClr val="accent1"/>
+              </a:lnRef>
+              <a:fillRef idx="0">
+                <a:schemeClr val="accent1"/>
+              </a:fillRef>
+              <a:effectRef idx="0">
+                <a:schemeClr val="accent1"/>
+              </a:effectRef>
+              <a:fontRef idx="minor">
+                <a:schemeClr val="tx1"/>
+              </a:fontRef>
+            </p:style>
+          </p:cxnSp>
+          <p:cxnSp>
+            <p:nvCxnSpPr>
+              <p:cNvPr id="14" name="Straight Connector 17"/>
+              <p:cNvCxnSpPr/>
+              <p:nvPr/>
+            </p:nvCxnSpPr>
+            <p:spPr>
+              <a:xfrm>
+                <a:off x="6161818" y="812968"/>
+                <a:ext cx="0" cy="514224"/>
+              </a:xfrm>
+              <a:prstGeom prst="line">
+                <a:avLst/>
+              </a:prstGeom>
+              <a:solidFill>
+                <a:schemeClr val="tx1">
+                  <a:lumMod val="85000"/>
+                  <a:lumOff val="15000"/>
+                </a:schemeClr>
+              </a:solidFill>
+              <a:ln>
+                <a:solidFill>
+                  <a:schemeClr val="tx1"/>
+                </a:solidFill>
+                <a:miter lim="800000"/>
+              </a:ln>
+            </p:spPr>
+            <p:style>
+              <a:lnRef idx="1">
+                <a:schemeClr val="accent1"/>
+              </a:lnRef>
+              <a:fillRef idx="0">
+                <a:schemeClr val="accent1"/>
+              </a:fillRef>
+              <a:effectRef idx="0">
+                <a:schemeClr val="accent1"/>
+              </a:effectRef>
+              <a:fontRef idx="minor">
+                <a:schemeClr val="tx1"/>
+              </a:fontRef>
+            </p:style>
+          </p:cxnSp>
+          <p:cxnSp>
+            <p:nvCxnSpPr>
+              <p:cNvPr id="15" name="Straight Connector 18"/>
+              <p:cNvCxnSpPr/>
+              <p:nvPr/>
+            </p:nvCxnSpPr>
+            <p:spPr>
+              <a:xfrm>
+                <a:off x="5053742" y="1331382"/>
+                <a:ext cx="1108076" cy="0"/>
+              </a:xfrm>
+              <a:prstGeom prst="line">
+                <a:avLst/>
+              </a:prstGeom>
+              <a:solidFill>
+                <a:schemeClr val="tx1">
+                  <a:lumMod val="85000"/>
+                  <a:lumOff val="15000"/>
+                </a:schemeClr>
+              </a:solidFill>
+              <a:ln>
+                <a:solidFill>
+                  <a:schemeClr val="tx1"/>
+                </a:solidFill>
+                <a:miter lim="800000"/>
+              </a:ln>
+            </p:spPr>
+            <p:style>
+              <a:lnRef idx="1">
+                <a:schemeClr val="accent1"/>
+              </a:lnRef>
+              <a:fillRef idx="0">
+                <a:schemeClr val="accent1"/>
+              </a:fillRef>
+              <a:effectRef idx="0">
+                <a:schemeClr val="accent1"/>
+              </a:effectRef>
+              <a:fontRef idx="minor">
+                <a:schemeClr val="tx1"/>
+              </a:fontRef>
+            </p:style>
+          </p:cxnSp>
+        </p:grpSp>
+        <p:sp>
+          <p:nvSpPr>
+            <p:cNvPr id="12" name="직사각형 11"/>
+            <p:cNvSpPr/>
+            <p:nvPr/>
+          </p:nvSpPr>
+          <p:spPr>
+            <a:xfrm>
+              <a:off x="1710433" y="582878"/>
+              <a:ext cx="1271973" cy="354071"/>
+            </a:xfrm>
+            <a:prstGeom prst="rect">
+              <a:avLst/>
+            </a:prstGeom>
+          </p:spPr>
+          <p:txBody>
+            <a:bodyPr wrap="square">
+              <a:spAutoFit/>
+            </a:bodyPr>
+            <a:lstStyle/>
+            <a:p>
+              <a:pPr algn="ctr"/>
+              <a:r>
+                <a:rPr lang="ko-KR" altLang="en-US" sz="1701" b="1" dirty="0">
+                  <a:solidFill>
+                    <a:schemeClr val="tx2">
+                      <a:lumMod val="50000"/>
+                    </a:schemeClr>
+                  </a:solidFill>
+                  <a:latin typeface="함초롬바탕" panose="02030504000101010101" pitchFamily="18" charset="-127"/>
+                  <a:ea typeface="함초롬바탕" panose="02030504000101010101" pitchFamily="18" charset="-127"/>
+                  <a:cs typeface="함초롬바탕" panose="02030504000101010101" pitchFamily="18" charset="-127"/>
+                </a:rPr>
+                <a:t>초대의 글</a:t>
+              </a:r>
+              <a:endParaRPr lang="en-US" altLang="ko-KR" sz="1701" b="1" dirty="0">
+                <a:solidFill>
+                  <a:schemeClr val="tx2">
+                    <a:lumMod val="50000"/>
+                  </a:schemeClr>
+                </a:solidFill>
+                <a:latin typeface="함초롬바탕" panose="02030504000101010101" pitchFamily="18" charset="-127"/>
+                <a:ea typeface="함초롬바탕" panose="02030504000101010101" pitchFamily="18" charset="-127"/>
+                <a:cs typeface="함초롬바탕" panose="02030504000101010101" pitchFamily="18" charset="-127"/>
+              </a:endParaRPr>
+            </a:p>
+          </p:txBody>
+        </p:sp>
+      </p:grpSp>
+      <p:sp>
+        <p:nvSpPr>
+          <p:cNvPr id="5" name="TextBox 4"/>
+          <p:cNvSpPr txBox="1"/>
+          <p:nvPr/>
+        </p:nvSpPr>
+        <p:spPr>
+          <a:xfrm>
+            <a:off x="279400" y="4102772"/>
+            <a:ext cx="4162215" cy="1169551"/>
+          </a:xfrm>
+          <a:prstGeom prst="rect">
+            <a:avLst/>
+          </a:prstGeom>
+        </p:spPr>
+        <p:txBody>
+          <a:bodyPr wrap="square" rtlCol="0">
+            <a:spAutoFit/>
+          </a:bodyPr>
+          <a:lstStyle/>
+          <a:p>
+            <a:pPr algn="ctr"/>
+            <a:r>
+              <a:rPr lang="ko-KR" altLang="en-US" sz="1400" b="1" dirty="0">
+                <a:solidFill>
+                  <a:schemeClr val="tx1">
+                    <a:lumMod val="75000"/>
+                    <a:lumOff val="25000"/>
+                  </a:schemeClr>
+                </a:solidFill>
+                <a:latin typeface="함초롬바탕" panose="02030504000101010101" pitchFamily="18" charset="-127"/>
+                <a:ea typeface="함초롬바탕" panose="02030504000101010101" pitchFamily="18" charset="-127"/>
+                <a:cs typeface="함초롬바탕" panose="02030504000101010101" pitchFamily="18" charset="-127"/>
+              </a:rPr>
+              <a:t>저희 교회가 이 지역에서 빛과 소금의 역할을 </a:t>
+            </a:r>
+            <a:endParaRPr lang="en-US" altLang="ko-KR" sz="1400" b="1" dirty="0" smtClean="0">
+              <a:solidFill>
+                <a:schemeClr val="tx1">
+                  <a:lumMod val="75000"/>
+                  <a:lumOff val="25000"/>
+                </a:schemeClr>
+              </a:solidFill>
+              <a:latin typeface="함초롬바탕" panose="02030504000101010101" pitchFamily="18" charset="-127"/>
+              <a:ea typeface="함초롬바탕" panose="02030504000101010101" pitchFamily="18" charset="-127"/>
+              <a:cs typeface="함초롬바탕" panose="02030504000101010101" pitchFamily="18" charset="-127"/>
+            </a:endParaRPr>
+          </a:p>
+          <a:p>
+            <a:pPr algn="ctr"/>
+            <a:r>
+              <a:rPr lang="ko-KR" altLang="en-US" sz="1400" b="1" dirty="0" smtClean="0">
+                <a:solidFill>
+                  <a:schemeClr val="tx1">
+                    <a:lumMod val="75000"/>
+                    <a:lumOff val="25000"/>
+                  </a:schemeClr>
+                </a:solidFill>
+                <a:latin typeface="함초롬바탕" panose="02030504000101010101" pitchFamily="18" charset="-127"/>
+                <a:ea typeface="함초롬바탕" panose="02030504000101010101" pitchFamily="18" charset="-127"/>
+                <a:cs typeface="함초롬바탕" panose="02030504000101010101" pitchFamily="18" charset="-127"/>
+              </a:rPr>
+              <a:t>잘 </a:t>
+            </a:r>
+            <a:r>
+              <a:rPr lang="ko-KR" altLang="en-US" sz="1400" b="1" dirty="0">
+                <a:solidFill>
+                  <a:schemeClr val="tx1">
+                    <a:lumMod val="75000"/>
+                    <a:lumOff val="25000"/>
+                  </a:schemeClr>
+                </a:solidFill>
+                <a:latin typeface="함초롬바탕" panose="02030504000101010101" pitchFamily="18" charset="-127"/>
+                <a:ea typeface="함초롬바탕" panose="02030504000101010101" pitchFamily="18" charset="-127"/>
+                <a:cs typeface="함초롬바탕" panose="02030504000101010101" pitchFamily="18" charset="-127"/>
+              </a:rPr>
+              <a:t>감당 할 수 있도록 오셔서 축하해 주시고 하나님의 위대한 역사를 찬양하며 격려의 말씀과 사랑의 교제를 나눌 수 있기를 기원합니다</a:t>
+            </a:r>
+            <a:r>
+              <a:rPr lang="en-US" altLang="ko-KR" sz="1400" b="1" dirty="0" smtClean="0">
+                <a:solidFill>
+                  <a:schemeClr val="tx1">
+                    <a:lumMod val="75000"/>
+                    <a:lumOff val="25000"/>
+                  </a:schemeClr>
+                </a:solidFill>
+                <a:latin typeface="함초롬바탕" panose="02030504000101010101" pitchFamily="18" charset="-127"/>
+                <a:ea typeface="함초롬바탕" panose="02030504000101010101" pitchFamily="18" charset="-127"/>
+                <a:cs typeface="함초롬바탕" panose="02030504000101010101" pitchFamily="18" charset="-127"/>
+              </a:rPr>
+              <a:t>.</a:t>
+            </a:r>
+          </a:p>
+          <a:p>
+            <a:pPr algn="ctr"/>
+            <a:r>
+              <a:rPr lang="ko-KR" altLang="en-US" sz="1400" b="1" dirty="0" smtClean="0">
+                <a:solidFill>
+                  <a:schemeClr val="tx1">
+                    <a:lumMod val="75000"/>
+                    <a:lumOff val="25000"/>
+                  </a:schemeClr>
+                </a:solidFill>
+                <a:latin typeface="함초롬바탕" panose="02030504000101010101" pitchFamily="18" charset="-127"/>
+                <a:ea typeface="함초롬바탕" panose="02030504000101010101" pitchFamily="18" charset="-127"/>
+                <a:cs typeface="함초롬바탕" panose="02030504000101010101" pitchFamily="18" charset="-127"/>
+              </a:rPr>
+              <a:t>감사합니다</a:t>
+            </a:r>
+            <a:r>
+              <a:rPr lang="en-US" altLang="ko-KR" sz="1400" b="1" dirty="0" smtClean="0">
+                <a:solidFill>
+                  <a:schemeClr val="tx1">
+                    <a:lumMod val="75000"/>
+                    <a:lumOff val="25000"/>
+                  </a:schemeClr>
+                </a:solidFill>
+                <a:latin typeface="함초롬바탕" panose="02030504000101010101" pitchFamily="18" charset="-127"/>
+                <a:ea typeface="함초롬바탕" panose="02030504000101010101" pitchFamily="18" charset="-127"/>
+                <a:cs typeface="함초롬바탕" panose="02030504000101010101" pitchFamily="18" charset="-127"/>
+              </a:rPr>
+              <a:t>. </a:t>
+            </a:r>
+            <a:endParaRPr lang="en-US" altLang="ko-KR" sz="1400" b="1" dirty="0">
+              <a:solidFill>
+                <a:schemeClr val="tx1">
+                  <a:lumMod val="75000"/>
+                  <a:lumOff val="25000"/>
+                </a:schemeClr>
+              </a:solidFill>
+              <a:latin typeface="함초롬바탕" panose="02030504000101010101" pitchFamily="18" charset="-127"/>
+              <a:ea typeface="함초롬바탕" panose="02030504000101010101" pitchFamily="18" charset="-127"/>
+              <a:cs typeface="함초롬바탕" panose="02030504000101010101" pitchFamily="18" charset="-127"/>
+            </a:endParaRPr>
+          </a:p>
+        </p:txBody>
+      </p:sp>
+      <p:sp>
+        <p:nvSpPr>
+          <p:cNvPr id="6" name="직사각형 5"/>
+          <p:cNvSpPr/>
+          <p:nvPr/>
+        </p:nvSpPr>
+        <p:spPr>
+          <a:xfrm>
+            <a:off x="292310" y="848367"/>
+            <a:ext cx="4162215" cy="954107"/>
+          </a:xfrm>
+          <a:prstGeom prst="rect">
+            <a:avLst/>
+          </a:prstGeom>
+        </p:spPr>
+        <p:txBody>
+          <a:bodyPr wrap="square">
+            <a:spAutoFit/>
+          </a:bodyPr>
+          <a:lstStyle/>
+          <a:p>
+            <a:pPr algn="ctr"/>
+            <a:r>
+              <a:rPr lang="ko-KR" altLang="en-US" sz="1400" b="1" dirty="0">
+                <a:solidFill>
+                  <a:schemeClr val="tx1">
+                    <a:lumMod val="75000"/>
+                    <a:lumOff val="25000"/>
+                  </a:schemeClr>
+                </a:solidFill>
+                <a:latin typeface="함초롬바탕" panose="02030504000101010101" pitchFamily="18" charset="-127"/>
+                <a:ea typeface="함초롬바탕" panose="02030504000101010101" pitchFamily="18" charset="-127"/>
+                <a:cs typeface="함초롬바탕" panose="02030504000101010101" pitchFamily="18" charset="-127"/>
+              </a:rPr>
+              <a:t>주 예수 그리스도의 </a:t>
+            </a:r>
+            <a:endParaRPr lang="en-US" altLang="ko-KR" sz="1400" b="1" dirty="0" smtClean="0">
+              <a:solidFill>
+                <a:schemeClr val="tx1">
+                  <a:lumMod val="75000"/>
+                  <a:lumOff val="25000"/>
+                </a:schemeClr>
+              </a:solidFill>
+              <a:latin typeface="함초롬바탕" panose="02030504000101010101" pitchFamily="18" charset="-127"/>
+              <a:ea typeface="함초롬바탕" panose="02030504000101010101" pitchFamily="18" charset="-127"/>
+              <a:cs typeface="함초롬바탕" panose="02030504000101010101" pitchFamily="18" charset="-127"/>
+            </a:endParaRPr>
+          </a:p>
+          <a:p>
+            <a:pPr algn="ctr"/>
+            <a:r>
+              <a:rPr lang="ko-KR" altLang="en-US" sz="1400" b="1" dirty="0" smtClean="0">
+                <a:solidFill>
+                  <a:schemeClr val="tx1">
+                    <a:lumMod val="75000"/>
+                    <a:lumOff val="25000"/>
+                  </a:schemeClr>
+                </a:solidFill>
+                <a:latin typeface="함초롬바탕" panose="02030504000101010101" pitchFamily="18" charset="-127"/>
+                <a:ea typeface="함초롬바탕" panose="02030504000101010101" pitchFamily="18" charset="-127"/>
+                <a:cs typeface="함초롬바탕" panose="02030504000101010101" pitchFamily="18" charset="-127"/>
+              </a:rPr>
+              <a:t>은혜와 </a:t>
+            </a:r>
+            <a:r>
+              <a:rPr lang="ko-KR" altLang="en-US" sz="1400" b="1" dirty="0">
+                <a:solidFill>
+                  <a:schemeClr val="tx1">
+                    <a:lumMod val="75000"/>
+                    <a:lumOff val="25000"/>
+                  </a:schemeClr>
+                </a:solidFill>
+                <a:latin typeface="함초롬바탕" panose="02030504000101010101" pitchFamily="18" charset="-127"/>
+                <a:ea typeface="함초롬바탕" panose="02030504000101010101" pitchFamily="18" charset="-127"/>
+                <a:cs typeface="함초롬바탕" panose="02030504000101010101" pitchFamily="18" charset="-127"/>
+              </a:rPr>
+              <a:t>평강이 </a:t>
+            </a:r>
+            <a:r>
+              <a:rPr lang="ko-KR" altLang="en-US" sz="1400" b="1" dirty="0" smtClean="0">
+                <a:solidFill>
+                  <a:schemeClr val="tx1">
+                    <a:lumMod val="75000"/>
+                    <a:lumOff val="25000"/>
+                  </a:schemeClr>
+                </a:solidFill>
+                <a:latin typeface="함초롬바탕" panose="02030504000101010101" pitchFamily="18" charset="-127"/>
+                <a:ea typeface="함초롬바탕" panose="02030504000101010101" pitchFamily="18" charset="-127"/>
+                <a:cs typeface="함초롬바탕" panose="02030504000101010101" pitchFamily="18" charset="-127"/>
+              </a:rPr>
+              <a:t>섬기시는 </a:t>
+            </a:r>
+            <a:endParaRPr lang="en-US" altLang="ko-KR" sz="1400" b="1" dirty="0" smtClean="0">
+              <a:solidFill>
+                <a:schemeClr val="tx1">
+                  <a:lumMod val="75000"/>
+                  <a:lumOff val="25000"/>
+                </a:schemeClr>
+              </a:solidFill>
+              <a:latin typeface="함초롬바탕" panose="02030504000101010101" pitchFamily="18" charset="-127"/>
+              <a:ea typeface="함초롬바탕" panose="02030504000101010101" pitchFamily="18" charset="-127"/>
+              <a:cs typeface="함초롬바탕" panose="02030504000101010101" pitchFamily="18" charset="-127"/>
+            </a:endParaRPr>
+          </a:p>
+          <a:p>
+            <a:pPr algn="ctr"/>
+            <a:r>
+              <a:rPr lang="ko-KR" altLang="en-US" sz="1400" b="1" dirty="0" smtClean="0">
+                <a:solidFill>
+                  <a:schemeClr val="tx1">
+                    <a:lumMod val="75000"/>
+                    <a:lumOff val="25000"/>
+                  </a:schemeClr>
+                </a:solidFill>
+                <a:latin typeface="함초롬바탕" panose="02030504000101010101" pitchFamily="18" charset="-127"/>
+                <a:ea typeface="함초롬바탕" panose="02030504000101010101" pitchFamily="18" charset="-127"/>
+                <a:cs typeface="함초롬바탕" panose="02030504000101010101" pitchFamily="18" charset="-127"/>
+              </a:rPr>
+              <a:t>교회와 </a:t>
+            </a:r>
+            <a:r>
+              <a:rPr lang="ko-KR" altLang="en-US" sz="1400" b="1" dirty="0">
+                <a:solidFill>
+                  <a:schemeClr val="tx1">
+                    <a:lumMod val="75000"/>
+                    <a:lumOff val="25000"/>
+                  </a:schemeClr>
+                </a:solidFill>
+                <a:latin typeface="함초롬바탕" panose="02030504000101010101" pitchFamily="18" charset="-127"/>
+                <a:ea typeface="함초롬바탕" panose="02030504000101010101" pitchFamily="18" charset="-127"/>
+                <a:cs typeface="함초롬바탕" panose="02030504000101010101" pitchFamily="18" charset="-127"/>
+              </a:rPr>
+              <a:t>가정과 삶의 터전 위에 충만하시기를 </a:t>
+            </a:r>
+            <a:r>
+              <a:rPr lang="ko-KR" altLang="en-US" sz="1400" b="1" dirty="0" smtClean="0">
+                <a:solidFill>
+                  <a:schemeClr val="tx1">
+                    <a:lumMod val="75000"/>
+                    <a:lumOff val="25000"/>
+                  </a:schemeClr>
+                </a:solidFill>
+                <a:latin typeface="함초롬바탕" panose="02030504000101010101" pitchFamily="18" charset="-127"/>
+                <a:ea typeface="함초롬바탕" panose="02030504000101010101" pitchFamily="18" charset="-127"/>
+                <a:cs typeface="함초롬바탕" panose="02030504000101010101" pitchFamily="18" charset="-127"/>
+              </a:rPr>
+              <a:t>소망합니다</a:t>
+            </a:r>
+            <a:r>
+              <a:rPr lang="en-US" altLang="ko-KR" sz="1400" b="1" dirty="0">
+                <a:solidFill>
+                  <a:schemeClr val="tx1">
+                    <a:lumMod val="75000"/>
+                    <a:lumOff val="25000"/>
+                  </a:schemeClr>
+                </a:solidFill>
+                <a:latin typeface="함초롬바탕" panose="02030504000101010101" pitchFamily="18" charset="-127"/>
+                <a:ea typeface="함초롬바탕" panose="02030504000101010101" pitchFamily="18" charset="-127"/>
+                <a:cs typeface="함초롬바탕" panose="02030504000101010101" pitchFamily="18" charset="-127"/>
+              </a:rPr>
+              <a:t>.</a:t>
+            </a:r>
+          </a:p>
+        </p:txBody>
+      </p:sp>
+      <p:sp>
+        <p:nvSpPr>
+          <p:cNvPr id="7" name="직사각형 6"/>
+          <p:cNvSpPr/>
+          <p:nvPr/>
+        </p:nvSpPr>
+        <p:spPr>
+          <a:xfrm>
+            <a:off x="292310" y="1920076"/>
+            <a:ext cx="4162214" cy="2031325"/>
+          </a:xfrm>
+          <a:prstGeom prst="rect">
+            <a:avLst/>
+          </a:prstGeom>
+        </p:spPr>
+        <p:txBody>
+          <a:bodyPr wrap="square">
+            <a:spAutoFit/>
+          </a:bodyPr>
+          <a:lstStyle/>
+          <a:p>
+            <a:pPr algn="ctr"/>
+            <a:r>
+              <a:rPr lang="ko-KR" altLang="en-US" sz="1400" b="1" dirty="0">
+                <a:solidFill>
+                  <a:schemeClr val="tx1">
+                    <a:lumMod val="75000"/>
+                    <a:lumOff val="25000"/>
+                  </a:schemeClr>
+                </a:solidFill>
+                <a:latin typeface="함초롬바탕" panose="02030504000101010101" pitchFamily="18" charset="-127"/>
+                <a:ea typeface="함초롬바탕" panose="02030504000101010101" pitchFamily="18" charset="-127"/>
+                <a:cs typeface="함초롬바탕" panose="02030504000101010101" pitchFamily="18" charset="-127"/>
+              </a:rPr>
+              <a:t>하나님의 깊으신 뜻과 은혜로 </a:t>
+            </a:r>
+            <a:endParaRPr lang="en-US" altLang="ko-KR" sz="1400" b="1" dirty="0" smtClean="0">
+              <a:solidFill>
+                <a:schemeClr val="tx1">
+                  <a:lumMod val="75000"/>
+                  <a:lumOff val="25000"/>
+                </a:schemeClr>
+              </a:solidFill>
+              <a:latin typeface="함초롬바탕" panose="02030504000101010101" pitchFamily="18" charset="-127"/>
+              <a:ea typeface="함초롬바탕" panose="02030504000101010101" pitchFamily="18" charset="-127"/>
+              <a:cs typeface="함초롬바탕" panose="02030504000101010101" pitchFamily="18" charset="-127"/>
+            </a:endParaRPr>
+          </a:p>
+          <a:p>
+            <a:pPr algn="ctr"/>
+            <a:r>
+              <a:rPr lang="ko-KR" altLang="en-US" sz="1400" b="1" dirty="0" smtClean="0">
+                <a:solidFill>
+                  <a:schemeClr val="tx1">
+                    <a:lumMod val="75000"/>
+                    <a:lumOff val="25000"/>
+                  </a:schemeClr>
+                </a:solidFill>
+                <a:latin typeface="함초롬바탕" panose="02030504000101010101" pitchFamily="18" charset="-127"/>
+                <a:ea typeface="함초롬바탕" panose="02030504000101010101" pitchFamily="18" charset="-127"/>
+                <a:cs typeface="함초롬바탕" panose="02030504000101010101" pitchFamily="18" charset="-127"/>
+              </a:rPr>
+              <a:t>새 </a:t>
+            </a:r>
+            <a:r>
+              <a:rPr lang="ko-KR" altLang="en-US" sz="1400" b="1" dirty="0">
+                <a:solidFill>
+                  <a:schemeClr val="tx1">
+                    <a:lumMod val="75000"/>
+                    <a:lumOff val="25000"/>
+                  </a:schemeClr>
+                </a:solidFill>
+                <a:latin typeface="함초롬바탕" panose="02030504000101010101" pitchFamily="18" charset="-127"/>
+                <a:ea typeface="함초롬바탕" panose="02030504000101010101" pitchFamily="18" charset="-127"/>
+                <a:cs typeface="함초롬바탕" panose="02030504000101010101" pitchFamily="18" charset="-127"/>
+              </a:rPr>
+              <a:t>예배당을 건축하게 되어 </a:t>
+            </a:r>
+            <a:r>
+              <a:rPr lang="ko-KR" altLang="en-US" sz="1400" b="1" dirty="0" smtClean="0">
+                <a:solidFill>
+                  <a:schemeClr val="tx1">
+                    <a:lumMod val="75000"/>
+                    <a:lumOff val="25000"/>
+                  </a:schemeClr>
+                </a:solidFill>
+                <a:latin typeface="함초롬바탕" panose="02030504000101010101" pitchFamily="18" charset="-127"/>
+                <a:ea typeface="함초롬바탕" panose="02030504000101010101" pitchFamily="18" charset="-127"/>
+                <a:cs typeface="함초롬바탕" panose="02030504000101010101" pitchFamily="18" charset="-127"/>
+              </a:rPr>
+              <a:t>입당 예배를 </a:t>
+            </a:r>
+            <a:r>
+              <a:rPr lang="ko-KR" altLang="en-US" sz="1400" b="1" dirty="0">
+                <a:solidFill>
+                  <a:schemeClr val="tx1">
+                    <a:lumMod val="75000"/>
+                    <a:lumOff val="25000"/>
+                  </a:schemeClr>
+                </a:solidFill>
+                <a:latin typeface="함초롬바탕" panose="02030504000101010101" pitchFamily="18" charset="-127"/>
+                <a:ea typeface="함초롬바탕" panose="02030504000101010101" pitchFamily="18" charset="-127"/>
+                <a:cs typeface="함초롬바탕" panose="02030504000101010101" pitchFamily="18" charset="-127"/>
+              </a:rPr>
+              <a:t>드리게 되었습니다</a:t>
+            </a:r>
+            <a:r>
+              <a:rPr lang="en-US" altLang="ko-KR" sz="1400" b="1" dirty="0" smtClean="0">
+                <a:solidFill>
+                  <a:schemeClr val="tx1">
+                    <a:lumMod val="75000"/>
+                    <a:lumOff val="25000"/>
+                  </a:schemeClr>
+                </a:solidFill>
+                <a:latin typeface="함초롬바탕" panose="02030504000101010101" pitchFamily="18" charset="-127"/>
+                <a:ea typeface="함초롬바탕" panose="02030504000101010101" pitchFamily="18" charset="-127"/>
+                <a:cs typeface="함초롬바탕" panose="02030504000101010101" pitchFamily="18" charset="-127"/>
+              </a:rPr>
+              <a:t>.</a:t>
+            </a:r>
+          </a:p>
+          <a:p>
+            <a:pPr algn="ctr"/>
+            <a:endParaRPr lang="en-US" altLang="ko-KR" sz="1400" b="1" dirty="0">
+              <a:solidFill>
+                <a:schemeClr val="tx1">
+                  <a:lumMod val="75000"/>
+                  <a:lumOff val="25000"/>
+                </a:schemeClr>
+              </a:solidFill>
+              <a:latin typeface="함초롬바탕" panose="02030504000101010101" pitchFamily="18" charset="-127"/>
+              <a:ea typeface="함초롬바탕" panose="02030504000101010101" pitchFamily="18" charset="-127"/>
+              <a:cs typeface="함초롬바탕" panose="02030504000101010101" pitchFamily="18" charset="-127"/>
+            </a:endParaRPr>
+          </a:p>
+          <a:p>
+            <a:pPr algn="ctr"/>
+            <a:r>
+              <a:rPr lang="ko-KR" altLang="en-US" sz="1400" b="1" dirty="0">
+                <a:solidFill>
+                  <a:schemeClr val="tx1">
+                    <a:lumMod val="75000"/>
+                    <a:lumOff val="25000"/>
+                  </a:schemeClr>
+                </a:solidFill>
+                <a:latin typeface="함초롬바탕" panose="02030504000101010101" pitchFamily="18" charset="-127"/>
+                <a:ea typeface="함초롬바탕" panose="02030504000101010101" pitchFamily="18" charset="-127"/>
+                <a:cs typeface="함초롬바탕" panose="02030504000101010101" pitchFamily="18" charset="-127"/>
+              </a:rPr>
+              <a:t>건축이 계획 된 이후 </a:t>
+            </a:r>
+            <a:endParaRPr lang="en-US" altLang="ko-KR" sz="1400" b="1" dirty="0" smtClean="0">
+              <a:solidFill>
+                <a:schemeClr val="tx1">
+                  <a:lumMod val="75000"/>
+                  <a:lumOff val="25000"/>
+                </a:schemeClr>
+              </a:solidFill>
+              <a:latin typeface="함초롬바탕" panose="02030504000101010101" pitchFamily="18" charset="-127"/>
+              <a:ea typeface="함초롬바탕" panose="02030504000101010101" pitchFamily="18" charset="-127"/>
+              <a:cs typeface="함초롬바탕" panose="02030504000101010101" pitchFamily="18" charset="-127"/>
+            </a:endParaRPr>
+          </a:p>
+          <a:p>
+            <a:pPr algn="ctr"/>
+            <a:r>
+              <a:rPr lang="ko-KR" altLang="en-US" sz="1400" b="1" dirty="0" smtClean="0">
+                <a:solidFill>
+                  <a:schemeClr val="tx1">
+                    <a:lumMod val="75000"/>
+                    <a:lumOff val="25000"/>
+                  </a:schemeClr>
+                </a:solidFill>
+                <a:latin typeface="함초롬바탕" panose="02030504000101010101" pitchFamily="18" charset="-127"/>
+                <a:ea typeface="함초롬바탕" panose="02030504000101010101" pitchFamily="18" charset="-127"/>
+                <a:cs typeface="함초롬바탕" panose="02030504000101010101" pitchFamily="18" charset="-127"/>
+              </a:rPr>
+              <a:t>건축 과정과 </a:t>
+            </a:r>
+            <a:r>
+              <a:rPr lang="ko-KR" altLang="en-US" sz="1400" b="1" dirty="0">
+                <a:solidFill>
+                  <a:schemeClr val="tx1">
+                    <a:lumMod val="75000"/>
+                    <a:lumOff val="25000"/>
+                  </a:schemeClr>
+                </a:solidFill>
+                <a:latin typeface="함초롬바탕" panose="02030504000101010101" pitchFamily="18" charset="-127"/>
+                <a:ea typeface="함초롬바탕" panose="02030504000101010101" pitchFamily="18" charset="-127"/>
+                <a:cs typeface="함초롬바탕" panose="02030504000101010101" pitchFamily="18" charset="-127"/>
+              </a:rPr>
+              <a:t>교회가 입당하기까지 기도와 사랑으로 </a:t>
+            </a:r>
+            <a:r>
+              <a:rPr lang="ko-KR" altLang="en-US" sz="1400" b="1" dirty="0" smtClean="0">
+                <a:solidFill>
+                  <a:schemeClr val="tx1">
+                    <a:lumMod val="75000"/>
+                    <a:lumOff val="25000"/>
+                  </a:schemeClr>
+                </a:solidFill>
+                <a:latin typeface="함초롬바탕" panose="02030504000101010101" pitchFamily="18" charset="-127"/>
+                <a:ea typeface="함초롬바탕" panose="02030504000101010101" pitchFamily="18" charset="-127"/>
+                <a:cs typeface="함초롬바탕" panose="02030504000101010101" pitchFamily="18" charset="-127"/>
+              </a:rPr>
+              <a:t>격려해주신모든 </a:t>
+            </a:r>
+            <a:r>
+              <a:rPr lang="ko-KR" altLang="en-US" sz="1400" b="1" dirty="0">
+                <a:solidFill>
+                  <a:schemeClr val="tx1">
+                    <a:lumMod val="75000"/>
+                    <a:lumOff val="25000"/>
+                  </a:schemeClr>
+                </a:solidFill>
+                <a:latin typeface="함초롬바탕" panose="02030504000101010101" pitchFamily="18" charset="-127"/>
+                <a:ea typeface="함초롬바탕" panose="02030504000101010101" pitchFamily="18" charset="-127"/>
+                <a:cs typeface="함초롬바탕" panose="02030504000101010101" pitchFamily="18" charset="-127"/>
+              </a:rPr>
+              <a:t>분들께 </a:t>
+            </a:r>
+            <a:r>
+              <a:rPr lang="ko-KR" altLang="en-US" sz="1400" b="1" dirty="0" smtClean="0">
+                <a:solidFill>
+                  <a:schemeClr val="tx1">
+                    <a:lumMod val="75000"/>
+                    <a:lumOff val="25000"/>
+                  </a:schemeClr>
+                </a:solidFill>
+                <a:latin typeface="함초롬바탕" panose="02030504000101010101" pitchFamily="18" charset="-127"/>
+                <a:ea typeface="함초롬바탕" panose="02030504000101010101" pitchFamily="18" charset="-127"/>
+                <a:cs typeface="함초롬바탕" panose="02030504000101010101" pitchFamily="18" charset="-127"/>
+              </a:rPr>
+              <a:t>감사드리며</a:t>
+            </a:r>
+            <a:r>
+              <a:rPr lang="en-US" altLang="ko-KR" sz="1400" b="1" dirty="0" smtClean="0">
+                <a:solidFill>
+                  <a:schemeClr val="tx1">
+                    <a:lumMod val="75000"/>
+                    <a:lumOff val="25000"/>
+                  </a:schemeClr>
+                </a:solidFill>
+                <a:latin typeface="함초롬바탕" panose="02030504000101010101" pitchFamily="18" charset="-127"/>
+                <a:ea typeface="함초롬바탕" panose="02030504000101010101" pitchFamily="18" charset="-127"/>
+                <a:cs typeface="함초롬바탕" panose="02030504000101010101" pitchFamily="18" charset="-127"/>
+              </a:rPr>
+              <a:t>,</a:t>
+            </a:r>
+          </a:p>
+          <a:p>
+            <a:pPr algn="ctr"/>
+            <a:r>
+              <a:rPr lang="ko-KR" altLang="en-US" sz="1400" b="1" dirty="0" smtClean="0">
+                <a:solidFill>
+                  <a:schemeClr val="tx1">
+                    <a:lumMod val="75000"/>
+                    <a:lumOff val="25000"/>
+                  </a:schemeClr>
+                </a:solidFill>
+                <a:latin typeface="함초롬바탕" panose="02030504000101010101" pitchFamily="18" charset="-127"/>
+                <a:ea typeface="함초롬바탕" panose="02030504000101010101" pitchFamily="18" charset="-127"/>
+                <a:cs typeface="함초롬바탕" panose="02030504000101010101" pitchFamily="18" charset="-127"/>
+              </a:rPr>
+              <a:t>새로운 </a:t>
+            </a:r>
+            <a:r>
+              <a:rPr lang="ko-KR" altLang="en-US" sz="1400" b="1" dirty="0">
+                <a:solidFill>
+                  <a:schemeClr val="tx1">
+                    <a:lumMod val="75000"/>
+                    <a:lumOff val="25000"/>
+                  </a:schemeClr>
+                </a:solidFill>
+                <a:latin typeface="함초롬바탕" panose="02030504000101010101" pitchFamily="18" charset="-127"/>
+                <a:ea typeface="함초롬바탕" panose="02030504000101010101" pitchFamily="18" charset="-127"/>
+                <a:cs typeface="함초롬바탕" panose="02030504000101010101" pitchFamily="18" charset="-127"/>
+              </a:rPr>
+              <a:t>시대를 향해 나아가는 뜻 깊은 자리에 아래와 같이 정중히 초대합니다</a:t>
+            </a:r>
+            <a:r>
+              <a:rPr lang="en-US" altLang="ko-KR" sz="1400" b="1" dirty="0">
+                <a:solidFill>
+                  <a:schemeClr val="tx1">
+                    <a:lumMod val="75000"/>
+                    <a:lumOff val="25000"/>
+                  </a:schemeClr>
+                </a:solidFill>
+                <a:latin typeface="함초롬바탕" panose="02030504000101010101" pitchFamily="18" charset="-127"/>
+                <a:ea typeface="함초롬바탕" panose="02030504000101010101" pitchFamily="18" charset="-127"/>
+                <a:cs typeface="함초롬바탕" panose="02030504000101010101" pitchFamily="18" charset="-127"/>
+              </a:rPr>
+              <a:t>.</a:t>
+            </a:r>
+          </a:p>
+        </p:txBody>
+      </p:sp>
+      <p:sp>
+        <p:nvSpPr>
+          <p:cNvPr id="8" name="직사각형 7"/>
+          <p:cNvSpPr/>
+          <p:nvPr/>
+        </p:nvSpPr>
+        <p:spPr>
+          <a:xfrm>
+            <a:off x="279399" y="5390758"/>
+            <a:ext cx="4162215" cy="738664"/>
+          </a:xfrm>
+          <a:prstGeom prst="rect">
+            <a:avLst/>
+          </a:prstGeom>
+        </p:spPr>
+        <p:txBody>
+          <a:bodyPr wrap="square">
+            <a:spAutoFit/>
+          </a:bodyPr>
+          <a:lstStyle/>
+          <a:p>
+            <a:pPr algn="ctr"/>
+            <a:r>
+              <a:rPr lang="en-US" altLang="ko-KR" sz="1400" b="1" dirty="0" smtClean="0">
+                <a:solidFill>
+                  <a:schemeClr val="tx2">
+                    <a:lumMod val="50000"/>
+                  </a:schemeClr>
+                </a:solidFill>
+                <a:latin typeface="함초롬바탕" panose="02030504000101010101" pitchFamily="18" charset="-127"/>
+                <a:ea typeface="함초롬바탕" panose="02030504000101010101" pitchFamily="18" charset="-127"/>
+                <a:cs typeface="함초롬바탕" panose="02030504000101010101" pitchFamily="18" charset="-127"/>
+              </a:rPr>
+              <a:t>&lt;&lt;</a:t>
+            </a:r>
+            <a:r>
+              <a:rPr lang="ko-KR" altLang="en-US" sz="1400" b="1" dirty="0" err="1" smtClean="0">
+                <a:solidFill>
+                  <a:schemeClr val="tx2">
+                    <a:lumMod val="50000"/>
+                  </a:schemeClr>
+                </a:solidFill>
+                <a:latin typeface="함초롬바탕" panose="02030504000101010101" pitchFamily="18" charset="-127"/>
+                <a:ea typeface="함초롬바탕" panose="02030504000101010101" pitchFamily="18" charset="-127"/>
+                <a:cs typeface="함초롬바탕" panose="02030504000101010101" pitchFamily="18" charset="-127"/>
+              </a:rPr>
+              <a:t>주향제일교회</a:t>
+            </a:r>
+            <a:r>
+              <a:rPr lang="en-US" altLang="ko-KR" sz="1400" b="1" dirty="0" smtClean="0">
+                <a:solidFill>
+                  <a:schemeClr val="tx2">
+                    <a:lumMod val="50000"/>
+                  </a:schemeClr>
+                </a:solidFill>
+                <a:latin typeface="함초롬바탕" panose="02030504000101010101" pitchFamily="18" charset="-127"/>
+                <a:ea typeface="함초롬바탕" panose="02030504000101010101" pitchFamily="18" charset="-127"/>
+                <a:cs typeface="함초롬바탕" panose="02030504000101010101" pitchFamily="18" charset="-127"/>
+              </a:rPr>
+              <a:t>&gt;&gt;</a:t>
+            </a:r>
+          </a:p>
+          <a:p>
+            <a:pPr algn="ctr"/>
+            <a:endParaRPr lang="en-US" altLang="ko-KR" sz="1400" b="1" dirty="0" smtClean="0">
+              <a:solidFill>
+                <a:schemeClr val="tx2">
+                  <a:lumMod val="50000"/>
+                </a:schemeClr>
+              </a:solidFill>
+              <a:latin typeface="함초롬바탕" panose="02030504000101010101" pitchFamily="18" charset="-127"/>
+              <a:ea typeface="함초롬바탕" panose="02030504000101010101" pitchFamily="18" charset="-127"/>
+              <a:cs typeface="함초롬바탕" panose="02030504000101010101" pitchFamily="18" charset="-127"/>
+            </a:endParaRPr>
+          </a:p>
+          <a:p>
+            <a:pPr algn="ctr"/>
+            <a:r>
+              <a:rPr lang="ko-KR" altLang="en-US" sz="1400" b="1" dirty="0" smtClean="0">
+                <a:solidFill>
+                  <a:schemeClr val="tx2">
+                    <a:lumMod val="50000"/>
+                  </a:schemeClr>
+                </a:solidFill>
+                <a:latin typeface="함초롬바탕" panose="02030504000101010101" pitchFamily="18" charset="-127"/>
+                <a:ea typeface="함초롬바탕" panose="02030504000101010101" pitchFamily="18" charset="-127"/>
+                <a:cs typeface="함초롬바탕" panose="02030504000101010101" pitchFamily="18" charset="-127"/>
+              </a:rPr>
+              <a:t>담임목사 하요한 외 성도 일동 배상</a:t>
+            </a:r>
+            <a:endParaRPr lang="en-US" altLang="ko-KR" sz="1400" b="1" dirty="0">
+              <a:solidFill>
+                <a:schemeClr val="tx2">
+                  <a:lumMod val="50000"/>
+                </a:schemeClr>
+              </a:solidFill>
+              <a:latin typeface="함초롬바탕" panose="02030504000101010101" pitchFamily="18" charset="-127"/>
+              <a:ea typeface="함초롬바탕" panose="02030504000101010101" pitchFamily="18" charset="-127"/>
+              <a:cs typeface="함초롬바탕" panose="02030504000101010101" pitchFamily="18" charset="-127"/>
+            </a:endParaRPr>
+          </a:p>
+        </p:txBody>
+      </p:sp>
+    </p:spTree>
+    <p:extLst>
+      <p:ext uri="{BB962C8B-B14F-4D97-AF65-F5344CB8AC3E}">
+        <p14:creationId xmlns:p14="http://schemas.microsoft.com/office/powerpoint/2010/main" val="1629204357"/>
+      </p:ext>
+    </p:extLst>
+  </p:cSld>
+  <p:clrMapOvr>
+    <a:masterClrMapping/>
+  </p:clrMapOvr>
+</p:sld>
+</file>
+
+<file path=ppt/slides/slide5.xml><?xml version="1.0" encoding="utf-8"?>
+<p:sld xmlns:a="http://schemas.openxmlformats.org/drawingml/2006/main" xmlns:r="http://schemas.openxmlformats.org/officeDocument/2006/relationships" xmlns:p="http://schemas.openxmlformats.org/presentationml/2006/main">
+  <p:cSld>
+    <p:spTree>
+      <p:nvGrpSpPr>
+        <p:cNvPr id="1" name=""/>
+        <p:cNvGrpSpPr/>
+        <p:nvPr/>
+      </p:nvGrpSpPr>
+      <p:grpSpPr>
+        <a:xfrm>
+          <a:off x="0" y="0"/>
+          <a:ext cx="0" cy="0"/>
+          <a:chOff x="0" y="0"/>
+          <a:chExt cx="0" cy="0"/>
+        </a:xfrm>
+      </p:grpSpPr>
+      <p:pic>
+        <p:nvPicPr>
+          <p:cNvPr id="8" name="그림 7"/>
+          <p:cNvPicPr>
+            <a:picLocks noChangeAspect="1"/>
+          </p:cNvPicPr>
+          <p:nvPr/>
+        </p:nvPicPr>
+        <p:blipFill rotWithShape="1">
+          <a:blip r:embed="rId2"/>
+          <a:srcRect b="13805"/>
+          <a:stretch/>
+        </p:blipFill>
+        <p:spPr>
+          <a:xfrm>
+            <a:off x="0" y="0"/>
+            <a:ext cx="4733925" cy="3964887"/>
+          </a:xfrm>
+          <a:prstGeom prst="rect">
+            <a:avLst/>
+          </a:prstGeom>
+        </p:spPr>
+      </p:pic>
+      <p:sp>
+        <p:nvSpPr>
+          <p:cNvPr id="9" name="타원 8"/>
+          <p:cNvSpPr/>
+          <p:nvPr/>
+        </p:nvSpPr>
+        <p:spPr>
+          <a:xfrm>
+            <a:off x="206375" y="4491989"/>
+            <a:ext cx="90170" cy="86783"/>
+          </a:xfrm>
+          <a:prstGeom prst="ellipse">
+            <a:avLst/>
+          </a:prstGeom>
+          <a:solidFill>
+            <a:schemeClr val="bg1">
+              <a:lumMod val="50000"/>
+            </a:schemeClr>
+          </a:solidFill>
+          <a:ln>
+            <a:solidFill>
+              <a:schemeClr val="bg1"/>
+            </a:solidFill>
+          </a:ln>
+        </p:spPr>
+        <p:style>
+          <a:lnRef idx="2">
+            <a:schemeClr val="accent1">
+              <a:shade val="50000"/>
+            </a:schemeClr>
+          </a:lnRef>
+          <a:fillRef idx="1">
+            <a:schemeClr val="accent1"/>
+          </a:fillRef>
+          <a:effectRef idx="0">
+            <a:schemeClr val="accent1"/>
+          </a:effectRef>
+          <a:fontRef idx="minor">
+            <a:schemeClr val="lt1"/>
+          </a:fontRef>
+        </p:style>
+        <p:txBody>
+          <a:bodyPr rtlCol="0" anchor="ctr"/>
+          <a:lstStyle/>
+          <a:p>
+            <a:pPr algn="ctr"/>
+            <a:endParaRPr lang="ko-KR" altLang="en-US"/>
+          </a:p>
+        </p:txBody>
+      </p:sp>
+      <p:sp>
+        <p:nvSpPr>
+          <p:cNvPr id="10" name="TextBox 9"/>
+          <p:cNvSpPr txBox="1"/>
+          <p:nvPr/>
+        </p:nvSpPr>
+        <p:spPr>
+          <a:xfrm>
+            <a:off x="361950" y="4350714"/>
+            <a:ext cx="2815194" cy="307777"/>
+          </a:xfrm>
+          <a:prstGeom prst="rect">
+            <a:avLst/>
+          </a:prstGeom>
+          <a:noFill/>
+        </p:spPr>
+        <p:txBody>
+          <a:bodyPr wrap="none" rtlCol="0">
+            <a:spAutoFit/>
+          </a:bodyPr>
+          <a:lstStyle/>
+          <a:p>
+            <a:r>
+              <a:rPr lang="ko-KR" altLang="en-US" sz="1400" dirty="0" smtClean="0">
+                <a:solidFill>
+                  <a:schemeClr val="tx1">
+                    <a:lumMod val="75000"/>
+                    <a:lumOff val="25000"/>
+                  </a:schemeClr>
+                </a:solidFill>
+                <a:latin typeface="함초롬돋움" panose="02030504000101010101" pitchFamily="18" charset="-127"/>
+                <a:ea typeface="함초롬돋움" panose="02030504000101010101" pitchFamily="18" charset="-127"/>
+                <a:cs typeface="함초롬돋움" panose="02030504000101010101" pitchFamily="18" charset="-127"/>
+              </a:rPr>
+              <a:t>일시 </a:t>
+            </a:r>
+            <a:r>
+              <a:rPr lang="en-US" altLang="ko-KR" sz="1400" dirty="0" smtClean="0">
+                <a:solidFill>
+                  <a:schemeClr val="tx1">
+                    <a:lumMod val="75000"/>
+                    <a:lumOff val="25000"/>
+                  </a:schemeClr>
+                </a:solidFill>
+                <a:latin typeface="함초롬돋움" panose="02030504000101010101" pitchFamily="18" charset="-127"/>
+                <a:ea typeface="함초롬돋움" panose="02030504000101010101" pitchFamily="18" charset="-127"/>
+                <a:cs typeface="함초롬돋움" panose="02030504000101010101" pitchFamily="18" charset="-127"/>
+              </a:rPr>
+              <a:t>: 2018</a:t>
+            </a:r>
+            <a:r>
+              <a:rPr lang="ko-KR" altLang="en-US" sz="1400" dirty="0" smtClean="0">
+                <a:solidFill>
+                  <a:schemeClr val="tx1">
+                    <a:lumMod val="75000"/>
+                    <a:lumOff val="25000"/>
+                  </a:schemeClr>
+                </a:solidFill>
+                <a:latin typeface="함초롬돋움" panose="02030504000101010101" pitchFamily="18" charset="-127"/>
+                <a:ea typeface="함초롬돋움" panose="02030504000101010101" pitchFamily="18" charset="-127"/>
+                <a:cs typeface="함초롬돋움" panose="02030504000101010101" pitchFamily="18" charset="-127"/>
+              </a:rPr>
+              <a:t>년 </a:t>
+            </a:r>
+            <a:r>
+              <a:rPr lang="en-US" altLang="ko-KR" sz="1400" dirty="0" smtClean="0">
+                <a:solidFill>
+                  <a:schemeClr val="tx1">
+                    <a:lumMod val="75000"/>
+                    <a:lumOff val="25000"/>
+                  </a:schemeClr>
+                </a:solidFill>
+                <a:latin typeface="함초롬돋움" panose="02030504000101010101" pitchFamily="18" charset="-127"/>
+                <a:ea typeface="함초롬돋움" panose="02030504000101010101" pitchFamily="18" charset="-127"/>
+                <a:cs typeface="함초롬돋움" panose="02030504000101010101" pitchFamily="18" charset="-127"/>
+              </a:rPr>
+              <a:t>10</a:t>
+            </a:r>
+            <a:r>
+              <a:rPr lang="ko-KR" altLang="en-US" sz="1400" dirty="0" smtClean="0">
+                <a:solidFill>
+                  <a:schemeClr val="tx1">
+                    <a:lumMod val="75000"/>
+                    <a:lumOff val="25000"/>
+                  </a:schemeClr>
+                </a:solidFill>
+                <a:latin typeface="함초롬돋움" panose="02030504000101010101" pitchFamily="18" charset="-127"/>
+                <a:ea typeface="함초롬돋움" panose="02030504000101010101" pitchFamily="18" charset="-127"/>
+                <a:cs typeface="함초롬돋움" panose="02030504000101010101" pitchFamily="18" charset="-127"/>
+              </a:rPr>
+              <a:t>월 </a:t>
+            </a:r>
+            <a:r>
+              <a:rPr lang="en-US" altLang="ko-KR" sz="1400" dirty="0" smtClean="0">
+                <a:solidFill>
+                  <a:schemeClr val="tx1">
+                    <a:lumMod val="75000"/>
+                    <a:lumOff val="25000"/>
+                  </a:schemeClr>
+                </a:solidFill>
+                <a:latin typeface="함초롬돋움" panose="02030504000101010101" pitchFamily="18" charset="-127"/>
+                <a:ea typeface="함초롬돋움" panose="02030504000101010101" pitchFamily="18" charset="-127"/>
+                <a:cs typeface="함초롬돋움" panose="02030504000101010101" pitchFamily="18" charset="-127"/>
+              </a:rPr>
+              <a:t>6</a:t>
+            </a:r>
+            <a:r>
+              <a:rPr lang="ko-KR" altLang="en-US" sz="1400" dirty="0" smtClean="0">
+                <a:solidFill>
+                  <a:schemeClr val="tx1">
+                    <a:lumMod val="75000"/>
+                    <a:lumOff val="25000"/>
+                  </a:schemeClr>
+                </a:solidFill>
+                <a:latin typeface="함초롬돋움" panose="02030504000101010101" pitchFamily="18" charset="-127"/>
+                <a:ea typeface="함초롬돋움" panose="02030504000101010101" pitchFamily="18" charset="-127"/>
+                <a:cs typeface="함초롬돋움" panose="02030504000101010101" pitchFamily="18" charset="-127"/>
+              </a:rPr>
+              <a:t>일</a:t>
+            </a:r>
+            <a:r>
+              <a:rPr lang="en-US" altLang="ko-KR" sz="1400" dirty="0" smtClean="0">
+                <a:solidFill>
+                  <a:schemeClr val="tx1">
+                    <a:lumMod val="75000"/>
+                    <a:lumOff val="25000"/>
+                  </a:schemeClr>
+                </a:solidFill>
+                <a:latin typeface="함초롬돋움" panose="02030504000101010101" pitchFamily="18" charset="-127"/>
+                <a:ea typeface="함초롬돋움" panose="02030504000101010101" pitchFamily="18" charset="-127"/>
+                <a:cs typeface="함초롬돋움" panose="02030504000101010101" pitchFamily="18" charset="-127"/>
+              </a:rPr>
+              <a:t>(</a:t>
+            </a:r>
+            <a:r>
+              <a:rPr lang="ko-KR" altLang="en-US" sz="1400" dirty="0" smtClean="0">
+                <a:solidFill>
+                  <a:schemeClr val="tx1">
+                    <a:lumMod val="75000"/>
+                    <a:lumOff val="25000"/>
+                  </a:schemeClr>
+                </a:solidFill>
+                <a:latin typeface="함초롬돋움" panose="02030504000101010101" pitchFamily="18" charset="-127"/>
+                <a:ea typeface="함초롬돋움" panose="02030504000101010101" pitchFamily="18" charset="-127"/>
+                <a:cs typeface="함초롬돋움" panose="02030504000101010101" pitchFamily="18" charset="-127"/>
+              </a:rPr>
+              <a:t>토</a:t>
+            </a:r>
+            <a:r>
+              <a:rPr lang="en-US" altLang="ko-KR" sz="1400" dirty="0" smtClean="0">
+                <a:solidFill>
+                  <a:schemeClr val="tx1">
+                    <a:lumMod val="75000"/>
+                    <a:lumOff val="25000"/>
+                  </a:schemeClr>
+                </a:solidFill>
+                <a:latin typeface="함초롬돋움" panose="02030504000101010101" pitchFamily="18" charset="-127"/>
+                <a:ea typeface="함초롬돋움" panose="02030504000101010101" pitchFamily="18" charset="-127"/>
+                <a:cs typeface="함초롬돋움" panose="02030504000101010101" pitchFamily="18" charset="-127"/>
+              </a:rPr>
+              <a:t>), 11</a:t>
+            </a:r>
+            <a:r>
+              <a:rPr lang="ko-KR" altLang="en-US" sz="1400" dirty="0" smtClean="0">
+                <a:solidFill>
+                  <a:schemeClr val="tx1">
+                    <a:lumMod val="75000"/>
+                    <a:lumOff val="25000"/>
+                  </a:schemeClr>
+                </a:solidFill>
+                <a:latin typeface="함초롬돋움" panose="02030504000101010101" pitchFamily="18" charset="-127"/>
+                <a:ea typeface="함초롬돋움" panose="02030504000101010101" pitchFamily="18" charset="-127"/>
+                <a:cs typeface="함초롬돋움" panose="02030504000101010101" pitchFamily="18" charset="-127"/>
+              </a:rPr>
+              <a:t>시</a:t>
+            </a:r>
+            <a:endParaRPr lang="ko-KR" altLang="en-US" sz="1400" dirty="0">
+              <a:solidFill>
+                <a:schemeClr val="tx1">
+                  <a:lumMod val="75000"/>
+                  <a:lumOff val="25000"/>
+                </a:schemeClr>
+              </a:solidFill>
+              <a:latin typeface="함초롬돋움" panose="02030504000101010101" pitchFamily="18" charset="-127"/>
+              <a:ea typeface="함초롬돋움" panose="02030504000101010101" pitchFamily="18" charset="-127"/>
+              <a:cs typeface="함초롬돋움" panose="02030504000101010101" pitchFamily="18" charset="-127"/>
+            </a:endParaRPr>
+          </a:p>
+        </p:txBody>
+      </p:sp>
+      <p:sp>
+        <p:nvSpPr>
+          <p:cNvPr id="11" name="타원 10"/>
+          <p:cNvSpPr/>
+          <p:nvPr/>
+        </p:nvSpPr>
+        <p:spPr>
+          <a:xfrm>
+            <a:off x="206375" y="5062482"/>
+            <a:ext cx="90170" cy="86783"/>
+          </a:xfrm>
+          <a:prstGeom prst="ellipse">
+            <a:avLst/>
+          </a:prstGeom>
+          <a:solidFill>
+            <a:schemeClr val="bg1">
+              <a:lumMod val="50000"/>
+            </a:schemeClr>
+          </a:solidFill>
+          <a:ln>
+            <a:solidFill>
+              <a:schemeClr val="bg1"/>
+            </a:solidFill>
+          </a:ln>
+        </p:spPr>
+        <p:style>
+          <a:lnRef idx="2">
+            <a:schemeClr val="accent1">
+              <a:shade val="50000"/>
+            </a:schemeClr>
+          </a:lnRef>
+          <a:fillRef idx="1">
+            <a:schemeClr val="accent1"/>
+          </a:fillRef>
+          <a:effectRef idx="0">
+            <a:schemeClr val="accent1"/>
+          </a:effectRef>
+          <a:fontRef idx="minor">
+            <a:schemeClr val="lt1"/>
+          </a:fontRef>
+        </p:style>
+        <p:txBody>
+          <a:bodyPr rtlCol="0" anchor="ctr"/>
+          <a:lstStyle/>
+          <a:p>
+            <a:pPr algn="ctr"/>
+            <a:endParaRPr lang="ko-KR" altLang="en-US"/>
+          </a:p>
+        </p:txBody>
+      </p:sp>
+      <p:sp>
+        <p:nvSpPr>
+          <p:cNvPr id="12" name="TextBox 11"/>
+          <p:cNvSpPr txBox="1"/>
+          <p:nvPr/>
+        </p:nvSpPr>
+        <p:spPr>
+          <a:xfrm>
+            <a:off x="361950" y="4921207"/>
+            <a:ext cx="1720343" cy="307777"/>
+          </a:xfrm>
+          <a:prstGeom prst="rect">
+            <a:avLst/>
+          </a:prstGeom>
+          <a:noFill/>
+        </p:spPr>
+        <p:txBody>
+          <a:bodyPr wrap="none" rtlCol="0">
+            <a:spAutoFit/>
+          </a:bodyPr>
+          <a:lstStyle/>
+          <a:p>
+            <a:r>
+              <a:rPr lang="ko-KR" altLang="en-US" sz="1400" dirty="0" smtClean="0">
+                <a:solidFill>
+                  <a:schemeClr val="tx1">
+                    <a:lumMod val="75000"/>
+                    <a:lumOff val="25000"/>
+                  </a:schemeClr>
+                </a:solidFill>
+                <a:latin typeface="함초롬돋움" panose="02030504000101010101" pitchFamily="18" charset="-127"/>
+                <a:ea typeface="함초롬돋움" panose="02030504000101010101" pitchFamily="18" charset="-127"/>
+                <a:cs typeface="함초롬돋움" panose="02030504000101010101" pitchFamily="18" charset="-127"/>
+              </a:rPr>
+              <a:t>장소</a:t>
+            </a:r>
+            <a:r>
+              <a:rPr lang="en-US" altLang="ko-KR" sz="1400" dirty="0" smtClean="0">
+                <a:solidFill>
+                  <a:schemeClr val="tx1">
+                    <a:lumMod val="75000"/>
+                    <a:lumOff val="25000"/>
+                  </a:schemeClr>
+                </a:solidFill>
+                <a:latin typeface="함초롬돋움" panose="02030504000101010101" pitchFamily="18" charset="-127"/>
+                <a:ea typeface="함초롬돋움" panose="02030504000101010101" pitchFamily="18" charset="-127"/>
+                <a:cs typeface="함초롬돋움" panose="02030504000101010101" pitchFamily="18" charset="-127"/>
+              </a:rPr>
+              <a:t>: </a:t>
+            </a:r>
+            <a:r>
+              <a:rPr lang="ko-KR" altLang="en-US" sz="1400" dirty="0" err="1" smtClean="0">
+                <a:solidFill>
+                  <a:schemeClr val="tx1">
+                    <a:lumMod val="75000"/>
+                    <a:lumOff val="25000"/>
+                  </a:schemeClr>
+                </a:solidFill>
+                <a:latin typeface="함초롬돋움" panose="02030504000101010101" pitchFamily="18" charset="-127"/>
+                <a:ea typeface="함초롬돋움" panose="02030504000101010101" pitchFamily="18" charset="-127"/>
+                <a:cs typeface="함초롬돋움" panose="02030504000101010101" pitchFamily="18" charset="-127"/>
+              </a:rPr>
+              <a:t>주향제일교회</a:t>
+            </a:r>
+            <a:endParaRPr lang="ko-KR" altLang="en-US" sz="1400" dirty="0">
+              <a:solidFill>
+                <a:schemeClr val="tx1">
+                  <a:lumMod val="75000"/>
+                  <a:lumOff val="25000"/>
+                </a:schemeClr>
+              </a:solidFill>
+              <a:latin typeface="함초롬돋움" panose="02030504000101010101" pitchFamily="18" charset="-127"/>
+              <a:ea typeface="함초롬돋움" panose="02030504000101010101" pitchFamily="18" charset="-127"/>
+              <a:cs typeface="함초롬돋움" panose="02030504000101010101" pitchFamily="18" charset="-127"/>
+            </a:endParaRPr>
+          </a:p>
+        </p:txBody>
+      </p:sp>
+      <p:sp>
+        <p:nvSpPr>
+          <p:cNvPr id="13" name="타원 12"/>
+          <p:cNvSpPr/>
+          <p:nvPr/>
+        </p:nvSpPr>
+        <p:spPr>
+          <a:xfrm>
+            <a:off x="206375" y="5589584"/>
+            <a:ext cx="90170" cy="86783"/>
+          </a:xfrm>
+          <a:prstGeom prst="ellipse">
+            <a:avLst/>
+          </a:prstGeom>
+          <a:solidFill>
+            <a:schemeClr val="bg1">
+              <a:lumMod val="50000"/>
+            </a:schemeClr>
+          </a:solidFill>
+          <a:ln>
+            <a:solidFill>
+              <a:schemeClr val="bg1"/>
+            </a:solidFill>
+          </a:ln>
+        </p:spPr>
+        <p:style>
+          <a:lnRef idx="2">
+            <a:schemeClr val="accent1">
+              <a:shade val="50000"/>
+            </a:schemeClr>
+          </a:lnRef>
+          <a:fillRef idx="1">
+            <a:schemeClr val="accent1"/>
+          </a:fillRef>
+          <a:effectRef idx="0">
+            <a:schemeClr val="accent1"/>
+          </a:effectRef>
+          <a:fontRef idx="minor">
+            <a:schemeClr val="lt1"/>
+          </a:fontRef>
+        </p:style>
+        <p:txBody>
+          <a:bodyPr rtlCol="0" anchor="ctr"/>
+          <a:lstStyle/>
+          <a:p>
+            <a:pPr algn="ctr"/>
+            <a:endParaRPr lang="ko-KR" altLang="en-US"/>
+          </a:p>
+        </p:txBody>
+      </p:sp>
+      <p:sp>
+        <p:nvSpPr>
+          <p:cNvPr id="14" name="TextBox 13"/>
+          <p:cNvSpPr txBox="1"/>
+          <p:nvPr/>
+        </p:nvSpPr>
+        <p:spPr>
+          <a:xfrm>
+            <a:off x="361950" y="5448309"/>
+            <a:ext cx="2505814" cy="307777"/>
+          </a:xfrm>
+          <a:prstGeom prst="rect">
+            <a:avLst/>
+          </a:prstGeom>
+          <a:noFill/>
+        </p:spPr>
+        <p:txBody>
+          <a:bodyPr wrap="none" rtlCol="0">
+            <a:spAutoFit/>
+          </a:bodyPr>
+          <a:lstStyle/>
+          <a:p>
+            <a:r>
+              <a:rPr lang="ko-KR" altLang="en-US" sz="1400" dirty="0" smtClean="0">
+                <a:solidFill>
+                  <a:schemeClr val="tx1">
+                    <a:lumMod val="75000"/>
+                    <a:lumOff val="25000"/>
+                  </a:schemeClr>
+                </a:solidFill>
+                <a:latin typeface="함초롬돋움" panose="02030504000101010101" pitchFamily="18" charset="-127"/>
+                <a:ea typeface="함초롬돋움" panose="02030504000101010101" pitchFamily="18" charset="-127"/>
+                <a:cs typeface="함초롬돋움" panose="02030504000101010101" pitchFamily="18" charset="-127"/>
+              </a:rPr>
+              <a:t>주소</a:t>
+            </a:r>
+            <a:r>
+              <a:rPr lang="en-US" altLang="ko-KR" sz="1400" dirty="0" smtClean="0">
+                <a:solidFill>
+                  <a:schemeClr val="tx1">
+                    <a:lumMod val="75000"/>
+                    <a:lumOff val="25000"/>
+                  </a:schemeClr>
+                </a:solidFill>
+                <a:latin typeface="함초롬돋움" panose="02030504000101010101" pitchFamily="18" charset="-127"/>
+                <a:ea typeface="함초롬돋움" panose="02030504000101010101" pitchFamily="18" charset="-127"/>
+                <a:cs typeface="함초롬돋움" panose="02030504000101010101" pitchFamily="18" charset="-127"/>
+              </a:rPr>
+              <a:t>: </a:t>
+            </a:r>
+            <a:r>
+              <a:rPr lang="ko-KR" altLang="en-US" sz="1400" dirty="0" smtClean="0">
+                <a:solidFill>
+                  <a:schemeClr val="tx1">
+                    <a:lumMod val="75000"/>
+                    <a:lumOff val="25000"/>
+                  </a:schemeClr>
+                </a:solidFill>
+                <a:latin typeface="함초롬돋움" panose="02030504000101010101" pitchFamily="18" charset="-127"/>
+                <a:ea typeface="함초롬돋움" panose="02030504000101010101" pitchFamily="18" charset="-127"/>
+                <a:cs typeface="함초롬돋움" panose="02030504000101010101" pitchFamily="18" charset="-127"/>
+              </a:rPr>
+              <a:t>대전 서구 </a:t>
+            </a:r>
+            <a:r>
+              <a:rPr lang="ko-KR" altLang="en-US" sz="1400" dirty="0" err="1" smtClean="0">
+                <a:solidFill>
+                  <a:schemeClr val="tx1">
+                    <a:lumMod val="75000"/>
+                    <a:lumOff val="25000"/>
+                  </a:schemeClr>
+                </a:solidFill>
+                <a:latin typeface="함초롬돋움" panose="02030504000101010101" pitchFamily="18" charset="-127"/>
+                <a:ea typeface="함초롬돋움" panose="02030504000101010101" pitchFamily="18" charset="-127"/>
+                <a:cs typeface="함초롬돋움" panose="02030504000101010101" pitchFamily="18" charset="-127"/>
+              </a:rPr>
+              <a:t>괴정동</a:t>
+            </a:r>
+            <a:r>
+              <a:rPr lang="ko-KR" altLang="en-US" sz="1400" dirty="0" smtClean="0">
+                <a:solidFill>
+                  <a:schemeClr val="tx1">
+                    <a:lumMod val="75000"/>
+                    <a:lumOff val="25000"/>
+                  </a:schemeClr>
+                </a:solidFill>
+                <a:latin typeface="함초롬돋움" panose="02030504000101010101" pitchFamily="18" charset="-127"/>
+                <a:ea typeface="함초롬돋움" panose="02030504000101010101" pitchFamily="18" charset="-127"/>
+                <a:cs typeface="함초롬돋움" panose="02030504000101010101" pitchFamily="18" charset="-127"/>
+              </a:rPr>
+              <a:t> </a:t>
+            </a:r>
+            <a:r>
+              <a:rPr lang="en-US" altLang="ko-KR" sz="1400" dirty="0" smtClean="0">
+                <a:solidFill>
+                  <a:schemeClr val="tx1">
+                    <a:lumMod val="75000"/>
+                    <a:lumOff val="25000"/>
+                  </a:schemeClr>
+                </a:solidFill>
+                <a:latin typeface="함초롬돋움" panose="02030504000101010101" pitchFamily="18" charset="-127"/>
+                <a:ea typeface="함초롬돋움" panose="02030504000101010101" pitchFamily="18" charset="-127"/>
+                <a:cs typeface="함초롬돋움" panose="02030504000101010101" pitchFamily="18" charset="-127"/>
+              </a:rPr>
+              <a:t>92-11</a:t>
+            </a:r>
+            <a:endParaRPr lang="ko-KR" altLang="en-US" sz="1400" dirty="0">
+              <a:solidFill>
+                <a:schemeClr val="tx1">
+                  <a:lumMod val="75000"/>
+                  <a:lumOff val="25000"/>
+                </a:schemeClr>
+              </a:solidFill>
+              <a:latin typeface="함초롬돋움" panose="02030504000101010101" pitchFamily="18" charset="-127"/>
+              <a:ea typeface="함초롬돋움" panose="02030504000101010101" pitchFamily="18" charset="-127"/>
+              <a:cs typeface="함초롬돋움" panose="02030504000101010101" pitchFamily="18" charset="-127"/>
+            </a:endParaRPr>
+          </a:p>
+        </p:txBody>
+      </p:sp>
+      <p:sp>
+        <p:nvSpPr>
+          <p:cNvPr id="15" name="타원 14"/>
+          <p:cNvSpPr/>
+          <p:nvPr/>
+        </p:nvSpPr>
+        <p:spPr>
+          <a:xfrm>
+            <a:off x="206375" y="6098915"/>
+            <a:ext cx="90170" cy="86783"/>
+          </a:xfrm>
+          <a:prstGeom prst="ellipse">
+            <a:avLst/>
+          </a:prstGeom>
+          <a:solidFill>
+            <a:schemeClr val="bg1">
+              <a:lumMod val="50000"/>
+            </a:schemeClr>
+          </a:solidFill>
+          <a:ln>
+            <a:solidFill>
+              <a:schemeClr val="bg1"/>
+            </a:solidFill>
+          </a:ln>
+        </p:spPr>
+        <p:style>
+          <a:lnRef idx="2">
+            <a:schemeClr val="accent1">
+              <a:shade val="50000"/>
+            </a:schemeClr>
+          </a:lnRef>
+          <a:fillRef idx="1">
+            <a:schemeClr val="accent1"/>
+          </a:fillRef>
+          <a:effectRef idx="0">
+            <a:schemeClr val="accent1"/>
+          </a:effectRef>
+          <a:fontRef idx="minor">
+            <a:schemeClr val="lt1"/>
+          </a:fontRef>
+        </p:style>
+        <p:txBody>
+          <a:bodyPr rtlCol="0" anchor="ctr"/>
+          <a:lstStyle/>
+          <a:p>
+            <a:pPr algn="ctr"/>
+            <a:endParaRPr lang="ko-KR" altLang="en-US"/>
+          </a:p>
+        </p:txBody>
+      </p:sp>
+      <p:sp>
+        <p:nvSpPr>
+          <p:cNvPr id="16" name="TextBox 15"/>
+          <p:cNvSpPr txBox="1"/>
+          <p:nvPr/>
+        </p:nvSpPr>
+        <p:spPr>
+          <a:xfrm>
+            <a:off x="361950" y="5957640"/>
+            <a:ext cx="2600071" cy="307777"/>
+          </a:xfrm>
+          <a:prstGeom prst="rect">
+            <a:avLst/>
+          </a:prstGeom>
+          <a:noFill/>
+        </p:spPr>
+        <p:txBody>
+          <a:bodyPr wrap="none" rtlCol="0">
+            <a:spAutoFit/>
+          </a:bodyPr>
+          <a:lstStyle/>
+          <a:p>
+            <a:r>
+              <a:rPr lang="en-US" altLang="ko-KR" sz="1400" dirty="0" smtClean="0">
+                <a:solidFill>
+                  <a:schemeClr val="tx1">
+                    <a:lumMod val="75000"/>
+                    <a:lumOff val="25000"/>
+                  </a:schemeClr>
+                </a:solidFill>
+                <a:latin typeface="함초롬돋움" panose="02030504000101010101" pitchFamily="18" charset="-127"/>
+                <a:ea typeface="함초롬돋움" panose="02030504000101010101" pitchFamily="18" charset="-127"/>
+                <a:cs typeface="함초롬돋움" panose="02030504000101010101" pitchFamily="18" charset="-127"/>
+              </a:rPr>
+              <a:t>Tel: 010-7637-0153(</a:t>
+            </a:r>
+            <a:r>
+              <a:rPr lang="ko-KR" altLang="en-US" sz="1400" dirty="0" smtClean="0">
+                <a:solidFill>
+                  <a:schemeClr val="tx1">
+                    <a:lumMod val="75000"/>
+                    <a:lumOff val="25000"/>
+                  </a:schemeClr>
+                </a:solidFill>
+                <a:latin typeface="함초롬돋움" panose="02030504000101010101" pitchFamily="18" charset="-127"/>
+                <a:ea typeface="함초롬돋움" panose="02030504000101010101" pitchFamily="18" charset="-127"/>
+                <a:cs typeface="함초롬돋움" panose="02030504000101010101" pitchFamily="18" charset="-127"/>
+              </a:rPr>
+              <a:t>담임목사</a:t>
+            </a:r>
+            <a:r>
+              <a:rPr lang="en-US" altLang="ko-KR" sz="1400" dirty="0" smtClean="0">
+                <a:solidFill>
+                  <a:schemeClr val="tx1">
+                    <a:lumMod val="75000"/>
+                    <a:lumOff val="25000"/>
+                  </a:schemeClr>
+                </a:solidFill>
+                <a:latin typeface="함초롬돋움" panose="02030504000101010101" pitchFamily="18" charset="-127"/>
+                <a:ea typeface="함초롬돋움" panose="02030504000101010101" pitchFamily="18" charset="-127"/>
+                <a:cs typeface="함초롬돋움" panose="02030504000101010101" pitchFamily="18" charset="-127"/>
+              </a:rPr>
+              <a:t>)</a:t>
+            </a:r>
+            <a:endParaRPr lang="ko-KR" altLang="en-US" sz="1400" dirty="0">
+              <a:solidFill>
+                <a:schemeClr val="tx1">
+                  <a:lumMod val="75000"/>
+                  <a:lumOff val="25000"/>
+                </a:schemeClr>
+              </a:solidFill>
+              <a:latin typeface="함초롬돋움" panose="02030504000101010101" pitchFamily="18" charset="-127"/>
+              <a:ea typeface="함초롬돋움" panose="02030504000101010101" pitchFamily="18" charset="-127"/>
+              <a:cs typeface="함초롬돋움" panose="02030504000101010101" pitchFamily="18" charset="-127"/>
+            </a:endParaRPr>
+          </a:p>
+        </p:txBody>
+      </p:sp>
+    </p:spTree>
+    <p:extLst>
+      <p:ext uri="{BB962C8B-B14F-4D97-AF65-F5344CB8AC3E}">
+        <p14:creationId xmlns:p14="http://schemas.microsoft.com/office/powerpoint/2010/main" val="121545266"/>
+      </p:ext>
+    </p:extLst>
+  </p:cSld>
+  <p:clrMapOvr>
+    <a:masterClrMapping/>
+  </p:clrMapOvr>
+</p:sld>
+</file>
+
+<file path=ppt/slides/slide6.xml><?xml version="1.0" encoding="utf-8"?>
+<p:sld xmlns:a="http://schemas.openxmlformats.org/drawingml/2006/main" xmlns:r="http://schemas.openxmlformats.org/officeDocument/2006/relationships" xmlns:p="http://schemas.openxmlformats.org/presentationml/2006/main">
+  <p:cSld>
+    <p:spTree>
+      <p:nvGrpSpPr>
+        <p:cNvPr id="1" name=""/>
+        <p:cNvGrpSpPr/>
+        <p:nvPr/>
+      </p:nvGrpSpPr>
+      <p:grpSpPr>
+        <a:xfrm>
+          <a:off x="0" y="0"/>
+          <a:ext cx="0" cy="0"/>
+          <a:chOff x="0" y="0"/>
+          <a:chExt cx="0" cy="0"/>
+        </a:xfrm>
+      </p:grpSpPr>
     </p:spTree>
     <p:extLst>
       <p:ext uri="{BB962C8B-B14F-4D97-AF65-F5344CB8AC3E}">
@@ -8347,7 +10978,7 @@
 </p:sld>
 </file>
 
-<file path=ppt/slides/slide4.xml><?xml version="1.0" encoding="utf-8"?>
+<file path=ppt/slides/slide7.xml><?xml version="1.0" encoding="utf-8"?>
 <p:sld xmlns:a="http://schemas.openxmlformats.org/drawingml/2006/main" xmlns:r="http://schemas.openxmlformats.org/officeDocument/2006/relationships" xmlns:p="http://schemas.openxmlformats.org/presentationml/2006/main">
   <p:cSld>
     <p:spTree>
@@ -8464,7 +11095,7 @@
 </p:sld>
 </file>
 
-<file path=ppt/slides/slide5.xml><?xml version="1.0" encoding="utf-8"?>
+<file path=ppt/slides/slide8.xml><?xml version="1.0" encoding="utf-8"?>
 <p:sld xmlns:a="http://schemas.openxmlformats.org/drawingml/2006/main" xmlns:r="http://schemas.openxmlformats.org/officeDocument/2006/relationships" xmlns:p="http://schemas.openxmlformats.org/presentationml/2006/main">
   <p:cSld>
     <p:spTree>
@@ -8709,74 +11340,6 @@
     <p:extLst>
       <p:ext uri="{BB962C8B-B14F-4D97-AF65-F5344CB8AC3E}">
         <p14:creationId xmlns:p14="http://schemas.microsoft.com/office/powerpoint/2010/main" val="131072309"/>
-      </p:ext>
-    </p:extLst>
-  </p:cSld>
-  <p:clrMapOvr>
-    <a:masterClrMapping/>
-  </p:clrMapOvr>
-</p:sld>
-</file>
-
-<file path=ppt/slides/slide6.xml><?xml version="1.0" encoding="utf-8"?>
-<p:sld xmlns:a="http://schemas.openxmlformats.org/drawingml/2006/main" xmlns:r="http://schemas.openxmlformats.org/officeDocument/2006/relationships" xmlns:p="http://schemas.openxmlformats.org/presentationml/2006/main">
-  <p:cSld>
-    <p:spTree>
-      <p:nvGrpSpPr>
-        <p:cNvPr id="1" name=""/>
-        <p:cNvGrpSpPr/>
-        <p:nvPr/>
-      </p:nvGrpSpPr>
-      <p:grpSpPr>
-        <a:xfrm>
-          <a:off x="0" y="0"/>
-          <a:ext cx="0" cy="0"/>
-          <a:chOff x="0" y="0"/>
-          <a:chExt cx="0" cy="0"/>
-        </a:xfrm>
-      </p:grpSpPr>
-      <p:sp>
-        <p:nvSpPr>
-          <p:cNvPr id="4" name="제목 3"/>
-          <p:cNvSpPr>
-            <a:spLocks noGrp="1"/>
-          </p:cNvSpPr>
-          <p:nvPr>
-            <p:ph type="title"/>
-          </p:nvPr>
-        </p:nvSpPr>
-        <p:spPr/>
-        <p:txBody>
-          <a:bodyPr/>
-          <a:lstStyle/>
-          <a:p>
-            <a:endParaRPr lang="ko-KR" altLang="en-US"/>
-          </a:p>
-        </p:txBody>
-      </p:sp>
-      <p:sp>
-        <p:nvSpPr>
-          <p:cNvPr id="5" name="텍스트 개체 틀 4"/>
-          <p:cNvSpPr>
-            <a:spLocks noGrp="1"/>
-          </p:cNvSpPr>
-          <p:nvPr>
-            <p:ph type="body" idx="1"/>
-          </p:nvPr>
-        </p:nvSpPr>
-        <p:spPr/>
-        <p:txBody>
-          <a:bodyPr/>
-          <a:lstStyle/>
-          <a:p>
-            <a:endParaRPr lang="ko-KR" altLang="en-US"/>
-          </a:p>
-        </p:txBody>
-      </p:sp>
-    </p:spTree>
-    <p:extLst>
-      <p:ext uri="{BB962C8B-B14F-4D97-AF65-F5344CB8AC3E}">
-        <p14:creationId xmlns:p14="http://schemas.microsoft.com/office/powerpoint/2010/main" val="1562563428"/>
       </p:ext>
     </p:extLst>
   </p:cSld>

--- a/doc/프레젠테이션1.pptx
+++ b/doc/프레젠테이션1.pptx
@@ -298,7 +298,7 @@
           <a:p>
             <a:fld id="{1E0512C5-A6D7-4044-9BED-17117FB22858}" type="datetimeFigureOut">
               <a:rPr lang="ko-KR" altLang="en-US" smtClean="0"/>
-              <a:t>2018-09-22</a:t>
+              <a:t>2018-09-27</a:t>
             </a:fld>
             <a:endParaRPr lang="ko-KR" altLang="en-US"/>
           </a:p>
@@ -468,7 +468,7 @@
           <a:p>
             <a:fld id="{1E0512C5-A6D7-4044-9BED-17117FB22858}" type="datetimeFigureOut">
               <a:rPr lang="ko-KR" altLang="en-US" smtClean="0"/>
-              <a:t>2018-09-22</a:t>
+              <a:t>2018-09-27</a:t>
             </a:fld>
             <a:endParaRPr lang="ko-KR" altLang="en-US"/>
           </a:p>
@@ -648,7 +648,7 @@
           <a:p>
             <a:fld id="{1E0512C5-A6D7-4044-9BED-17117FB22858}" type="datetimeFigureOut">
               <a:rPr lang="ko-KR" altLang="en-US" smtClean="0"/>
-              <a:t>2018-09-22</a:t>
+              <a:t>2018-09-27</a:t>
             </a:fld>
             <a:endParaRPr lang="ko-KR" altLang="en-US"/>
           </a:p>
@@ -1171,7 +1171,7 @@
           <a:p>
             <a:fld id="{361D8292-7A5A-44EB-ADEC-AA767D00200F}" type="datetimeFigureOut">
               <a:rPr lang="en-US" smtClean="0"/>
-              <a:t>9/22/2018</a:t>
+              <a:t>9/27/2018</a:t>
             </a:fld>
             <a:endParaRPr lang="en-US" dirty="0"/>
           </a:p>
@@ -1409,7 +1409,7 @@
           <a:p>
             <a:fld id="{1617CACB-9D38-4EEB-91EB-F5CC6553B83F}" type="datetimeFigureOut">
               <a:rPr lang="ko-KR" altLang="en-US" smtClean="0"/>
-              <a:t>2018-09-22</a:t>
+              <a:t>2018-09-27</a:t>
             </a:fld>
             <a:endParaRPr lang="ko-KR" altLang="en-US"/>
           </a:p>
@@ -1980,7 +1980,7 @@
           <a:p>
             <a:fld id="{1617CACB-9D38-4EEB-91EB-F5CC6553B83F}" type="datetimeFigureOut">
               <a:rPr lang="ko-KR" altLang="en-US" smtClean="0"/>
-              <a:t>2018-09-22</a:t>
+              <a:t>2018-09-27</a:t>
             </a:fld>
             <a:endParaRPr lang="ko-KR" altLang="en-US"/>
           </a:p>
@@ -2282,7 +2282,7 @@
           <a:p>
             <a:fld id="{1617CACB-9D38-4EEB-91EB-F5CC6553B83F}" type="datetimeFigureOut">
               <a:rPr lang="ko-KR" altLang="en-US" smtClean="0"/>
-              <a:t>2018-09-22</a:t>
+              <a:t>2018-09-27</a:t>
             </a:fld>
             <a:endParaRPr lang="ko-KR" altLang="en-US"/>
           </a:p>
@@ -2719,7 +2719,7 @@
           <a:p>
             <a:fld id="{1617CACB-9D38-4EEB-91EB-F5CC6553B83F}" type="datetimeFigureOut">
               <a:rPr lang="ko-KR" altLang="en-US" smtClean="0"/>
-              <a:t>2018-09-22</a:t>
+              <a:t>2018-09-27</a:t>
             </a:fld>
             <a:endParaRPr lang="ko-KR" altLang="en-US"/>
           </a:p>
@@ -2837,7 +2837,7 @@
           <a:p>
             <a:fld id="{1617CACB-9D38-4EEB-91EB-F5CC6553B83F}" type="datetimeFigureOut">
               <a:rPr lang="ko-KR" altLang="en-US" smtClean="0"/>
-              <a:t>2018-09-22</a:t>
+              <a:t>2018-09-27</a:t>
             </a:fld>
             <a:endParaRPr lang="ko-KR" altLang="en-US"/>
           </a:p>
@@ -2932,7 +2932,7 @@
           <a:p>
             <a:fld id="{1617CACB-9D38-4EEB-91EB-F5CC6553B83F}" type="datetimeFigureOut">
               <a:rPr lang="ko-KR" altLang="en-US" smtClean="0"/>
-              <a:t>2018-09-22</a:t>
+              <a:t>2018-09-27</a:t>
             </a:fld>
             <a:endParaRPr lang="ko-KR" altLang="en-US"/>
           </a:p>
@@ -3314,7 +3314,7 @@
           <a:p>
             <a:fld id="{1617CACB-9D38-4EEB-91EB-F5CC6553B83F}" type="datetimeFigureOut">
               <a:rPr lang="ko-KR" altLang="en-US" smtClean="0"/>
-              <a:t>2018-09-22</a:t>
+              <a:t>2018-09-27</a:t>
             </a:fld>
             <a:endParaRPr lang="ko-KR" altLang="en-US"/>
           </a:p>
@@ -3540,7 +3540,7 @@
           <a:p>
             <a:fld id="{1E0512C5-A6D7-4044-9BED-17117FB22858}" type="datetimeFigureOut">
               <a:rPr lang="ko-KR" altLang="en-US" smtClean="0"/>
-              <a:t>2018-09-22</a:t>
+              <a:t>2018-09-27</a:t>
             </a:fld>
             <a:endParaRPr lang="ko-KR" altLang="en-US"/>
           </a:p>
@@ -3878,7 +3878,7 @@
           <a:p>
             <a:fld id="{1617CACB-9D38-4EEB-91EB-F5CC6553B83F}" type="datetimeFigureOut">
               <a:rPr lang="ko-KR" altLang="en-US" smtClean="0"/>
-              <a:t>2018-09-22</a:t>
+              <a:t>2018-09-27</a:t>
             </a:fld>
             <a:endParaRPr lang="ko-KR" altLang="en-US"/>
           </a:p>
@@ -4118,7 +4118,7 @@
           <a:p>
             <a:fld id="{1617CACB-9D38-4EEB-91EB-F5CC6553B83F}" type="datetimeFigureOut">
               <a:rPr lang="ko-KR" altLang="en-US" smtClean="0"/>
-              <a:t>2018-09-22</a:t>
+              <a:t>2018-09-27</a:t>
             </a:fld>
             <a:endParaRPr lang="ko-KR" altLang="en-US"/>
           </a:p>
@@ -4298,7 +4298,7 @@
           <a:p>
             <a:fld id="{1617CACB-9D38-4EEB-91EB-F5CC6553B83F}" type="datetimeFigureOut">
               <a:rPr lang="ko-KR" altLang="en-US" smtClean="0"/>
-              <a:t>2018-09-22</a:t>
+              <a:t>2018-09-27</a:t>
             </a:fld>
             <a:endParaRPr lang="ko-KR" altLang="en-US"/>
           </a:p>
@@ -4424,7 +4424,7 @@
           <a:p>
             <a:fld id="{1617CACB-9D38-4EEB-91EB-F5CC6553B83F}" type="datetimeFigureOut">
               <a:rPr lang="ko-KR" altLang="en-US" smtClean="0"/>
-              <a:t>2018-09-22</a:t>
+              <a:t>2018-09-27</a:t>
             </a:fld>
             <a:endParaRPr lang="ko-KR" altLang="en-US"/>
           </a:p>
@@ -4542,7 +4542,7 @@
           <a:p>
             <a:fld id="{1617CACB-9D38-4EEB-91EB-F5CC6553B83F}" type="datetimeFigureOut">
               <a:rPr lang="ko-KR" altLang="en-US" smtClean="0"/>
-              <a:t>2018-09-22</a:t>
+              <a:t>2018-09-27</a:t>
             </a:fld>
             <a:endParaRPr lang="ko-KR" altLang="en-US"/>
           </a:p>
@@ -4872,7 +4872,7 @@
           <a:p>
             <a:fld id="{1E0512C5-A6D7-4044-9BED-17117FB22858}" type="datetimeFigureOut">
               <a:rPr lang="ko-KR" altLang="en-US" smtClean="0"/>
-              <a:t>2018-09-22</a:t>
+              <a:t>2018-09-27</a:t>
             </a:fld>
             <a:endParaRPr lang="ko-KR" altLang="en-US"/>
           </a:p>
@@ -5104,7 +5104,7 @@
           <a:p>
             <a:fld id="{1E0512C5-A6D7-4044-9BED-17117FB22858}" type="datetimeFigureOut">
               <a:rPr lang="ko-KR" altLang="en-US" smtClean="0"/>
-              <a:t>2018-09-22</a:t>
+              <a:t>2018-09-27</a:t>
             </a:fld>
             <a:endParaRPr lang="ko-KR" altLang="en-US"/>
           </a:p>
@@ -5466,7 +5466,7 @@
           <a:p>
             <a:fld id="{1E0512C5-A6D7-4044-9BED-17117FB22858}" type="datetimeFigureOut">
               <a:rPr lang="ko-KR" altLang="en-US" smtClean="0"/>
-              <a:t>2018-09-22</a:t>
+              <a:t>2018-09-27</a:t>
             </a:fld>
             <a:endParaRPr lang="ko-KR" altLang="en-US"/>
           </a:p>
@@ -5584,7 +5584,7 @@
           <a:p>
             <a:fld id="{1E0512C5-A6D7-4044-9BED-17117FB22858}" type="datetimeFigureOut">
               <a:rPr lang="ko-KR" altLang="en-US" smtClean="0"/>
-              <a:t>2018-09-22</a:t>
+              <a:t>2018-09-27</a:t>
             </a:fld>
             <a:endParaRPr lang="ko-KR" altLang="en-US"/>
           </a:p>
@@ -5679,7 +5679,7 @@
           <a:p>
             <a:fld id="{1E0512C5-A6D7-4044-9BED-17117FB22858}" type="datetimeFigureOut">
               <a:rPr lang="ko-KR" altLang="en-US" smtClean="0"/>
-              <a:t>2018-09-22</a:t>
+              <a:t>2018-09-27</a:t>
             </a:fld>
             <a:endParaRPr lang="ko-KR" altLang="en-US"/>
           </a:p>
@@ -5956,7 +5956,7 @@
           <a:p>
             <a:fld id="{1E0512C5-A6D7-4044-9BED-17117FB22858}" type="datetimeFigureOut">
               <a:rPr lang="ko-KR" altLang="en-US" smtClean="0"/>
-              <a:t>2018-09-22</a:t>
+              <a:t>2018-09-27</a:t>
             </a:fld>
             <a:endParaRPr lang="ko-KR" altLang="en-US"/>
           </a:p>
@@ -6209,7 +6209,7 @@
           <a:p>
             <a:fld id="{1E0512C5-A6D7-4044-9BED-17117FB22858}" type="datetimeFigureOut">
               <a:rPr lang="ko-KR" altLang="en-US" smtClean="0"/>
-              <a:t>2018-09-22</a:t>
+              <a:t>2018-09-27</a:t>
             </a:fld>
             <a:endParaRPr lang="ko-KR" altLang="en-US"/>
           </a:p>
@@ -6422,7 +6422,7 @@
           <a:p>
             <a:fld id="{1E0512C5-A6D7-4044-9BED-17117FB22858}" type="datetimeFigureOut">
               <a:rPr lang="ko-KR" altLang="en-US" smtClean="0"/>
-              <a:t>2018-09-22</a:t>
+              <a:t>2018-09-27</a:t>
             </a:fld>
             <a:endParaRPr lang="ko-KR" altLang="en-US"/>
           </a:p>
@@ -6992,7 +6992,7 @@
           <a:p>
             <a:fld id="{1E0512C5-A6D7-4044-9BED-17117FB22858}" type="datetimeFigureOut">
               <a:rPr lang="ko-KR" altLang="en-US" smtClean="0"/>
-              <a:t>2018-09-22</a:t>
+              <a:t>2018-09-27</a:t>
             </a:fld>
             <a:endParaRPr lang="ko-KR" altLang="en-US"/>
           </a:p>
@@ -9834,7 +9834,35 @@
                 <a:ea typeface="함초롬바탕" panose="02030504000101010101" pitchFamily="18" charset="-127"/>
                 <a:cs typeface="함초롬바탕" panose="02030504000101010101" pitchFamily="18" charset="-127"/>
               </a:rPr>
-              <a:t>건축 과정과 교회가 입당하기까지 기도와 사랑으로 격려해주신모든 분들께 감사드리며</a:t>
+              <a:t>건축 과정과 교회가 입당하기까지 기도와 사랑으로 </a:t>
+            </a:r>
+            <a:r>
+              <a:rPr lang="ko-KR" altLang="en-US" sz="1400" b="1" dirty="0" smtClean="0">
+                <a:solidFill>
+                  <a:schemeClr val="tx1">
+                    <a:lumMod val="75000"/>
+                    <a:lumOff val="25000"/>
+                  </a:schemeClr>
+                </a:solidFill>
+                <a:latin typeface="함초롬바탕" panose="02030504000101010101" pitchFamily="18" charset="-127"/>
+                <a:ea typeface="함초롬바탕" panose="02030504000101010101" pitchFamily="18" charset="-127"/>
+                <a:cs typeface="함초롬바탕" panose="02030504000101010101" pitchFamily="18" charset="-127"/>
+              </a:rPr>
+              <a:t>격려해주신 모든 </a:t>
+            </a:r>
+            <a:r>
+              <a:rPr lang="ko-KR" altLang="en-US" sz="1400" b="1" dirty="0">
+                <a:solidFill>
+                  <a:schemeClr val="tx1">
+                    <a:lumMod val="75000"/>
+                    <a:lumOff val="25000"/>
+                  </a:schemeClr>
+                </a:solidFill>
+                <a:latin typeface="함초롬바탕" panose="02030504000101010101" pitchFamily="18" charset="-127"/>
+                <a:ea typeface="함초롬바탕" panose="02030504000101010101" pitchFamily="18" charset="-127"/>
+                <a:cs typeface="함초롬바탕" panose="02030504000101010101" pitchFamily="18" charset="-127"/>
+              </a:rPr>
+              <a:t>분들께 감사드리며</a:t>
             </a:r>
             <a:r>
               <a:rPr lang="en-US" altLang="ko-KR" sz="1400" b="1" dirty="0">

--- a/doc/프레젠테이션1.pptx
+++ b/doc/프레젠테이션1.pptx
@@ -9,11 +9,12 @@
     <p:sldId id="256" r:id="rId3"/>
     <p:sldId id="260" r:id="rId4"/>
     <p:sldId id="263" r:id="rId5"/>
-    <p:sldId id="262" r:id="rId6"/>
-    <p:sldId id="264" r:id="rId7"/>
-    <p:sldId id="261" r:id="rId8"/>
-    <p:sldId id="257" r:id="rId9"/>
-    <p:sldId id="259" r:id="rId10"/>
+    <p:sldId id="266" r:id="rId6"/>
+    <p:sldId id="262" r:id="rId7"/>
+    <p:sldId id="264" r:id="rId8"/>
+    <p:sldId id="261" r:id="rId9"/>
+    <p:sldId id="257" r:id="rId10"/>
+    <p:sldId id="259" r:id="rId11"/>
   </p:sldIdLst>
   <p:sldSz cx="4733925" cy="6804025"/>
   <p:notesSz cx="6858000" cy="9144000"/>
@@ -120,6 +121,7 @@
             <p14:sldId id="256"/>
             <p14:sldId id="260"/>
             <p14:sldId id="263"/>
+            <p14:sldId id="266"/>
             <p14:sldId id="262"/>
             <p14:sldId id="264"/>
             <p14:sldId id="261"/>
@@ -151,12 +153,17 @@
             <a:srgbClr val="A4A3A4"/>
           </p15:clr>
         </p15:guide>
-        <p15:guide id="5" pos="2852" userDrawn="1">
+        <p15:guide id="5" pos="2943" userDrawn="1">
           <p15:clr>
             <a:srgbClr val="A4A3A4"/>
           </p15:clr>
         </p15:guide>
-        <p15:guide id="6" pos="130" userDrawn="1">
+        <p15:guide id="6" pos="40" userDrawn="1">
+          <p15:clr>
+            <a:srgbClr val="A4A3A4"/>
+          </p15:clr>
+        </p15:guide>
+        <p15:guide id="7" orient="horz" pos="2506" userDrawn="1">
           <p15:clr>
             <a:srgbClr val="A4A3A4"/>
           </p15:clr>
@@ -298,7 +305,7 @@
           <a:p>
             <a:fld id="{1E0512C5-A6D7-4044-9BED-17117FB22858}" type="datetimeFigureOut">
               <a:rPr lang="ko-KR" altLang="en-US" smtClean="0"/>
-              <a:t>2018-09-22</a:t>
+              <a:t>2018. 10. 8.</a:t>
             </a:fld>
             <a:endParaRPr lang="ko-KR" altLang="en-US"/>
           </a:p>
@@ -468,7 +475,7 @@
           <a:p>
             <a:fld id="{1E0512C5-A6D7-4044-9BED-17117FB22858}" type="datetimeFigureOut">
               <a:rPr lang="ko-KR" altLang="en-US" smtClean="0"/>
-              <a:t>2018-09-22</a:t>
+              <a:t>2018. 10. 8.</a:t>
             </a:fld>
             <a:endParaRPr lang="ko-KR" altLang="en-US"/>
           </a:p>
@@ -648,7 +655,7 @@
           <a:p>
             <a:fld id="{1E0512C5-A6D7-4044-9BED-17117FB22858}" type="datetimeFigureOut">
               <a:rPr lang="ko-KR" altLang="en-US" smtClean="0"/>
-              <a:t>2018-09-22</a:t>
+              <a:t>2018. 10. 8.</a:t>
             </a:fld>
             <a:endParaRPr lang="ko-KR" altLang="en-US"/>
           </a:p>
@@ -1171,7 +1178,7 @@
           <a:p>
             <a:fld id="{361D8292-7A5A-44EB-ADEC-AA767D00200F}" type="datetimeFigureOut">
               <a:rPr lang="en-US" smtClean="0"/>
-              <a:t>9/22/2018</a:t>
+              <a:t>10/8/18</a:t>
             </a:fld>
             <a:endParaRPr lang="en-US" dirty="0"/>
           </a:p>
@@ -1409,7 +1416,7 @@
           <a:p>
             <a:fld id="{1617CACB-9D38-4EEB-91EB-F5CC6553B83F}" type="datetimeFigureOut">
               <a:rPr lang="ko-KR" altLang="en-US" smtClean="0"/>
-              <a:t>2018-09-22</a:t>
+              <a:t>2018. 10. 8.</a:t>
             </a:fld>
             <a:endParaRPr lang="ko-KR" altLang="en-US"/>
           </a:p>
@@ -1980,7 +1987,7 @@
           <a:p>
             <a:fld id="{1617CACB-9D38-4EEB-91EB-F5CC6553B83F}" type="datetimeFigureOut">
               <a:rPr lang="ko-KR" altLang="en-US" smtClean="0"/>
-              <a:t>2018-09-22</a:t>
+              <a:t>2018. 10. 8.</a:t>
             </a:fld>
             <a:endParaRPr lang="ko-KR" altLang="en-US"/>
           </a:p>
@@ -2282,7 +2289,7 @@
           <a:p>
             <a:fld id="{1617CACB-9D38-4EEB-91EB-F5CC6553B83F}" type="datetimeFigureOut">
               <a:rPr lang="ko-KR" altLang="en-US" smtClean="0"/>
-              <a:t>2018-09-22</a:t>
+              <a:t>2018. 10. 8.</a:t>
             </a:fld>
             <a:endParaRPr lang="ko-KR" altLang="en-US"/>
           </a:p>
@@ -2719,7 +2726,7 @@
           <a:p>
             <a:fld id="{1617CACB-9D38-4EEB-91EB-F5CC6553B83F}" type="datetimeFigureOut">
               <a:rPr lang="ko-KR" altLang="en-US" smtClean="0"/>
-              <a:t>2018-09-22</a:t>
+              <a:t>2018. 10. 8.</a:t>
             </a:fld>
             <a:endParaRPr lang="ko-KR" altLang="en-US"/>
           </a:p>
@@ -2837,7 +2844,7 @@
           <a:p>
             <a:fld id="{1617CACB-9D38-4EEB-91EB-F5CC6553B83F}" type="datetimeFigureOut">
               <a:rPr lang="ko-KR" altLang="en-US" smtClean="0"/>
-              <a:t>2018-09-22</a:t>
+              <a:t>2018. 10. 8.</a:t>
             </a:fld>
             <a:endParaRPr lang="ko-KR" altLang="en-US"/>
           </a:p>
@@ -2932,7 +2939,7 @@
           <a:p>
             <a:fld id="{1617CACB-9D38-4EEB-91EB-F5CC6553B83F}" type="datetimeFigureOut">
               <a:rPr lang="ko-KR" altLang="en-US" smtClean="0"/>
-              <a:t>2018-09-22</a:t>
+              <a:t>2018. 10. 8.</a:t>
             </a:fld>
             <a:endParaRPr lang="ko-KR" altLang="en-US"/>
           </a:p>
@@ -3314,7 +3321,7 @@
           <a:p>
             <a:fld id="{1617CACB-9D38-4EEB-91EB-F5CC6553B83F}" type="datetimeFigureOut">
               <a:rPr lang="ko-KR" altLang="en-US" smtClean="0"/>
-              <a:t>2018-09-22</a:t>
+              <a:t>2018. 10. 8.</a:t>
             </a:fld>
             <a:endParaRPr lang="ko-KR" altLang="en-US"/>
           </a:p>
@@ -3540,7 +3547,7 @@
           <a:p>
             <a:fld id="{1E0512C5-A6D7-4044-9BED-17117FB22858}" type="datetimeFigureOut">
               <a:rPr lang="ko-KR" altLang="en-US" smtClean="0"/>
-              <a:t>2018-09-22</a:t>
+              <a:t>2018. 10. 8.</a:t>
             </a:fld>
             <a:endParaRPr lang="ko-KR" altLang="en-US"/>
           </a:p>
@@ -3878,7 +3885,7 @@
           <a:p>
             <a:fld id="{1617CACB-9D38-4EEB-91EB-F5CC6553B83F}" type="datetimeFigureOut">
               <a:rPr lang="ko-KR" altLang="en-US" smtClean="0"/>
-              <a:t>2018-09-22</a:t>
+              <a:t>2018. 10. 8.</a:t>
             </a:fld>
             <a:endParaRPr lang="ko-KR" altLang="en-US"/>
           </a:p>
@@ -4118,7 +4125,7 @@
           <a:p>
             <a:fld id="{1617CACB-9D38-4EEB-91EB-F5CC6553B83F}" type="datetimeFigureOut">
               <a:rPr lang="ko-KR" altLang="en-US" smtClean="0"/>
-              <a:t>2018-09-22</a:t>
+              <a:t>2018. 10. 8.</a:t>
             </a:fld>
             <a:endParaRPr lang="ko-KR" altLang="en-US"/>
           </a:p>
@@ -4298,7 +4305,7 @@
           <a:p>
             <a:fld id="{1617CACB-9D38-4EEB-91EB-F5CC6553B83F}" type="datetimeFigureOut">
               <a:rPr lang="ko-KR" altLang="en-US" smtClean="0"/>
-              <a:t>2018-09-22</a:t>
+              <a:t>2018. 10. 8.</a:t>
             </a:fld>
             <a:endParaRPr lang="ko-KR" altLang="en-US"/>
           </a:p>
@@ -4424,7 +4431,7 @@
           <a:p>
             <a:fld id="{1617CACB-9D38-4EEB-91EB-F5CC6553B83F}" type="datetimeFigureOut">
               <a:rPr lang="ko-KR" altLang="en-US" smtClean="0"/>
-              <a:t>2018-09-22</a:t>
+              <a:t>2018. 10. 8.</a:t>
             </a:fld>
             <a:endParaRPr lang="ko-KR" altLang="en-US"/>
           </a:p>
@@ -4542,7 +4549,7 @@
           <a:p>
             <a:fld id="{1617CACB-9D38-4EEB-91EB-F5CC6553B83F}" type="datetimeFigureOut">
               <a:rPr lang="ko-KR" altLang="en-US" smtClean="0"/>
-              <a:t>2018-09-22</a:t>
+              <a:t>2018. 10. 8.</a:t>
             </a:fld>
             <a:endParaRPr lang="ko-KR" altLang="en-US"/>
           </a:p>
@@ -4872,7 +4879,7 @@
           <a:p>
             <a:fld id="{1E0512C5-A6D7-4044-9BED-17117FB22858}" type="datetimeFigureOut">
               <a:rPr lang="ko-KR" altLang="en-US" smtClean="0"/>
-              <a:t>2018-09-22</a:t>
+              <a:t>2018. 10. 8.</a:t>
             </a:fld>
             <a:endParaRPr lang="ko-KR" altLang="en-US"/>
           </a:p>
@@ -5104,7 +5111,7 @@
           <a:p>
             <a:fld id="{1E0512C5-A6D7-4044-9BED-17117FB22858}" type="datetimeFigureOut">
               <a:rPr lang="ko-KR" altLang="en-US" smtClean="0"/>
-              <a:t>2018-09-22</a:t>
+              <a:t>2018. 10. 8.</a:t>
             </a:fld>
             <a:endParaRPr lang="ko-KR" altLang="en-US"/>
           </a:p>
@@ -5466,7 +5473,7 @@
           <a:p>
             <a:fld id="{1E0512C5-A6D7-4044-9BED-17117FB22858}" type="datetimeFigureOut">
               <a:rPr lang="ko-KR" altLang="en-US" smtClean="0"/>
-              <a:t>2018-09-22</a:t>
+              <a:t>2018. 10. 8.</a:t>
             </a:fld>
             <a:endParaRPr lang="ko-KR" altLang="en-US"/>
           </a:p>
@@ -5584,7 +5591,7 @@
           <a:p>
             <a:fld id="{1E0512C5-A6D7-4044-9BED-17117FB22858}" type="datetimeFigureOut">
               <a:rPr lang="ko-KR" altLang="en-US" smtClean="0"/>
-              <a:t>2018-09-22</a:t>
+              <a:t>2018. 10. 8.</a:t>
             </a:fld>
             <a:endParaRPr lang="ko-KR" altLang="en-US"/>
           </a:p>
@@ -5679,7 +5686,7 @@
           <a:p>
             <a:fld id="{1E0512C5-A6D7-4044-9BED-17117FB22858}" type="datetimeFigureOut">
               <a:rPr lang="ko-KR" altLang="en-US" smtClean="0"/>
-              <a:t>2018-09-22</a:t>
+              <a:t>2018. 10. 8.</a:t>
             </a:fld>
             <a:endParaRPr lang="ko-KR" altLang="en-US"/>
           </a:p>
@@ -5956,7 +5963,7 @@
           <a:p>
             <a:fld id="{1E0512C5-A6D7-4044-9BED-17117FB22858}" type="datetimeFigureOut">
               <a:rPr lang="ko-KR" altLang="en-US" smtClean="0"/>
-              <a:t>2018-09-22</a:t>
+              <a:t>2018. 10. 8.</a:t>
             </a:fld>
             <a:endParaRPr lang="ko-KR" altLang="en-US"/>
           </a:p>
@@ -6209,7 +6216,7 @@
           <a:p>
             <a:fld id="{1E0512C5-A6D7-4044-9BED-17117FB22858}" type="datetimeFigureOut">
               <a:rPr lang="ko-KR" altLang="en-US" smtClean="0"/>
-              <a:t>2018-09-22</a:t>
+              <a:t>2018. 10. 8.</a:t>
             </a:fld>
             <a:endParaRPr lang="ko-KR" altLang="en-US"/>
           </a:p>
@@ -6422,7 +6429,7 @@
           <a:p>
             <a:fld id="{1E0512C5-A6D7-4044-9BED-17117FB22858}" type="datetimeFigureOut">
               <a:rPr lang="ko-KR" altLang="en-US" smtClean="0"/>
-              <a:t>2018-09-22</a:t>
+              <a:t>2018. 10. 8.</a:t>
             </a:fld>
             <a:endParaRPr lang="ko-KR" altLang="en-US"/>
           </a:p>
@@ -6992,7 +6999,7 @@
           <a:p>
             <a:fld id="{1E0512C5-A6D7-4044-9BED-17117FB22858}" type="datetimeFigureOut">
               <a:rPr lang="ko-KR" altLang="en-US" smtClean="0"/>
-              <a:t>2018-09-22</a:t>
+              <a:t>2018. 10. 8.</a:t>
             </a:fld>
             <a:endParaRPr lang="ko-KR" altLang="en-US"/>
           </a:p>
@@ -9061,6 +9068,916 @@
 </file>
 
 <file path=ppt/slides/slide4.xml><?xml version="1.0" encoding="utf-8"?>
+<p:sld xmlns:a="http://schemas.openxmlformats.org/drawingml/2006/main" xmlns:r="http://schemas.openxmlformats.org/officeDocument/2006/relationships" xmlns:p="http://schemas.openxmlformats.org/presentationml/2006/main">
+  <p:cSld>
+    <p:spTree>
+      <p:nvGrpSpPr>
+        <p:cNvPr id="1" name=""/>
+        <p:cNvGrpSpPr/>
+        <p:nvPr/>
+      </p:nvGrpSpPr>
+      <p:grpSpPr>
+        <a:xfrm>
+          <a:off x="0" y="0"/>
+          <a:ext cx="0" cy="0"/>
+          <a:chOff x="0" y="0"/>
+          <a:chExt cx="0" cy="0"/>
+        </a:xfrm>
+      </p:grpSpPr>
+      <p:sp>
+        <p:nvSpPr>
+          <p:cNvPr id="43" name="직사각형 42"/>
+          <p:cNvSpPr/>
+          <p:nvPr/>
+        </p:nvSpPr>
+        <p:spPr>
+          <a:xfrm>
+            <a:off x="0" y="0"/>
+            <a:ext cx="4733925" cy="3965472"/>
+          </a:xfrm>
+          <a:prstGeom prst="rect">
+            <a:avLst/>
+          </a:prstGeom>
+          <a:solidFill>
+            <a:schemeClr val="bg1"/>
+          </a:solidFill>
+          <a:ln>
+            <a:noFill/>
+          </a:ln>
+        </p:spPr>
+        <p:style>
+          <a:lnRef idx="2">
+            <a:schemeClr val="accent1">
+              <a:shade val="50000"/>
+            </a:schemeClr>
+          </a:lnRef>
+          <a:fillRef idx="1">
+            <a:schemeClr val="accent1"/>
+          </a:fillRef>
+          <a:effectRef idx="0">
+            <a:schemeClr val="accent1"/>
+          </a:effectRef>
+          <a:fontRef idx="minor">
+            <a:schemeClr val="lt1"/>
+          </a:fontRef>
+        </p:style>
+        <p:txBody>
+          <a:bodyPr rtlCol="0" anchor="ctr"/>
+          <a:lstStyle/>
+          <a:p>
+            <a:pPr algn="ctr"/>
+            <a:endParaRPr kumimoji="1" lang="ko-KR" altLang="en-US"/>
+          </a:p>
+        </p:txBody>
+      </p:sp>
+      <p:grpSp>
+        <p:nvGrpSpPr>
+          <p:cNvPr id="41" name="그룹 40"/>
+          <p:cNvGrpSpPr/>
+          <p:nvPr/>
+        </p:nvGrpSpPr>
+        <p:grpSpPr>
+          <a:xfrm>
+            <a:off x="0" y="10114"/>
+            <a:ext cx="4736403" cy="3955358"/>
+            <a:chOff x="0" y="10114"/>
+            <a:chExt cx="4736403" cy="3955358"/>
+          </a:xfrm>
+        </p:grpSpPr>
+        <p:grpSp>
+          <p:nvGrpSpPr>
+            <p:cNvPr id="7" name="그룹 6"/>
+            <p:cNvGrpSpPr/>
+            <p:nvPr/>
+          </p:nvGrpSpPr>
+          <p:grpSpPr>
+            <a:xfrm>
+              <a:off x="269562" y="296500"/>
+              <a:ext cx="4175125" cy="726321"/>
+              <a:chOff x="269562" y="3901052"/>
+              <a:chExt cx="4175125" cy="726321"/>
+            </a:xfrm>
+          </p:grpSpPr>
+          <p:sp>
+            <p:nvSpPr>
+              <p:cNvPr id="5" name="직사각형 4"/>
+              <p:cNvSpPr/>
+              <p:nvPr/>
+            </p:nvSpPr>
+            <p:spPr>
+              <a:xfrm>
+                <a:off x="269562" y="4021022"/>
+                <a:ext cx="4175125" cy="523220"/>
+              </a:xfrm>
+              <a:prstGeom prst="rect">
+                <a:avLst/>
+              </a:prstGeom>
+            </p:spPr>
+            <p:txBody>
+              <a:bodyPr wrap="square">
+                <a:spAutoFit/>
+              </a:bodyPr>
+              <a:lstStyle/>
+              <a:p>
+                <a:pPr algn="ctr"/>
+                <a:r>
+                  <a:rPr lang="ko-KR" altLang="en-US" sz="2800" b="1" dirty="0" smtClean="0">
+                    <a:solidFill>
+                      <a:schemeClr val="tx1">
+                        <a:lumMod val="75000"/>
+                        <a:lumOff val="25000"/>
+                      </a:schemeClr>
+                    </a:solidFill>
+                    <a:latin typeface="Nanum Brush Script" charset="-127"/>
+                    <a:ea typeface="Nanum Brush Script" charset="-127"/>
+                    <a:cs typeface="Nanum Brush Script" charset="-127"/>
+                  </a:rPr>
+                  <a:t>감사합니다</a:t>
+                </a:r>
+                <a:r>
+                  <a:rPr lang="en-US" altLang="ko-KR" sz="2800" b="1" dirty="0" smtClean="0">
+                    <a:solidFill>
+                      <a:schemeClr val="tx1">
+                        <a:lumMod val="75000"/>
+                        <a:lumOff val="25000"/>
+                      </a:schemeClr>
+                    </a:solidFill>
+                    <a:latin typeface="함초롬바탕" panose="02030504000101010101" pitchFamily="18" charset="-127"/>
+                    <a:ea typeface="함초롬바탕" panose="02030504000101010101" pitchFamily="18" charset="-127"/>
+                    <a:cs typeface="함초롬바탕" panose="02030504000101010101" pitchFamily="18" charset="-127"/>
+                  </a:rPr>
+                  <a:t>.</a:t>
+                </a:r>
+                <a:r>
+                  <a:rPr lang="ko-KR" altLang="en-US" sz="2800" b="1" dirty="0" smtClean="0">
+                    <a:solidFill>
+                      <a:schemeClr val="tx1">
+                        <a:lumMod val="75000"/>
+                        <a:lumOff val="25000"/>
+                      </a:schemeClr>
+                    </a:solidFill>
+                    <a:latin typeface="함초롬바탕" panose="02030504000101010101" pitchFamily="18" charset="-127"/>
+                    <a:ea typeface="함초롬바탕" panose="02030504000101010101" pitchFamily="18" charset="-127"/>
+                    <a:cs typeface="함초롬바탕" panose="02030504000101010101" pitchFamily="18" charset="-127"/>
+                  </a:rPr>
+                  <a:t> </a:t>
+                </a:r>
+                <a:endParaRPr lang="en-US" altLang="ko-KR" sz="2800" b="1" dirty="0">
+                  <a:solidFill>
+                    <a:schemeClr val="tx1">
+                      <a:lumMod val="75000"/>
+                      <a:lumOff val="25000"/>
+                    </a:schemeClr>
+                  </a:solidFill>
+                  <a:latin typeface="함초롬바탕" panose="02030504000101010101" pitchFamily="18" charset="-127"/>
+                  <a:ea typeface="함초롬바탕" panose="02030504000101010101" pitchFamily="18" charset="-127"/>
+                  <a:cs typeface="함초롬바탕" panose="02030504000101010101" pitchFamily="18" charset="-127"/>
+                </a:endParaRPr>
+              </a:p>
+            </p:txBody>
+          </p:sp>
+          <p:sp>
+            <p:nvSpPr>
+              <p:cNvPr id="11" name="1/2 액자 10"/>
+              <p:cNvSpPr/>
+              <p:nvPr/>
+            </p:nvSpPr>
+            <p:spPr>
+              <a:xfrm>
+                <a:off x="1101752" y="3901052"/>
+                <a:ext cx="596839" cy="459075"/>
+              </a:xfrm>
+              <a:prstGeom prst="halfFrame">
+                <a:avLst>
+                  <a:gd name="adj1" fmla="val 2713"/>
+                  <a:gd name="adj2" fmla="val 3510"/>
+                </a:avLst>
+              </a:prstGeom>
+            </p:spPr>
+            <p:style>
+              <a:lnRef idx="2">
+                <a:schemeClr val="accent1">
+                  <a:shade val="50000"/>
+                </a:schemeClr>
+              </a:lnRef>
+              <a:fillRef idx="1">
+                <a:schemeClr val="accent1"/>
+              </a:fillRef>
+              <a:effectRef idx="0">
+                <a:schemeClr val="accent1"/>
+              </a:effectRef>
+              <a:fontRef idx="minor">
+                <a:schemeClr val="lt1"/>
+              </a:fontRef>
+            </p:style>
+            <p:txBody>
+              <a:bodyPr rot="0" spcFirstLastPara="0" vertOverflow="overflow" horzOverflow="overflow" vert="horz" wrap="square" lIns="86419" tIns="43210" rIns="86419" bIns="43210" numCol="1" spcCol="0" rtlCol="0" fromWordArt="0" anchor="ctr" anchorCtr="0" forceAA="0" compatLnSpc="1">
+                <a:prstTxWarp prst="textNoShape">
+                  <a:avLst/>
+                </a:prstTxWarp>
+                <a:noAutofit/>
+              </a:bodyPr>
+              <a:lstStyle/>
+              <a:p>
+                <a:pPr algn="ctr"/>
+                <a:endParaRPr lang="ko-KR" altLang="en-US" sz="1701">
+                  <a:solidFill>
+                    <a:schemeClr val="tx1"/>
+                  </a:solidFill>
+                </a:endParaRPr>
+              </a:p>
+            </p:txBody>
+          </p:sp>
+          <p:sp>
+            <p:nvSpPr>
+              <p:cNvPr id="12" name="1/2 액자 11"/>
+              <p:cNvSpPr/>
+              <p:nvPr/>
+            </p:nvSpPr>
+            <p:spPr>
+              <a:xfrm rot="10800000">
+                <a:off x="2850134" y="4263450"/>
+                <a:ext cx="598964" cy="363923"/>
+              </a:xfrm>
+              <a:prstGeom prst="halfFrame">
+                <a:avLst>
+                  <a:gd name="adj1" fmla="val 2713"/>
+                  <a:gd name="adj2" fmla="val 3510"/>
+                </a:avLst>
+              </a:prstGeom>
+            </p:spPr>
+            <p:style>
+              <a:lnRef idx="2">
+                <a:schemeClr val="accent1">
+                  <a:shade val="50000"/>
+                </a:schemeClr>
+              </a:lnRef>
+              <a:fillRef idx="1">
+                <a:schemeClr val="accent1"/>
+              </a:fillRef>
+              <a:effectRef idx="0">
+                <a:schemeClr val="accent1"/>
+              </a:effectRef>
+              <a:fontRef idx="minor">
+                <a:schemeClr val="lt1"/>
+              </a:fontRef>
+            </p:style>
+            <p:txBody>
+              <a:bodyPr rot="0" spcFirstLastPara="0" vertOverflow="overflow" horzOverflow="overflow" vert="horz" wrap="square" lIns="86419" tIns="43210" rIns="86419" bIns="43210" numCol="1" spcCol="0" rtlCol="0" fromWordArt="0" anchor="ctr" anchorCtr="0" forceAA="0" compatLnSpc="1">
+                <a:prstTxWarp prst="textNoShape">
+                  <a:avLst/>
+                </a:prstTxWarp>
+                <a:noAutofit/>
+              </a:bodyPr>
+              <a:lstStyle/>
+              <a:p>
+                <a:pPr algn="ctr"/>
+                <a:endParaRPr lang="ko-KR" altLang="en-US" sz="1701">
+                  <a:solidFill>
+                    <a:schemeClr val="tx1"/>
+                  </a:solidFill>
+                </a:endParaRPr>
+              </a:p>
+            </p:txBody>
+          </p:sp>
+        </p:grpSp>
+        <p:cxnSp>
+          <p:nvCxnSpPr>
+            <p:cNvPr id="15" name="직선 연결선 14"/>
+            <p:cNvCxnSpPr/>
+            <p:nvPr/>
+          </p:nvCxnSpPr>
+          <p:spPr>
+            <a:xfrm>
+              <a:off x="4640115" y="10114"/>
+              <a:ext cx="0" cy="3955358"/>
+            </a:xfrm>
+            <a:prstGeom prst="line">
+              <a:avLst/>
+            </a:prstGeom>
+            <a:ln>
+              <a:prstDash val="sysDash"/>
+            </a:ln>
+          </p:spPr>
+          <p:style>
+            <a:lnRef idx="1">
+              <a:schemeClr val="accent1"/>
+            </a:lnRef>
+            <a:fillRef idx="0">
+              <a:schemeClr val="accent1"/>
+            </a:fillRef>
+            <a:effectRef idx="0">
+              <a:schemeClr val="accent1"/>
+            </a:effectRef>
+            <a:fontRef idx="minor">
+              <a:schemeClr val="tx1"/>
+            </a:fontRef>
+          </p:style>
+        </p:cxnSp>
+        <p:cxnSp>
+          <p:nvCxnSpPr>
+            <p:cNvPr id="16" name="직선 연결선 15"/>
+            <p:cNvCxnSpPr/>
+            <p:nvPr/>
+          </p:nvCxnSpPr>
+          <p:spPr>
+            <a:xfrm>
+              <a:off x="106030" y="10633"/>
+              <a:ext cx="0" cy="3954839"/>
+            </a:xfrm>
+            <a:prstGeom prst="line">
+              <a:avLst/>
+            </a:prstGeom>
+            <a:ln>
+              <a:prstDash val="sysDash"/>
+            </a:ln>
+          </p:spPr>
+          <p:style>
+            <a:lnRef idx="1">
+              <a:schemeClr val="accent1"/>
+            </a:lnRef>
+            <a:fillRef idx="0">
+              <a:schemeClr val="accent1"/>
+            </a:fillRef>
+            <a:effectRef idx="0">
+              <a:schemeClr val="accent1"/>
+            </a:effectRef>
+            <a:fontRef idx="minor">
+              <a:schemeClr val="tx1"/>
+            </a:fontRef>
+          </p:style>
+        </p:cxnSp>
+        <p:sp>
+          <p:nvSpPr>
+            <p:cNvPr id="10" name="직사각형 9"/>
+            <p:cNvSpPr/>
+            <p:nvPr/>
+          </p:nvSpPr>
+          <p:spPr>
+            <a:xfrm>
+              <a:off x="400121" y="1234692"/>
+              <a:ext cx="3933683" cy="1384995"/>
+            </a:xfrm>
+            <a:prstGeom prst="rect">
+              <a:avLst/>
+            </a:prstGeom>
+          </p:spPr>
+          <p:txBody>
+            <a:bodyPr wrap="square">
+              <a:spAutoFit/>
+            </a:bodyPr>
+            <a:lstStyle/>
+            <a:p>
+              <a:pPr algn="ctr"/>
+              <a:r>
+                <a:rPr lang="ko-KR" altLang="en-US" sz="1400" b="1" dirty="0" smtClean="0">
+                  <a:solidFill>
+                    <a:schemeClr val="tx1">
+                      <a:lumMod val="65000"/>
+                      <a:lumOff val="35000"/>
+                    </a:schemeClr>
+                  </a:solidFill>
+                  <a:latin typeface="Nanum Gothic" charset="-127"/>
+                  <a:ea typeface="Nanum Gothic" charset="-127"/>
+                  <a:cs typeface="Nanum Gothic" charset="-127"/>
+                </a:rPr>
+                <a:t>바쁘신 와중에도 </a:t>
+              </a:r>
+              <a:endParaRPr lang="en-US" altLang="ko-KR" sz="1400" b="1" dirty="0" smtClean="0">
+                <a:solidFill>
+                  <a:schemeClr val="tx1">
+                    <a:lumMod val="65000"/>
+                    <a:lumOff val="35000"/>
+                  </a:schemeClr>
+                </a:solidFill>
+                <a:latin typeface="Nanum Gothic" charset="-127"/>
+                <a:ea typeface="Nanum Gothic" charset="-127"/>
+                <a:cs typeface="Nanum Gothic" charset="-127"/>
+              </a:endParaRPr>
+            </a:p>
+            <a:p>
+              <a:pPr algn="ctr"/>
+              <a:r>
+                <a:rPr lang="ko-KR" altLang="en-US" sz="1400" b="1" dirty="0" smtClean="0">
+                  <a:solidFill>
+                    <a:schemeClr val="tx1">
+                      <a:lumMod val="65000"/>
+                      <a:lumOff val="35000"/>
+                    </a:schemeClr>
+                  </a:solidFill>
+                  <a:latin typeface="Nanum Gothic" charset="-127"/>
+                  <a:ea typeface="Nanum Gothic" charset="-127"/>
+                  <a:cs typeface="Nanum Gothic" charset="-127"/>
+                </a:rPr>
+                <a:t>주향제일교회 새 예배당 입당예배에 오셔서 </a:t>
+              </a:r>
+              <a:endParaRPr lang="en-US" altLang="ko-KR" sz="1400" b="1" dirty="0" smtClean="0">
+                <a:solidFill>
+                  <a:schemeClr val="tx1">
+                    <a:lumMod val="65000"/>
+                    <a:lumOff val="35000"/>
+                  </a:schemeClr>
+                </a:solidFill>
+                <a:latin typeface="Nanum Gothic" charset="-127"/>
+                <a:ea typeface="Nanum Gothic" charset="-127"/>
+                <a:cs typeface="Nanum Gothic" charset="-127"/>
+              </a:endParaRPr>
+            </a:p>
+            <a:p>
+              <a:pPr algn="ctr"/>
+              <a:r>
+                <a:rPr lang="ko-KR" altLang="en-US" sz="1400" b="1" dirty="0" smtClean="0">
+                  <a:solidFill>
+                    <a:schemeClr val="tx1">
+                      <a:lumMod val="65000"/>
+                      <a:lumOff val="35000"/>
+                    </a:schemeClr>
+                  </a:solidFill>
+                  <a:latin typeface="Nanum Gothic" charset="-127"/>
+                  <a:ea typeface="Nanum Gothic" charset="-127"/>
+                  <a:cs typeface="Nanum Gothic" charset="-127"/>
+                </a:rPr>
+                <a:t>따뜻한 격려와</a:t>
+              </a:r>
+              <a:r>
+                <a:rPr lang="ko-KR" altLang="en-US" sz="1400" b="1" dirty="0">
+                  <a:solidFill>
+                    <a:schemeClr val="tx1">
+                      <a:lumMod val="65000"/>
+                      <a:lumOff val="35000"/>
+                    </a:schemeClr>
+                  </a:solidFill>
+                  <a:latin typeface="Nanum Gothic" charset="-127"/>
+                  <a:ea typeface="Nanum Gothic" charset="-127"/>
+                  <a:cs typeface="Nanum Gothic" charset="-127"/>
+                </a:rPr>
+                <a:t> </a:t>
+              </a:r>
+              <a:r>
+                <a:rPr lang="ko-KR" altLang="en-US" sz="1400" b="1" dirty="0" smtClean="0">
+                  <a:solidFill>
+                    <a:schemeClr val="tx1">
+                      <a:lumMod val="65000"/>
+                      <a:lumOff val="35000"/>
+                    </a:schemeClr>
+                  </a:solidFill>
+                  <a:latin typeface="Nanum Gothic" charset="-127"/>
+                  <a:ea typeface="Nanum Gothic" charset="-127"/>
+                  <a:cs typeface="Nanum Gothic" charset="-127"/>
+                </a:rPr>
+                <a:t>축하</a:t>
+              </a:r>
+              <a:r>
+                <a:rPr lang="en-US" altLang="ko-KR" sz="1400" b="1" dirty="0" smtClean="0">
+                  <a:solidFill>
+                    <a:schemeClr val="tx1">
+                      <a:lumMod val="65000"/>
+                      <a:lumOff val="35000"/>
+                    </a:schemeClr>
+                  </a:solidFill>
+                  <a:latin typeface="Nanum Gothic" charset="-127"/>
+                  <a:ea typeface="Nanum Gothic" charset="-127"/>
+                  <a:cs typeface="Nanum Gothic" charset="-127"/>
+                </a:rPr>
+                <a:t>,</a:t>
+              </a:r>
+              <a:r>
+                <a:rPr lang="ko-KR" altLang="en-US" sz="1400" b="1" dirty="0" smtClean="0">
+                  <a:solidFill>
+                    <a:schemeClr val="tx1">
+                      <a:lumMod val="65000"/>
+                      <a:lumOff val="35000"/>
+                    </a:schemeClr>
+                  </a:solidFill>
+                  <a:latin typeface="Nanum Gothic" charset="-127"/>
+                  <a:ea typeface="Nanum Gothic" charset="-127"/>
+                  <a:cs typeface="Nanum Gothic" charset="-127"/>
+                </a:rPr>
+                <a:t> 기도속에 은혜로운 예배를 드릴 수 있게 되었습니다</a:t>
+              </a:r>
+              <a:r>
+                <a:rPr lang="en-US" altLang="ko-KR" sz="1400" b="1" dirty="0" smtClean="0">
+                  <a:solidFill>
+                    <a:schemeClr val="tx1">
+                      <a:lumMod val="65000"/>
+                      <a:lumOff val="35000"/>
+                    </a:schemeClr>
+                  </a:solidFill>
+                  <a:latin typeface="Nanum Gothic" charset="-127"/>
+                  <a:ea typeface="Nanum Gothic" charset="-127"/>
+                  <a:cs typeface="Nanum Gothic" charset="-127"/>
+                </a:rPr>
+                <a:t>.</a:t>
+              </a:r>
+              <a:r>
+                <a:rPr lang="ko-KR" altLang="en-US" sz="1400" b="1" dirty="0" smtClean="0">
+                  <a:solidFill>
+                    <a:schemeClr val="tx1">
+                      <a:lumMod val="65000"/>
+                      <a:lumOff val="35000"/>
+                    </a:schemeClr>
+                  </a:solidFill>
+                  <a:latin typeface="Nanum Gothic" charset="-127"/>
+                  <a:ea typeface="Nanum Gothic" charset="-127"/>
+                  <a:cs typeface="Nanum Gothic" charset="-127"/>
+                </a:rPr>
+                <a:t> </a:t>
+              </a:r>
+              <a:endParaRPr lang="en-US" altLang="ko-KR" sz="1400" b="1" dirty="0" smtClean="0">
+                <a:solidFill>
+                  <a:schemeClr val="tx1">
+                    <a:lumMod val="65000"/>
+                    <a:lumOff val="35000"/>
+                  </a:schemeClr>
+                </a:solidFill>
+                <a:latin typeface="Nanum Gothic" charset="-127"/>
+                <a:ea typeface="Nanum Gothic" charset="-127"/>
+                <a:cs typeface="Nanum Gothic" charset="-127"/>
+              </a:endParaRPr>
+            </a:p>
+            <a:p>
+              <a:pPr algn="ctr"/>
+              <a:endParaRPr lang="en-US" altLang="ko-KR" sz="1400" b="1" dirty="0" smtClean="0">
+                <a:solidFill>
+                  <a:schemeClr val="tx1">
+                    <a:lumMod val="65000"/>
+                    <a:lumOff val="35000"/>
+                  </a:schemeClr>
+                </a:solidFill>
+                <a:latin typeface="Nanum Gothic" charset="-127"/>
+                <a:ea typeface="Nanum Gothic" charset="-127"/>
+                <a:cs typeface="Nanum Gothic" charset="-127"/>
+              </a:endParaRPr>
+            </a:p>
+            <a:p>
+              <a:pPr algn="ctr"/>
+              <a:r>
+                <a:rPr lang="ko-KR" altLang="en-US" sz="1400" b="1" dirty="0" smtClean="0">
+                  <a:solidFill>
+                    <a:schemeClr val="tx1">
+                      <a:lumMod val="95000"/>
+                      <a:lumOff val="5000"/>
+                    </a:schemeClr>
+                  </a:solidFill>
+                  <a:latin typeface="Nanum Gothic" charset="-127"/>
+                  <a:ea typeface="Nanum Gothic" charset="-127"/>
+                  <a:cs typeface="Nanum Gothic" charset="-127"/>
+                </a:rPr>
+                <a:t>함께 해 주신 모든 분들께 감사드립니다</a:t>
+              </a:r>
+              <a:r>
+                <a:rPr lang="en-US" altLang="ko-KR" sz="1400" b="1" dirty="0" smtClean="0">
+                  <a:solidFill>
+                    <a:schemeClr val="tx1">
+                      <a:lumMod val="95000"/>
+                      <a:lumOff val="5000"/>
+                    </a:schemeClr>
+                  </a:solidFill>
+                  <a:latin typeface="Nanum Gothic" charset="-127"/>
+                  <a:ea typeface="Nanum Gothic" charset="-127"/>
+                  <a:cs typeface="Nanum Gothic" charset="-127"/>
+                </a:rPr>
+                <a:t>.</a:t>
+              </a:r>
+              <a:r>
+                <a:rPr lang="ko-KR" altLang="en-US" sz="1400" b="1" dirty="0" smtClean="0">
+                  <a:solidFill>
+                    <a:schemeClr val="tx1">
+                      <a:lumMod val="95000"/>
+                      <a:lumOff val="5000"/>
+                    </a:schemeClr>
+                  </a:solidFill>
+                  <a:latin typeface="Nanum Gothic" charset="-127"/>
+                  <a:ea typeface="Nanum Gothic" charset="-127"/>
+                  <a:cs typeface="Nanum Gothic" charset="-127"/>
+                </a:rPr>
+                <a:t> </a:t>
+              </a:r>
+              <a:endParaRPr lang="en-US" altLang="ko-KR" sz="1400" b="1" dirty="0" smtClean="0">
+                <a:solidFill>
+                  <a:schemeClr val="tx1">
+                    <a:lumMod val="95000"/>
+                    <a:lumOff val="5000"/>
+                  </a:schemeClr>
+                </a:solidFill>
+                <a:latin typeface="Nanum Gothic" charset="-127"/>
+                <a:ea typeface="Nanum Gothic" charset="-127"/>
+                <a:cs typeface="Nanum Gothic" charset="-127"/>
+              </a:endParaRPr>
+            </a:p>
+          </p:txBody>
+        </p:sp>
+        <p:sp>
+          <p:nvSpPr>
+            <p:cNvPr id="2" name="직사각형 1"/>
+            <p:cNvSpPr/>
+            <p:nvPr/>
+          </p:nvSpPr>
+          <p:spPr>
+            <a:xfrm>
+              <a:off x="320718" y="3271888"/>
+              <a:ext cx="4068388" cy="307777"/>
+            </a:xfrm>
+            <a:prstGeom prst="rect">
+              <a:avLst/>
+            </a:prstGeom>
+          </p:spPr>
+          <p:txBody>
+            <a:bodyPr wrap="square">
+              <a:spAutoFit/>
+            </a:bodyPr>
+            <a:lstStyle/>
+            <a:p>
+              <a:pPr algn="ctr"/>
+              <a:r>
+                <a:rPr lang="ko-KR" altLang="en-US" sz="1400" b="1" dirty="0">
+                  <a:solidFill>
+                    <a:schemeClr val="tx1">
+                      <a:lumMod val="95000"/>
+                      <a:lumOff val="5000"/>
+                    </a:schemeClr>
+                  </a:solidFill>
+                  <a:latin typeface="Nanum Gothic" charset="-127"/>
+                  <a:ea typeface="Nanum Gothic" charset="-127"/>
+                  <a:cs typeface="Nanum Gothic" charset="-127"/>
+                </a:rPr>
+                <a:t>담임목사 하요한 및 성도일동 배상</a:t>
+              </a:r>
+              <a:endParaRPr lang="en-US" altLang="ko-KR" sz="1400" b="1" dirty="0">
+                <a:solidFill>
+                  <a:schemeClr val="tx1">
+                    <a:lumMod val="95000"/>
+                    <a:lumOff val="5000"/>
+                  </a:schemeClr>
+                </a:solidFill>
+                <a:latin typeface="Nanum Gothic" charset="-127"/>
+                <a:ea typeface="Nanum Gothic" charset="-127"/>
+                <a:cs typeface="Nanum Gothic" charset="-127"/>
+              </a:endParaRPr>
+            </a:p>
+          </p:txBody>
+        </p:sp>
+        <p:sp>
+          <p:nvSpPr>
+            <p:cNvPr id="3" name="직사각형 2"/>
+            <p:cNvSpPr/>
+            <p:nvPr/>
+          </p:nvSpPr>
+          <p:spPr>
+            <a:xfrm>
+              <a:off x="1585610" y="2744395"/>
+              <a:ext cx="1338828" cy="338554"/>
+            </a:xfrm>
+            <a:prstGeom prst="rect">
+              <a:avLst/>
+            </a:prstGeom>
+          </p:spPr>
+          <p:txBody>
+            <a:bodyPr wrap="none">
+              <a:spAutoFit/>
+            </a:bodyPr>
+            <a:lstStyle/>
+            <a:p>
+              <a:pPr algn="ctr"/>
+              <a:r>
+                <a:rPr lang="ko-KR" altLang="en-US" sz="1600" b="1" dirty="0">
+                  <a:solidFill>
+                    <a:schemeClr val="accent2">
+                      <a:lumMod val="50000"/>
+                    </a:schemeClr>
+                  </a:solidFill>
+                  <a:latin typeface="Nanum Gothic ExtraBold" charset="-127"/>
+                  <a:ea typeface="Nanum Gothic ExtraBold" charset="-127"/>
+                  <a:cs typeface="Nanum Gothic ExtraBold" charset="-127"/>
+                </a:rPr>
+                <a:t>주향제일교회</a:t>
+              </a:r>
+              <a:endParaRPr lang="en-US" altLang="ko-KR" sz="1600" b="1" dirty="0">
+                <a:solidFill>
+                  <a:schemeClr val="accent2">
+                    <a:lumMod val="50000"/>
+                  </a:schemeClr>
+                </a:solidFill>
+                <a:latin typeface="Nanum Gothic ExtraBold" charset="-127"/>
+                <a:ea typeface="Nanum Gothic ExtraBold" charset="-127"/>
+                <a:cs typeface="Nanum Gothic ExtraBold" charset="-127"/>
+              </a:endParaRPr>
+            </a:p>
+          </p:txBody>
+        </p:sp>
+        <p:cxnSp>
+          <p:nvCxnSpPr>
+            <p:cNvPr id="14" name="직선 연결선 14"/>
+            <p:cNvCxnSpPr/>
+            <p:nvPr/>
+          </p:nvCxnSpPr>
+          <p:spPr>
+            <a:xfrm>
+              <a:off x="4672013" y="10114"/>
+              <a:ext cx="0" cy="3955358"/>
+            </a:xfrm>
+            <a:prstGeom prst="line">
+              <a:avLst/>
+            </a:prstGeom>
+            <a:ln>
+              <a:prstDash val="solid"/>
+            </a:ln>
+          </p:spPr>
+          <p:style>
+            <a:lnRef idx="1">
+              <a:schemeClr val="accent1"/>
+            </a:lnRef>
+            <a:fillRef idx="0">
+              <a:schemeClr val="accent1"/>
+            </a:fillRef>
+            <a:effectRef idx="0">
+              <a:schemeClr val="accent1"/>
+            </a:effectRef>
+            <a:fontRef idx="minor">
+              <a:schemeClr val="tx1"/>
+            </a:fontRef>
+          </p:style>
+        </p:cxnSp>
+        <p:cxnSp>
+          <p:nvCxnSpPr>
+            <p:cNvPr id="17" name="직선 연결선 15"/>
+            <p:cNvCxnSpPr/>
+            <p:nvPr/>
+          </p:nvCxnSpPr>
+          <p:spPr>
+            <a:xfrm>
+              <a:off x="63500" y="10114"/>
+              <a:ext cx="0" cy="3955358"/>
+            </a:xfrm>
+            <a:prstGeom prst="line">
+              <a:avLst/>
+            </a:prstGeom>
+            <a:ln w="9525">
+              <a:prstDash val="solid"/>
+            </a:ln>
+          </p:spPr>
+          <p:style>
+            <a:lnRef idx="1">
+              <a:schemeClr val="accent1"/>
+            </a:lnRef>
+            <a:fillRef idx="0">
+              <a:schemeClr val="accent1"/>
+            </a:fillRef>
+            <a:effectRef idx="0">
+              <a:schemeClr val="accent1"/>
+            </a:effectRef>
+            <a:fontRef idx="minor">
+              <a:schemeClr val="tx1"/>
+            </a:fontRef>
+          </p:style>
+        </p:cxnSp>
+        <p:cxnSp>
+          <p:nvCxnSpPr>
+            <p:cNvPr id="19" name="직선 연결선[R] 18"/>
+            <p:cNvCxnSpPr/>
+            <p:nvPr/>
+          </p:nvCxnSpPr>
+          <p:spPr>
+            <a:xfrm>
+              <a:off x="0" y="3920867"/>
+              <a:ext cx="4733925" cy="0"/>
+            </a:xfrm>
+            <a:prstGeom prst="line">
+              <a:avLst/>
+            </a:prstGeom>
+            <a:ln w="9525">
+              <a:prstDash val="solid"/>
+            </a:ln>
+          </p:spPr>
+          <p:style>
+            <a:lnRef idx="1">
+              <a:schemeClr val="accent1"/>
+            </a:lnRef>
+            <a:fillRef idx="0">
+              <a:schemeClr val="accent1"/>
+            </a:fillRef>
+            <a:effectRef idx="0">
+              <a:schemeClr val="accent1"/>
+            </a:effectRef>
+            <a:fontRef idx="minor">
+              <a:schemeClr val="tx1"/>
+            </a:fontRef>
+          </p:style>
+        </p:cxnSp>
+        <p:cxnSp>
+          <p:nvCxnSpPr>
+            <p:cNvPr id="21" name="직선 연결선[R] 20"/>
+            <p:cNvCxnSpPr/>
+            <p:nvPr/>
+          </p:nvCxnSpPr>
+          <p:spPr>
+            <a:xfrm>
+              <a:off x="2478" y="3965472"/>
+              <a:ext cx="4733925" cy="0"/>
+            </a:xfrm>
+            <a:prstGeom prst="line">
+              <a:avLst/>
+            </a:prstGeom>
+            <a:ln w="9525">
+              <a:prstDash val="solid"/>
+            </a:ln>
+          </p:spPr>
+          <p:style>
+            <a:lnRef idx="1">
+              <a:schemeClr val="accent1"/>
+            </a:lnRef>
+            <a:fillRef idx="0">
+              <a:schemeClr val="accent1"/>
+            </a:fillRef>
+            <a:effectRef idx="0">
+              <a:schemeClr val="accent1"/>
+            </a:effectRef>
+            <a:fontRef idx="minor">
+              <a:schemeClr val="tx1"/>
+            </a:fontRef>
+          </p:style>
+        </p:cxnSp>
+        <p:cxnSp>
+          <p:nvCxnSpPr>
+            <p:cNvPr id="22" name="직선 연결선[R] 21"/>
+            <p:cNvCxnSpPr/>
+            <p:nvPr/>
+          </p:nvCxnSpPr>
+          <p:spPr>
+            <a:xfrm>
+              <a:off x="0" y="11171"/>
+              <a:ext cx="4733925" cy="0"/>
+            </a:xfrm>
+            <a:prstGeom prst="line">
+              <a:avLst/>
+            </a:prstGeom>
+            <a:ln w="9525">
+              <a:prstDash val="solid"/>
+            </a:ln>
+          </p:spPr>
+          <p:style>
+            <a:lnRef idx="1">
+              <a:schemeClr val="accent1"/>
+            </a:lnRef>
+            <a:fillRef idx="0">
+              <a:schemeClr val="accent1"/>
+            </a:fillRef>
+            <a:effectRef idx="0">
+              <a:schemeClr val="accent1"/>
+            </a:effectRef>
+            <a:fontRef idx="minor">
+              <a:schemeClr val="tx1"/>
+            </a:fontRef>
+          </p:style>
+        </p:cxnSp>
+        <p:cxnSp>
+          <p:nvCxnSpPr>
+            <p:cNvPr id="23" name="직선 연결선[R] 22"/>
+            <p:cNvCxnSpPr/>
+            <p:nvPr/>
+          </p:nvCxnSpPr>
+          <p:spPr>
+            <a:xfrm>
+              <a:off x="2478" y="55776"/>
+              <a:ext cx="4733925" cy="0"/>
+            </a:xfrm>
+            <a:prstGeom prst="line">
+              <a:avLst/>
+            </a:prstGeom>
+            <a:ln w="9525">
+              <a:prstDash val="solid"/>
+            </a:ln>
+          </p:spPr>
+          <p:style>
+            <a:lnRef idx="1">
+              <a:schemeClr val="accent1"/>
+            </a:lnRef>
+            <a:fillRef idx="0">
+              <a:schemeClr val="accent1"/>
+            </a:fillRef>
+            <a:effectRef idx="0">
+              <a:schemeClr val="accent1"/>
+            </a:effectRef>
+            <a:fontRef idx="minor">
+              <a:schemeClr val="tx1"/>
+            </a:fontRef>
+          </p:style>
+        </p:cxnSp>
+      </p:grpSp>
+    </p:spTree>
+    <p:extLst>
+      <p:ext uri="{BB962C8B-B14F-4D97-AF65-F5344CB8AC3E}">
+        <p14:creationId xmlns:p14="http://schemas.microsoft.com/office/powerpoint/2010/main" val="464949591"/>
+      </p:ext>
+    </p:extLst>
+  </p:cSld>
+  <p:clrMapOvr>
+    <a:masterClrMapping/>
+  </p:clrMapOvr>
+</p:sld>
+</file>
+
+<file path=ppt/slides/slide5.xml><?xml version="1.0" encoding="utf-8"?>
 <p:sld xmlns:a="http://schemas.openxmlformats.org/drawingml/2006/main" xmlns:r="http://schemas.openxmlformats.org/officeDocument/2006/relationships" xmlns:p="http://schemas.openxmlformats.org/presentationml/2006/main" showMasterSp="0">
   <p:cSld>
     <p:spTree>
@@ -10000,7 +10917,7 @@
 </p:sld>
 </file>
 
-<file path=ppt/slides/slide5.xml><?xml version="1.0" encoding="utf-8"?>
+<file path=ppt/slides/slide6.xml><?xml version="1.0" encoding="utf-8"?>
 <p:sld xmlns:a="http://schemas.openxmlformats.org/drawingml/2006/main" xmlns:r="http://schemas.openxmlformats.org/officeDocument/2006/relationships" xmlns:p="http://schemas.openxmlformats.org/presentationml/2006/main" showMasterSp="0">
   <p:cSld>
     <p:spTree>
@@ -10756,7 +11673,7 @@
 </p:sld>
 </file>
 
-<file path=ppt/slides/slide6.xml><?xml version="1.0" encoding="utf-8"?>
+<file path=ppt/slides/slide7.xml><?xml version="1.0" encoding="utf-8"?>
 <p:sld xmlns:a="http://schemas.openxmlformats.org/drawingml/2006/main" xmlns:r="http://schemas.openxmlformats.org/officeDocument/2006/relationships" xmlns:p="http://schemas.openxmlformats.org/presentationml/2006/main">
   <p:cSld>
     <p:spTree>
@@ -10786,7 +11703,7 @@
 </p:sld>
 </file>
 
-<file path=ppt/slides/slide7.xml><?xml version="1.0" encoding="utf-8"?>
+<file path=ppt/slides/slide8.xml><?xml version="1.0" encoding="utf-8"?>
 <p:sld xmlns:a="http://schemas.openxmlformats.org/drawingml/2006/main" xmlns:r="http://schemas.openxmlformats.org/officeDocument/2006/relationships" xmlns:p="http://schemas.openxmlformats.org/presentationml/2006/main">
   <p:cSld>
     <p:spTree>
@@ -10903,7 +11820,7 @@
 </p:sld>
 </file>
 
-<file path=ppt/slides/slide8.xml><?xml version="1.0" encoding="utf-8"?>
+<file path=ppt/slides/slide9.xml><?xml version="1.0" encoding="utf-8"?>
 <p:sld xmlns:a="http://schemas.openxmlformats.org/drawingml/2006/main" xmlns:r="http://schemas.openxmlformats.org/officeDocument/2006/relationships" xmlns:p="http://schemas.openxmlformats.org/presentationml/2006/main">
   <p:cSld>
     <p:spTree>
@@ -11688,7 +12605,31 @@
       </a:bgFillStyleLst>
     </a:fmtScheme>
   </a:themeElements>
-  <a:objectDefaults/>
+  <a:objectDefaults>
+    <a:lnDef>
+      <a:spPr>
+        <a:ln w="9525">
+          <a:prstDash val="solid"/>
+        </a:ln>
+      </a:spPr>
+      <a:bodyPr/>
+      <a:lstStyle/>
+      <a:style>
+        <a:lnRef idx="1">
+          <a:schemeClr val="accent1"/>
+        </a:lnRef>
+        <a:fillRef idx="0">
+          <a:schemeClr val="accent1"/>
+        </a:fillRef>
+        <a:effectRef idx="0">
+          <a:schemeClr val="accent1"/>
+        </a:effectRef>
+        <a:fontRef idx="minor">
+          <a:schemeClr val="tx1"/>
+        </a:fontRef>
+      </a:style>
+    </a:lnDef>
+  </a:objectDefaults>
   <a:extraClrSchemeLst/>
   <a:extLst>
     <a:ext uri="{05A4C25C-085E-4340-85A3-A5531E510DB2}">

--- a/doc/프레젠테이션1.pptx
+++ b/doc/프레젠테이션1.pptx
@@ -10,11 +10,12 @@
     <p:sldId id="260" r:id="rId4"/>
     <p:sldId id="263" r:id="rId5"/>
     <p:sldId id="266" r:id="rId6"/>
-    <p:sldId id="262" r:id="rId7"/>
-    <p:sldId id="264" r:id="rId8"/>
-    <p:sldId id="261" r:id="rId9"/>
-    <p:sldId id="257" r:id="rId10"/>
-    <p:sldId id="259" r:id="rId11"/>
+    <p:sldId id="267" r:id="rId7"/>
+    <p:sldId id="262" r:id="rId8"/>
+    <p:sldId id="264" r:id="rId9"/>
+    <p:sldId id="261" r:id="rId10"/>
+    <p:sldId id="257" r:id="rId11"/>
+    <p:sldId id="259" r:id="rId12"/>
   </p:sldIdLst>
   <p:sldSz cx="4733925" cy="6804025"/>
   <p:notesSz cx="6858000" cy="9144000"/>
@@ -122,6 +123,7 @@
             <p14:sldId id="260"/>
             <p14:sldId id="263"/>
             <p14:sldId id="266"/>
+            <p14:sldId id="267"/>
             <p14:sldId id="262"/>
             <p14:sldId id="264"/>
             <p14:sldId id="261"/>
@@ -7816,6 +7818,259 @@
 </p:sld>
 </file>
 
+<file path=ppt/slides/slide10.xml><?xml version="1.0" encoding="utf-8"?>
+<p:sld xmlns:a="http://schemas.openxmlformats.org/drawingml/2006/main" xmlns:r="http://schemas.openxmlformats.org/officeDocument/2006/relationships" xmlns:p="http://schemas.openxmlformats.org/presentationml/2006/main">
+  <p:cSld>
+    <p:spTree>
+      <p:nvGrpSpPr>
+        <p:cNvPr id="1" name=""/>
+        <p:cNvGrpSpPr/>
+        <p:nvPr/>
+      </p:nvGrpSpPr>
+      <p:grpSpPr>
+        <a:xfrm>
+          <a:off x="0" y="0"/>
+          <a:ext cx="0" cy="0"/>
+          <a:chOff x="0" y="0"/>
+          <a:chExt cx="0" cy="0"/>
+        </a:xfrm>
+      </p:grpSpPr>
+      <p:sp>
+        <p:nvSpPr>
+          <p:cNvPr id="4" name="Rectangle 21"/>
+          <p:cNvSpPr/>
+          <p:nvPr/>
+        </p:nvSpPr>
+        <p:spPr>
+          <a:xfrm>
+            <a:off x="129963" y="825936"/>
+            <a:ext cx="4474003" cy="612137"/>
+          </a:xfrm>
+          <a:prstGeom prst="rect">
+            <a:avLst/>
+          </a:prstGeom>
+          <a:blipFill dpi="0" rotWithShape="1">
+            <a:blip r:embed="rId2">
+              <a:alphaModFix amt="45000"/>
+              <a:duotone>
+                <a:schemeClr val="accent2">
+                  <a:shade val="45000"/>
+                  <a:satMod val="135000"/>
+                </a:schemeClr>
+                <a:prstClr val="white"/>
+              </a:duotone>
+            </a:blip>
+            <a:srcRect/>
+            <a:tile tx="-44450" ty="38100" sx="85000" sy="85000" flip="none" algn="tl"/>
+          </a:blipFill>
+          <a:ln>
+            <a:noFill/>
+          </a:ln>
+        </p:spPr>
+        <p:style>
+          <a:lnRef idx="2">
+            <a:schemeClr val="accent1">
+              <a:shade val="50000"/>
+            </a:schemeClr>
+          </a:lnRef>
+          <a:fillRef idx="1">
+            <a:schemeClr val="accent1"/>
+          </a:fillRef>
+          <a:effectRef idx="0">
+            <a:schemeClr val="accent1"/>
+          </a:effectRef>
+          <a:fontRef idx="minor">
+            <a:schemeClr val="lt1"/>
+          </a:fontRef>
+        </p:style>
+      </p:sp>
+      <p:sp>
+        <p:nvSpPr>
+          <p:cNvPr id="5" name="Rectangle 21"/>
+          <p:cNvSpPr/>
+          <p:nvPr/>
+        </p:nvSpPr>
+        <p:spPr>
+          <a:xfrm>
+            <a:off x="129963" y="2579832"/>
+            <a:ext cx="4474003" cy="822183"/>
+          </a:xfrm>
+          <a:prstGeom prst="rect">
+            <a:avLst/>
+          </a:prstGeom>
+          <a:blipFill dpi="0" rotWithShape="1">
+            <a:blip r:embed="rId2">
+              <a:alphaModFix amt="45000"/>
+              <a:duotone>
+                <a:schemeClr val="accent2">
+                  <a:shade val="45000"/>
+                  <a:satMod val="135000"/>
+                </a:schemeClr>
+                <a:prstClr val="white"/>
+              </a:duotone>
+            </a:blip>
+            <a:srcRect/>
+            <a:tile tx="-44450" ty="38100" sx="85000" sy="85000" flip="none" algn="tl"/>
+          </a:blipFill>
+          <a:ln>
+            <a:noFill/>
+          </a:ln>
+        </p:spPr>
+        <p:style>
+          <a:lnRef idx="2">
+            <a:schemeClr val="accent1">
+              <a:shade val="50000"/>
+            </a:schemeClr>
+          </a:lnRef>
+          <a:fillRef idx="1">
+            <a:schemeClr val="accent1"/>
+          </a:fillRef>
+          <a:effectRef idx="0">
+            <a:schemeClr val="accent1"/>
+          </a:effectRef>
+          <a:fontRef idx="minor">
+            <a:schemeClr val="lt1"/>
+          </a:fontRef>
+        </p:style>
+      </p:sp>
+      <p:sp>
+        <p:nvSpPr>
+          <p:cNvPr id="8" name="제목 7"/>
+          <p:cNvSpPr>
+            <a:spLocks noGrp="1"/>
+          </p:cNvSpPr>
+          <p:nvPr>
+            <p:ph type="title"/>
+          </p:nvPr>
+        </p:nvSpPr>
+        <p:spPr/>
+        <p:txBody>
+          <a:bodyPr/>
+          <a:lstStyle/>
+          <a:p>
+            <a:endParaRPr lang="ko-KR" altLang="en-US"/>
+          </a:p>
+        </p:txBody>
+      </p:sp>
+      <p:sp>
+        <p:nvSpPr>
+          <p:cNvPr id="9" name="직사각형 8"/>
+          <p:cNvSpPr/>
+          <p:nvPr/>
+        </p:nvSpPr>
+        <p:spPr>
+          <a:xfrm>
+            <a:off x="228986" y="2653345"/>
+            <a:ext cx="4266955" cy="684153"/>
+          </a:xfrm>
+          <a:prstGeom prst="rect">
+            <a:avLst/>
+          </a:prstGeom>
+          <a:solidFill>
+            <a:schemeClr val="bg1">
+              <a:alpha val="67000"/>
+            </a:schemeClr>
+          </a:solidFill>
+          <a:ln>
+            <a:solidFill>
+              <a:schemeClr val="bg1"/>
+            </a:solidFill>
+          </a:ln>
+        </p:spPr>
+        <p:style>
+          <a:lnRef idx="2">
+            <a:schemeClr val="accent1">
+              <a:shade val="50000"/>
+            </a:schemeClr>
+          </a:lnRef>
+          <a:fillRef idx="1">
+            <a:schemeClr val="accent1"/>
+          </a:fillRef>
+          <a:effectRef idx="0">
+            <a:schemeClr val="accent1"/>
+          </a:effectRef>
+          <a:fontRef idx="minor">
+            <a:schemeClr val="lt1"/>
+          </a:fontRef>
+        </p:style>
+        <p:txBody>
+          <a:bodyPr rtlCol="0" anchor="ctr"/>
+          <a:lstStyle/>
+          <a:p>
+            <a:pPr algn="ctr"/>
+            <a:endParaRPr lang="ko-KR" altLang="en-US" sz="1701"/>
+          </a:p>
+        </p:txBody>
+      </p:sp>
+      <p:sp>
+        <p:nvSpPr>
+          <p:cNvPr id="10" name="직사각형 9"/>
+          <p:cNvSpPr/>
+          <p:nvPr/>
+        </p:nvSpPr>
+        <p:spPr>
+          <a:xfrm>
+            <a:off x="264991" y="2717861"/>
+            <a:ext cx="4194940" cy="583630"/>
+          </a:xfrm>
+          <a:prstGeom prst="rect">
+            <a:avLst/>
+          </a:prstGeom>
+          <a:solidFill>
+            <a:schemeClr val="bg1"/>
+          </a:solidFill>
+          <a:ln>
+            <a:solidFill>
+              <a:schemeClr val="bg1">
+                <a:lumMod val="50000"/>
+              </a:schemeClr>
+            </a:solidFill>
+            <a:prstDash val="sysDash"/>
+          </a:ln>
+        </p:spPr>
+        <p:style>
+          <a:lnRef idx="0">
+            <a:scrgbClr r="0" g="0" b="0"/>
+          </a:lnRef>
+          <a:fillRef idx="0">
+            <a:scrgbClr r="0" g="0" b="0"/>
+          </a:fillRef>
+          <a:effectRef idx="0">
+            <a:scrgbClr r="0" g="0" b="0"/>
+          </a:effectRef>
+          <a:fontRef idx="minor">
+            <a:schemeClr val="dk1"/>
+          </a:fontRef>
+        </p:style>
+        <p:txBody>
+          <a:bodyPr rtlCol="0" anchor="ctr"/>
+          <a:lstStyle/>
+          <a:p>
+            <a:pPr algn="ctr"/>
+            <a:r>
+              <a:rPr lang="ko-KR" altLang="en-US" sz="1701" dirty="0" err="1"/>
+              <a:t>입당예배에</a:t>
+            </a:r>
+            <a:r>
+              <a:rPr lang="ko-KR" altLang="en-US" sz="1701" dirty="0"/>
+              <a:t> 초대합니다</a:t>
+            </a:r>
+          </a:p>
+        </p:txBody>
+      </p:sp>
+    </p:spTree>
+    <p:extLst>
+      <p:ext uri="{BB962C8B-B14F-4D97-AF65-F5344CB8AC3E}">
+        <p14:creationId xmlns:p14="http://schemas.microsoft.com/office/powerpoint/2010/main" val="131072309"/>
+      </p:ext>
+    </p:extLst>
+  </p:cSld>
+  <p:clrMapOvr>
+    <a:masterClrMapping/>
+  </p:clrMapOvr>
+</p:sld>
+</file>
+
 <file path=ppt/slides/slide2.xml><?xml version="1.0" encoding="utf-8"?>
 <p:sld xmlns:a="http://schemas.openxmlformats.org/drawingml/2006/main" xmlns:r="http://schemas.openxmlformats.org/officeDocument/2006/relationships" xmlns:p="http://schemas.openxmlformats.org/presentationml/2006/main">
   <p:cSld>
@@ -9978,6 +10233,560 @@
 </file>
 
 <file path=ppt/slides/slide5.xml><?xml version="1.0" encoding="utf-8"?>
+<p:sld xmlns:a="http://schemas.openxmlformats.org/drawingml/2006/main" xmlns:r="http://schemas.openxmlformats.org/officeDocument/2006/relationships" xmlns:p="http://schemas.openxmlformats.org/presentationml/2006/main">
+  <p:cSld>
+    <p:spTree>
+      <p:nvGrpSpPr>
+        <p:cNvPr id="1" name=""/>
+        <p:cNvGrpSpPr/>
+        <p:nvPr/>
+      </p:nvGrpSpPr>
+      <p:grpSpPr>
+        <a:xfrm>
+          <a:off x="0" y="0"/>
+          <a:ext cx="0" cy="0"/>
+          <a:chOff x="0" y="0"/>
+          <a:chExt cx="0" cy="0"/>
+        </a:xfrm>
+      </p:grpSpPr>
+      <p:grpSp>
+        <p:nvGrpSpPr>
+          <p:cNvPr id="7" name="그룹 6"/>
+          <p:cNvGrpSpPr/>
+          <p:nvPr/>
+        </p:nvGrpSpPr>
+        <p:grpSpPr>
+          <a:xfrm>
+            <a:off x="242980" y="372349"/>
+            <a:ext cx="4175125" cy="766463"/>
+            <a:chOff x="269562" y="3901052"/>
+            <a:chExt cx="4175125" cy="726321"/>
+          </a:xfrm>
+        </p:grpSpPr>
+        <p:sp>
+          <p:nvSpPr>
+            <p:cNvPr id="5" name="직사각형 4"/>
+            <p:cNvSpPr/>
+            <p:nvPr/>
+          </p:nvSpPr>
+          <p:spPr>
+            <a:xfrm>
+              <a:off x="269562" y="4021022"/>
+              <a:ext cx="4175125" cy="523220"/>
+            </a:xfrm>
+            <a:prstGeom prst="rect">
+              <a:avLst/>
+            </a:prstGeom>
+          </p:spPr>
+          <p:txBody>
+            <a:bodyPr wrap="square">
+              <a:spAutoFit/>
+            </a:bodyPr>
+            <a:lstStyle/>
+            <a:p>
+              <a:pPr algn="ctr"/>
+              <a:r>
+                <a:rPr lang="ko-KR" altLang="en-US" sz="2800" b="1" dirty="0" smtClean="0">
+                  <a:solidFill>
+                    <a:schemeClr val="tx1">
+                      <a:lumMod val="75000"/>
+                      <a:lumOff val="25000"/>
+                    </a:schemeClr>
+                  </a:solidFill>
+                  <a:latin typeface="Nanum Brush Script" charset="-127"/>
+                  <a:ea typeface="Nanum Brush Script" charset="-127"/>
+                  <a:cs typeface="Nanum Brush Script" charset="-127"/>
+                </a:rPr>
+                <a:t>감사합니다</a:t>
+              </a:r>
+              <a:r>
+                <a:rPr lang="en-US" altLang="ko-KR" sz="2800" b="1" dirty="0" smtClean="0">
+                  <a:solidFill>
+                    <a:schemeClr val="tx1">
+                      <a:lumMod val="75000"/>
+                      <a:lumOff val="25000"/>
+                    </a:schemeClr>
+                  </a:solidFill>
+                  <a:latin typeface="함초롬바탕" panose="02030504000101010101" pitchFamily="18" charset="-127"/>
+                  <a:ea typeface="함초롬바탕" panose="02030504000101010101" pitchFamily="18" charset="-127"/>
+                  <a:cs typeface="함초롬바탕" panose="02030504000101010101" pitchFamily="18" charset="-127"/>
+                </a:rPr>
+                <a:t>.</a:t>
+              </a:r>
+              <a:r>
+                <a:rPr lang="ko-KR" altLang="en-US" sz="2800" b="1" dirty="0" smtClean="0">
+                  <a:solidFill>
+                    <a:schemeClr val="tx1">
+                      <a:lumMod val="75000"/>
+                      <a:lumOff val="25000"/>
+                    </a:schemeClr>
+                  </a:solidFill>
+                  <a:latin typeface="함초롬바탕" panose="02030504000101010101" pitchFamily="18" charset="-127"/>
+                  <a:ea typeface="함초롬바탕" panose="02030504000101010101" pitchFamily="18" charset="-127"/>
+                  <a:cs typeface="함초롬바탕" panose="02030504000101010101" pitchFamily="18" charset="-127"/>
+                </a:rPr>
+                <a:t> </a:t>
+              </a:r>
+              <a:endParaRPr lang="en-US" altLang="ko-KR" sz="2800" b="1" dirty="0">
+                <a:solidFill>
+                  <a:schemeClr val="tx1">
+                    <a:lumMod val="75000"/>
+                    <a:lumOff val="25000"/>
+                  </a:schemeClr>
+                </a:solidFill>
+                <a:latin typeface="함초롬바탕" panose="02030504000101010101" pitchFamily="18" charset="-127"/>
+                <a:ea typeface="함초롬바탕" panose="02030504000101010101" pitchFamily="18" charset="-127"/>
+                <a:cs typeface="함초롬바탕" panose="02030504000101010101" pitchFamily="18" charset="-127"/>
+              </a:endParaRPr>
+            </a:p>
+          </p:txBody>
+        </p:sp>
+        <p:sp>
+          <p:nvSpPr>
+            <p:cNvPr id="11" name="1/2 액자 10"/>
+            <p:cNvSpPr/>
+            <p:nvPr/>
+          </p:nvSpPr>
+          <p:spPr>
+            <a:xfrm>
+              <a:off x="1101752" y="3901052"/>
+              <a:ext cx="596839" cy="459075"/>
+            </a:xfrm>
+            <a:prstGeom prst="halfFrame">
+              <a:avLst>
+                <a:gd name="adj1" fmla="val 2713"/>
+                <a:gd name="adj2" fmla="val 3510"/>
+              </a:avLst>
+            </a:prstGeom>
+          </p:spPr>
+          <p:style>
+            <a:lnRef idx="2">
+              <a:schemeClr val="accent1">
+                <a:shade val="50000"/>
+              </a:schemeClr>
+            </a:lnRef>
+            <a:fillRef idx="1">
+              <a:schemeClr val="accent1"/>
+            </a:fillRef>
+            <a:effectRef idx="0">
+              <a:schemeClr val="accent1"/>
+            </a:effectRef>
+            <a:fontRef idx="minor">
+              <a:schemeClr val="lt1"/>
+            </a:fontRef>
+          </p:style>
+          <p:txBody>
+            <a:bodyPr rot="0" spcFirstLastPara="0" vertOverflow="overflow" horzOverflow="overflow" vert="horz" wrap="square" lIns="86419" tIns="43210" rIns="86419" bIns="43210" numCol="1" spcCol="0" rtlCol="0" fromWordArt="0" anchor="ctr" anchorCtr="0" forceAA="0" compatLnSpc="1">
+              <a:prstTxWarp prst="textNoShape">
+                <a:avLst/>
+              </a:prstTxWarp>
+              <a:noAutofit/>
+            </a:bodyPr>
+            <a:lstStyle/>
+            <a:p>
+              <a:pPr algn="ctr"/>
+              <a:endParaRPr lang="ko-KR" altLang="en-US" sz="1701">
+                <a:solidFill>
+                  <a:schemeClr val="tx1"/>
+                </a:solidFill>
+              </a:endParaRPr>
+            </a:p>
+          </p:txBody>
+        </p:sp>
+        <p:sp>
+          <p:nvSpPr>
+            <p:cNvPr id="12" name="1/2 액자 11"/>
+            <p:cNvSpPr/>
+            <p:nvPr/>
+          </p:nvSpPr>
+          <p:spPr>
+            <a:xfrm rot="10800000">
+              <a:off x="2850134" y="4263450"/>
+              <a:ext cx="598964" cy="363923"/>
+            </a:xfrm>
+            <a:prstGeom prst="halfFrame">
+              <a:avLst>
+                <a:gd name="adj1" fmla="val 2713"/>
+                <a:gd name="adj2" fmla="val 3510"/>
+              </a:avLst>
+            </a:prstGeom>
+          </p:spPr>
+          <p:style>
+            <a:lnRef idx="2">
+              <a:schemeClr val="accent1">
+                <a:shade val="50000"/>
+              </a:schemeClr>
+            </a:lnRef>
+            <a:fillRef idx="1">
+              <a:schemeClr val="accent1"/>
+            </a:fillRef>
+            <a:effectRef idx="0">
+              <a:schemeClr val="accent1"/>
+            </a:effectRef>
+            <a:fontRef idx="minor">
+              <a:schemeClr val="lt1"/>
+            </a:fontRef>
+          </p:style>
+          <p:txBody>
+            <a:bodyPr rot="0" spcFirstLastPara="0" vertOverflow="overflow" horzOverflow="overflow" vert="horz" wrap="square" lIns="86419" tIns="43210" rIns="86419" bIns="43210" numCol="1" spcCol="0" rtlCol="0" fromWordArt="0" anchor="ctr" anchorCtr="0" forceAA="0" compatLnSpc="1">
+              <a:prstTxWarp prst="textNoShape">
+                <a:avLst/>
+              </a:prstTxWarp>
+              <a:noAutofit/>
+            </a:bodyPr>
+            <a:lstStyle/>
+            <a:p>
+              <a:pPr algn="ctr"/>
+              <a:endParaRPr lang="ko-KR" altLang="en-US" sz="1701">
+                <a:solidFill>
+                  <a:schemeClr val="tx1"/>
+                </a:solidFill>
+              </a:endParaRPr>
+            </a:p>
+          </p:txBody>
+        </p:sp>
+      </p:grpSp>
+      <p:sp>
+        <p:nvSpPr>
+          <p:cNvPr id="3" name="직사각형 2"/>
+          <p:cNvSpPr/>
+          <p:nvPr/>
+        </p:nvSpPr>
+        <p:spPr>
+          <a:xfrm>
+            <a:off x="1642345" y="1477611"/>
+            <a:ext cx="1338828" cy="357265"/>
+          </a:xfrm>
+          <a:prstGeom prst="rect">
+            <a:avLst/>
+          </a:prstGeom>
+        </p:spPr>
+        <p:txBody>
+          <a:bodyPr wrap="none">
+            <a:spAutoFit/>
+          </a:bodyPr>
+          <a:lstStyle/>
+          <a:p>
+            <a:pPr algn="ctr"/>
+            <a:r>
+              <a:rPr lang="ko-KR" altLang="en-US" sz="1600" b="1" dirty="0">
+                <a:solidFill>
+                  <a:schemeClr val="accent2">
+                    <a:lumMod val="50000"/>
+                  </a:schemeClr>
+                </a:solidFill>
+                <a:latin typeface="Nanum Gothic ExtraBold" charset="-127"/>
+                <a:ea typeface="Nanum Gothic ExtraBold" charset="-127"/>
+                <a:cs typeface="Nanum Gothic ExtraBold" charset="-127"/>
+              </a:rPr>
+              <a:t>주향제일교회</a:t>
+            </a:r>
+            <a:endParaRPr lang="en-US" altLang="ko-KR" sz="1600" b="1" dirty="0">
+              <a:solidFill>
+                <a:schemeClr val="accent2">
+                  <a:lumMod val="50000"/>
+                </a:schemeClr>
+              </a:solidFill>
+              <a:latin typeface="Nanum Gothic ExtraBold" charset="-127"/>
+              <a:ea typeface="Nanum Gothic ExtraBold" charset="-127"/>
+              <a:cs typeface="Nanum Gothic ExtraBold" charset="-127"/>
+            </a:endParaRPr>
+          </a:p>
+        </p:txBody>
+      </p:sp>
+      <p:grpSp>
+        <p:nvGrpSpPr>
+          <p:cNvPr id="4" name="그룹 3"/>
+          <p:cNvGrpSpPr/>
+          <p:nvPr/>
+        </p:nvGrpSpPr>
+        <p:grpSpPr>
+          <a:xfrm>
+            <a:off x="0" y="10114"/>
+            <a:ext cx="4736403" cy="2057756"/>
+            <a:chOff x="0" y="10113"/>
+            <a:chExt cx="4736403" cy="4230933"/>
+          </a:xfrm>
+        </p:grpSpPr>
+        <p:cxnSp>
+          <p:nvCxnSpPr>
+            <p:cNvPr id="15" name="직선 연결선 14"/>
+            <p:cNvCxnSpPr/>
+            <p:nvPr/>
+          </p:nvCxnSpPr>
+          <p:spPr>
+            <a:xfrm>
+              <a:off x="4640115" y="10113"/>
+              <a:ext cx="0" cy="4173959"/>
+            </a:xfrm>
+            <a:prstGeom prst="line">
+              <a:avLst/>
+            </a:prstGeom>
+            <a:ln>
+              <a:prstDash val="sysDash"/>
+            </a:ln>
+          </p:spPr>
+          <p:style>
+            <a:lnRef idx="1">
+              <a:schemeClr val="accent1"/>
+            </a:lnRef>
+            <a:fillRef idx="0">
+              <a:schemeClr val="accent1"/>
+            </a:fillRef>
+            <a:effectRef idx="0">
+              <a:schemeClr val="accent1"/>
+            </a:effectRef>
+            <a:fontRef idx="minor">
+              <a:schemeClr val="tx1"/>
+            </a:fontRef>
+          </p:style>
+        </p:cxnSp>
+        <p:cxnSp>
+          <p:nvCxnSpPr>
+            <p:cNvPr id="16" name="직선 연결선 15"/>
+            <p:cNvCxnSpPr/>
+            <p:nvPr/>
+          </p:nvCxnSpPr>
+          <p:spPr>
+            <a:xfrm>
+              <a:off x="106030" y="10661"/>
+              <a:ext cx="0" cy="4173411"/>
+            </a:xfrm>
+            <a:prstGeom prst="line">
+              <a:avLst/>
+            </a:prstGeom>
+            <a:ln>
+              <a:prstDash val="sysDash"/>
+            </a:ln>
+          </p:spPr>
+          <p:style>
+            <a:lnRef idx="1">
+              <a:schemeClr val="accent1"/>
+            </a:lnRef>
+            <a:fillRef idx="0">
+              <a:schemeClr val="accent1"/>
+            </a:fillRef>
+            <a:effectRef idx="0">
+              <a:schemeClr val="accent1"/>
+            </a:effectRef>
+            <a:fontRef idx="minor">
+              <a:schemeClr val="tx1"/>
+            </a:fontRef>
+          </p:style>
+        </p:cxnSp>
+        <p:cxnSp>
+          <p:nvCxnSpPr>
+            <p:cNvPr id="14" name="직선 연결선 14"/>
+            <p:cNvCxnSpPr/>
+            <p:nvPr/>
+          </p:nvCxnSpPr>
+          <p:spPr>
+            <a:xfrm>
+              <a:off x="4672013" y="10113"/>
+              <a:ext cx="0" cy="4173959"/>
+            </a:xfrm>
+            <a:prstGeom prst="line">
+              <a:avLst/>
+            </a:prstGeom>
+            <a:ln>
+              <a:prstDash val="solid"/>
+            </a:ln>
+          </p:spPr>
+          <p:style>
+            <a:lnRef idx="1">
+              <a:schemeClr val="accent1"/>
+            </a:lnRef>
+            <a:fillRef idx="0">
+              <a:schemeClr val="accent1"/>
+            </a:fillRef>
+            <a:effectRef idx="0">
+              <a:schemeClr val="accent1"/>
+            </a:effectRef>
+            <a:fontRef idx="minor">
+              <a:schemeClr val="tx1"/>
+            </a:fontRef>
+          </p:style>
+        </p:cxnSp>
+        <p:cxnSp>
+          <p:nvCxnSpPr>
+            <p:cNvPr id="17" name="직선 연결선 15"/>
+            <p:cNvCxnSpPr/>
+            <p:nvPr/>
+          </p:nvCxnSpPr>
+          <p:spPr>
+            <a:xfrm>
+              <a:off x="63500" y="10113"/>
+              <a:ext cx="0" cy="4173959"/>
+            </a:xfrm>
+            <a:prstGeom prst="line">
+              <a:avLst/>
+            </a:prstGeom>
+            <a:ln w="9525">
+              <a:prstDash val="solid"/>
+            </a:ln>
+          </p:spPr>
+          <p:style>
+            <a:lnRef idx="1">
+              <a:schemeClr val="accent1"/>
+            </a:lnRef>
+            <a:fillRef idx="0">
+              <a:schemeClr val="accent1"/>
+            </a:fillRef>
+            <a:effectRef idx="0">
+              <a:schemeClr val="accent1"/>
+            </a:effectRef>
+            <a:fontRef idx="minor">
+              <a:schemeClr val="tx1"/>
+            </a:fontRef>
+          </p:style>
+        </p:cxnSp>
+        <p:cxnSp>
+          <p:nvCxnSpPr>
+            <p:cNvPr id="19" name="직선 연결선[R] 18"/>
+            <p:cNvCxnSpPr/>
+            <p:nvPr/>
+          </p:nvCxnSpPr>
+          <p:spPr>
+            <a:xfrm>
+              <a:off x="0" y="4137002"/>
+              <a:ext cx="4733925" cy="0"/>
+            </a:xfrm>
+            <a:prstGeom prst="line">
+              <a:avLst/>
+            </a:prstGeom>
+            <a:ln w="9525">
+              <a:prstDash val="solid"/>
+            </a:ln>
+          </p:spPr>
+          <p:style>
+            <a:lnRef idx="1">
+              <a:schemeClr val="accent1"/>
+            </a:lnRef>
+            <a:fillRef idx="0">
+              <a:schemeClr val="accent1"/>
+            </a:fillRef>
+            <a:effectRef idx="0">
+              <a:schemeClr val="accent1"/>
+            </a:effectRef>
+            <a:fontRef idx="minor">
+              <a:schemeClr val="tx1"/>
+            </a:fontRef>
+          </p:style>
+        </p:cxnSp>
+        <p:cxnSp>
+          <p:nvCxnSpPr>
+            <p:cNvPr id="21" name="직선 연결선[R] 20"/>
+            <p:cNvCxnSpPr/>
+            <p:nvPr/>
+          </p:nvCxnSpPr>
+          <p:spPr>
+            <a:xfrm>
+              <a:off x="2478" y="4241046"/>
+              <a:ext cx="4733925" cy="0"/>
+            </a:xfrm>
+            <a:prstGeom prst="line">
+              <a:avLst/>
+            </a:prstGeom>
+            <a:ln w="9525">
+              <a:prstDash val="solid"/>
+            </a:ln>
+          </p:spPr>
+          <p:style>
+            <a:lnRef idx="1">
+              <a:schemeClr val="accent1"/>
+            </a:lnRef>
+            <a:fillRef idx="0">
+              <a:schemeClr val="accent1"/>
+            </a:fillRef>
+            <a:effectRef idx="0">
+              <a:schemeClr val="accent1"/>
+            </a:effectRef>
+            <a:fontRef idx="minor">
+              <a:schemeClr val="tx1"/>
+            </a:fontRef>
+          </p:style>
+        </p:cxnSp>
+        <p:cxnSp>
+          <p:nvCxnSpPr>
+            <p:cNvPr id="22" name="직선 연결선[R] 21"/>
+            <p:cNvCxnSpPr/>
+            <p:nvPr/>
+          </p:nvCxnSpPr>
+          <p:spPr>
+            <a:xfrm>
+              <a:off x="0" y="11228"/>
+              <a:ext cx="4733925" cy="0"/>
+            </a:xfrm>
+            <a:prstGeom prst="line">
+              <a:avLst/>
+            </a:prstGeom>
+            <a:ln w="9525">
+              <a:prstDash val="solid"/>
+            </a:ln>
+          </p:spPr>
+          <p:style>
+            <a:lnRef idx="1">
+              <a:schemeClr val="accent1"/>
+            </a:lnRef>
+            <a:fillRef idx="0">
+              <a:schemeClr val="accent1"/>
+            </a:fillRef>
+            <a:effectRef idx="0">
+              <a:schemeClr val="accent1"/>
+            </a:effectRef>
+            <a:fontRef idx="minor">
+              <a:schemeClr val="tx1"/>
+            </a:fontRef>
+          </p:style>
+        </p:cxnSp>
+        <p:cxnSp>
+          <p:nvCxnSpPr>
+            <p:cNvPr id="23" name="직선 연결선[R] 22"/>
+            <p:cNvCxnSpPr/>
+            <p:nvPr/>
+          </p:nvCxnSpPr>
+          <p:spPr>
+            <a:xfrm>
+              <a:off x="2478" y="115274"/>
+              <a:ext cx="4733925" cy="0"/>
+            </a:xfrm>
+            <a:prstGeom prst="line">
+              <a:avLst/>
+            </a:prstGeom>
+            <a:ln w="9525">
+              <a:prstDash val="solid"/>
+            </a:ln>
+          </p:spPr>
+          <p:style>
+            <a:lnRef idx="1">
+              <a:schemeClr val="accent1"/>
+            </a:lnRef>
+            <a:fillRef idx="0">
+              <a:schemeClr val="accent1"/>
+            </a:fillRef>
+            <a:effectRef idx="0">
+              <a:schemeClr val="accent1"/>
+            </a:effectRef>
+            <a:fontRef idx="minor">
+              <a:schemeClr val="tx1"/>
+            </a:fontRef>
+          </p:style>
+        </p:cxnSp>
+      </p:grpSp>
+    </p:spTree>
+    <p:extLst>
+      <p:ext uri="{BB962C8B-B14F-4D97-AF65-F5344CB8AC3E}">
+        <p14:creationId xmlns:p14="http://schemas.microsoft.com/office/powerpoint/2010/main" val="857439239"/>
+      </p:ext>
+    </p:extLst>
+  </p:cSld>
+  <p:clrMapOvr>
+    <a:masterClrMapping/>
+  </p:clrMapOvr>
+</p:sld>
+</file>
+
+<file path=ppt/slides/slide6.xml><?xml version="1.0" encoding="utf-8"?>
 <p:sld xmlns:a="http://schemas.openxmlformats.org/drawingml/2006/main" xmlns:r="http://schemas.openxmlformats.org/officeDocument/2006/relationships" xmlns:p="http://schemas.openxmlformats.org/presentationml/2006/main" showMasterSp="0">
   <p:cSld>
     <p:spTree>
@@ -10917,7 +11726,7 @@
 </p:sld>
 </file>
 
-<file path=ppt/slides/slide6.xml><?xml version="1.0" encoding="utf-8"?>
+<file path=ppt/slides/slide7.xml><?xml version="1.0" encoding="utf-8"?>
 <p:sld xmlns:a="http://schemas.openxmlformats.org/drawingml/2006/main" xmlns:r="http://schemas.openxmlformats.org/officeDocument/2006/relationships" xmlns:p="http://schemas.openxmlformats.org/presentationml/2006/main" showMasterSp="0">
   <p:cSld>
     <p:spTree>
@@ -11673,7 +12482,7 @@
 </p:sld>
 </file>
 
-<file path=ppt/slides/slide7.xml><?xml version="1.0" encoding="utf-8"?>
+<file path=ppt/slides/slide8.xml><?xml version="1.0" encoding="utf-8"?>
 <p:sld xmlns:a="http://schemas.openxmlformats.org/drawingml/2006/main" xmlns:r="http://schemas.openxmlformats.org/officeDocument/2006/relationships" xmlns:p="http://schemas.openxmlformats.org/presentationml/2006/main">
   <p:cSld>
     <p:spTree>
@@ -11703,7 +12512,7 @@
 </p:sld>
 </file>
 
-<file path=ppt/slides/slide8.xml><?xml version="1.0" encoding="utf-8"?>
+<file path=ppt/slides/slide9.xml><?xml version="1.0" encoding="utf-8"?>
 <p:sld xmlns:a="http://schemas.openxmlformats.org/drawingml/2006/main" xmlns:r="http://schemas.openxmlformats.org/officeDocument/2006/relationships" xmlns:p="http://schemas.openxmlformats.org/presentationml/2006/main">
   <p:cSld>
     <p:spTree>
@@ -11811,259 +12620,6 @@
     <p:extLst>
       <p:ext uri="{BB962C8B-B14F-4D97-AF65-F5344CB8AC3E}">
         <p14:creationId xmlns:p14="http://schemas.microsoft.com/office/powerpoint/2010/main" val="937667152"/>
-      </p:ext>
-    </p:extLst>
-  </p:cSld>
-  <p:clrMapOvr>
-    <a:masterClrMapping/>
-  </p:clrMapOvr>
-</p:sld>
-</file>
-
-<file path=ppt/slides/slide9.xml><?xml version="1.0" encoding="utf-8"?>
-<p:sld xmlns:a="http://schemas.openxmlformats.org/drawingml/2006/main" xmlns:r="http://schemas.openxmlformats.org/officeDocument/2006/relationships" xmlns:p="http://schemas.openxmlformats.org/presentationml/2006/main">
-  <p:cSld>
-    <p:spTree>
-      <p:nvGrpSpPr>
-        <p:cNvPr id="1" name=""/>
-        <p:cNvGrpSpPr/>
-        <p:nvPr/>
-      </p:nvGrpSpPr>
-      <p:grpSpPr>
-        <a:xfrm>
-          <a:off x="0" y="0"/>
-          <a:ext cx="0" cy="0"/>
-          <a:chOff x="0" y="0"/>
-          <a:chExt cx="0" cy="0"/>
-        </a:xfrm>
-      </p:grpSpPr>
-      <p:sp>
-        <p:nvSpPr>
-          <p:cNvPr id="4" name="Rectangle 21"/>
-          <p:cNvSpPr/>
-          <p:nvPr/>
-        </p:nvSpPr>
-        <p:spPr>
-          <a:xfrm>
-            <a:off x="129963" y="825936"/>
-            <a:ext cx="4474003" cy="612137"/>
-          </a:xfrm>
-          <a:prstGeom prst="rect">
-            <a:avLst/>
-          </a:prstGeom>
-          <a:blipFill dpi="0" rotWithShape="1">
-            <a:blip r:embed="rId2">
-              <a:alphaModFix amt="45000"/>
-              <a:duotone>
-                <a:schemeClr val="accent2">
-                  <a:shade val="45000"/>
-                  <a:satMod val="135000"/>
-                </a:schemeClr>
-                <a:prstClr val="white"/>
-              </a:duotone>
-            </a:blip>
-            <a:srcRect/>
-            <a:tile tx="-44450" ty="38100" sx="85000" sy="85000" flip="none" algn="tl"/>
-          </a:blipFill>
-          <a:ln>
-            <a:noFill/>
-          </a:ln>
-        </p:spPr>
-        <p:style>
-          <a:lnRef idx="2">
-            <a:schemeClr val="accent1">
-              <a:shade val="50000"/>
-            </a:schemeClr>
-          </a:lnRef>
-          <a:fillRef idx="1">
-            <a:schemeClr val="accent1"/>
-          </a:fillRef>
-          <a:effectRef idx="0">
-            <a:schemeClr val="accent1"/>
-          </a:effectRef>
-          <a:fontRef idx="minor">
-            <a:schemeClr val="lt1"/>
-          </a:fontRef>
-        </p:style>
-      </p:sp>
-      <p:sp>
-        <p:nvSpPr>
-          <p:cNvPr id="5" name="Rectangle 21"/>
-          <p:cNvSpPr/>
-          <p:nvPr/>
-        </p:nvSpPr>
-        <p:spPr>
-          <a:xfrm>
-            <a:off x="129963" y="2579832"/>
-            <a:ext cx="4474003" cy="822183"/>
-          </a:xfrm>
-          <a:prstGeom prst="rect">
-            <a:avLst/>
-          </a:prstGeom>
-          <a:blipFill dpi="0" rotWithShape="1">
-            <a:blip r:embed="rId2">
-              <a:alphaModFix amt="45000"/>
-              <a:duotone>
-                <a:schemeClr val="accent2">
-                  <a:shade val="45000"/>
-                  <a:satMod val="135000"/>
-                </a:schemeClr>
-                <a:prstClr val="white"/>
-              </a:duotone>
-            </a:blip>
-            <a:srcRect/>
-            <a:tile tx="-44450" ty="38100" sx="85000" sy="85000" flip="none" algn="tl"/>
-          </a:blipFill>
-          <a:ln>
-            <a:noFill/>
-          </a:ln>
-        </p:spPr>
-        <p:style>
-          <a:lnRef idx="2">
-            <a:schemeClr val="accent1">
-              <a:shade val="50000"/>
-            </a:schemeClr>
-          </a:lnRef>
-          <a:fillRef idx="1">
-            <a:schemeClr val="accent1"/>
-          </a:fillRef>
-          <a:effectRef idx="0">
-            <a:schemeClr val="accent1"/>
-          </a:effectRef>
-          <a:fontRef idx="minor">
-            <a:schemeClr val="lt1"/>
-          </a:fontRef>
-        </p:style>
-      </p:sp>
-      <p:sp>
-        <p:nvSpPr>
-          <p:cNvPr id="8" name="제목 7"/>
-          <p:cNvSpPr>
-            <a:spLocks noGrp="1"/>
-          </p:cNvSpPr>
-          <p:nvPr>
-            <p:ph type="title"/>
-          </p:nvPr>
-        </p:nvSpPr>
-        <p:spPr/>
-        <p:txBody>
-          <a:bodyPr/>
-          <a:lstStyle/>
-          <a:p>
-            <a:endParaRPr lang="ko-KR" altLang="en-US"/>
-          </a:p>
-        </p:txBody>
-      </p:sp>
-      <p:sp>
-        <p:nvSpPr>
-          <p:cNvPr id="9" name="직사각형 8"/>
-          <p:cNvSpPr/>
-          <p:nvPr/>
-        </p:nvSpPr>
-        <p:spPr>
-          <a:xfrm>
-            <a:off x="228986" y="2653345"/>
-            <a:ext cx="4266955" cy="684153"/>
-          </a:xfrm>
-          <a:prstGeom prst="rect">
-            <a:avLst/>
-          </a:prstGeom>
-          <a:solidFill>
-            <a:schemeClr val="bg1">
-              <a:alpha val="67000"/>
-            </a:schemeClr>
-          </a:solidFill>
-          <a:ln>
-            <a:solidFill>
-              <a:schemeClr val="bg1"/>
-            </a:solidFill>
-          </a:ln>
-        </p:spPr>
-        <p:style>
-          <a:lnRef idx="2">
-            <a:schemeClr val="accent1">
-              <a:shade val="50000"/>
-            </a:schemeClr>
-          </a:lnRef>
-          <a:fillRef idx="1">
-            <a:schemeClr val="accent1"/>
-          </a:fillRef>
-          <a:effectRef idx="0">
-            <a:schemeClr val="accent1"/>
-          </a:effectRef>
-          <a:fontRef idx="minor">
-            <a:schemeClr val="lt1"/>
-          </a:fontRef>
-        </p:style>
-        <p:txBody>
-          <a:bodyPr rtlCol="0" anchor="ctr"/>
-          <a:lstStyle/>
-          <a:p>
-            <a:pPr algn="ctr"/>
-            <a:endParaRPr lang="ko-KR" altLang="en-US" sz="1701"/>
-          </a:p>
-        </p:txBody>
-      </p:sp>
-      <p:sp>
-        <p:nvSpPr>
-          <p:cNvPr id="10" name="직사각형 9"/>
-          <p:cNvSpPr/>
-          <p:nvPr/>
-        </p:nvSpPr>
-        <p:spPr>
-          <a:xfrm>
-            <a:off x="264991" y="2717861"/>
-            <a:ext cx="4194940" cy="583630"/>
-          </a:xfrm>
-          <a:prstGeom prst="rect">
-            <a:avLst/>
-          </a:prstGeom>
-          <a:solidFill>
-            <a:schemeClr val="bg1"/>
-          </a:solidFill>
-          <a:ln>
-            <a:solidFill>
-              <a:schemeClr val="bg1">
-                <a:lumMod val="50000"/>
-              </a:schemeClr>
-            </a:solidFill>
-            <a:prstDash val="sysDash"/>
-          </a:ln>
-        </p:spPr>
-        <p:style>
-          <a:lnRef idx="0">
-            <a:scrgbClr r="0" g="0" b="0"/>
-          </a:lnRef>
-          <a:fillRef idx="0">
-            <a:scrgbClr r="0" g="0" b="0"/>
-          </a:fillRef>
-          <a:effectRef idx="0">
-            <a:scrgbClr r="0" g="0" b="0"/>
-          </a:effectRef>
-          <a:fontRef idx="minor">
-            <a:schemeClr val="dk1"/>
-          </a:fontRef>
-        </p:style>
-        <p:txBody>
-          <a:bodyPr rtlCol="0" anchor="ctr"/>
-          <a:lstStyle/>
-          <a:p>
-            <a:pPr algn="ctr"/>
-            <a:r>
-              <a:rPr lang="ko-KR" altLang="en-US" sz="1701" dirty="0" err="1"/>
-              <a:t>입당예배에</a:t>
-            </a:r>
-            <a:r>
-              <a:rPr lang="ko-KR" altLang="en-US" sz="1701" dirty="0"/>
-              <a:t> 초대합니다</a:t>
-            </a:r>
-          </a:p>
-        </p:txBody>
-      </p:sp>
-    </p:spTree>
-    <p:extLst>
-      <p:ext uri="{BB962C8B-B14F-4D97-AF65-F5344CB8AC3E}">
-        <p14:creationId xmlns:p14="http://schemas.microsoft.com/office/powerpoint/2010/main" val="131072309"/>
       </p:ext>
     </p:extLst>
   </p:cSld>
